--- a/model.pptx
+++ b/model.pptx
@@ -6,6 +6,8 @@
   </p:sldMasterIdLst>
   <p:sldIdLst>
     <p:sldId id="256" r:id="rId2"/>
+    <p:sldId id="257" r:id="rId3"/>
+    <p:sldId id="258" r:id="rId4"/>
   </p:sldIdLst>
   <p:sldSz cx="9144000" cy="6858000" type="screen4x3"/>
   <p:notesSz cx="6858000" cy="9144000"/>
@@ -112,6 +114,11 @@
             <a:srgbClr val="A4A3A4"/>
           </p15:clr>
         </p15:guide>
+        <p15:guide id="2" pos="2880">
+          <p15:clr>
+            <a:srgbClr val="A4A3A4"/>
+          </p15:clr>
+        </p15:guide>
       </p15:sldGuideLst>
     </p:ext>
   </p:extLst>
@@ -249,7 +256,7 @@
           <a:p>
             <a:fld id="{824D94B4-09CF-5746-A7BC-392D3451DE3D}" type="datetimeFigureOut">
               <a:rPr kumimoji="1" lang="ja-JP" altLang="en-US" smtClean="0"/>
-              <a:t>2019/10/3</a:t>
+              <a:t>2019/10/4</a:t>
             </a:fld>
             <a:endParaRPr kumimoji="1" lang="ja-JP" altLang="en-US"/>
           </a:p>
@@ -427,7 +434,7 @@
           <a:p>
             <a:fld id="{824D94B4-09CF-5746-A7BC-392D3451DE3D}" type="datetimeFigureOut">
               <a:rPr kumimoji="1" lang="ja-JP" altLang="en-US" smtClean="0"/>
-              <a:t>2019/10/3</a:t>
+              <a:t>2019/10/4</a:t>
             </a:fld>
             <a:endParaRPr kumimoji="1" lang="ja-JP" altLang="en-US"/>
           </a:p>
@@ -615,7 +622,7 @@
           <a:p>
             <a:fld id="{824D94B4-09CF-5746-A7BC-392D3451DE3D}" type="datetimeFigureOut">
               <a:rPr kumimoji="1" lang="ja-JP" altLang="en-US" smtClean="0"/>
-              <a:t>2019/10/3</a:t>
+              <a:t>2019/10/4</a:t>
             </a:fld>
             <a:endParaRPr kumimoji="1" lang="ja-JP" altLang="en-US"/>
           </a:p>
@@ -793,7 +800,7 @@
           <a:p>
             <a:fld id="{824D94B4-09CF-5746-A7BC-392D3451DE3D}" type="datetimeFigureOut">
               <a:rPr kumimoji="1" lang="ja-JP" altLang="en-US" smtClean="0"/>
-              <a:t>2019/10/3</a:t>
+              <a:t>2019/10/4</a:t>
             </a:fld>
             <a:endParaRPr kumimoji="1" lang="ja-JP" altLang="en-US"/>
           </a:p>
@@ -1074,7 +1081,7 @@
           <a:p>
             <a:fld id="{824D94B4-09CF-5746-A7BC-392D3451DE3D}" type="datetimeFigureOut">
               <a:rPr kumimoji="1" lang="ja-JP" altLang="en-US" smtClean="0"/>
-              <a:t>2019/10/3</a:t>
+              <a:t>2019/10/4</a:t>
             </a:fld>
             <a:endParaRPr kumimoji="1" lang="ja-JP" altLang="en-US"/>
           </a:p>
@@ -1322,7 +1329,7 @@
           <a:p>
             <a:fld id="{824D94B4-09CF-5746-A7BC-392D3451DE3D}" type="datetimeFigureOut">
               <a:rPr kumimoji="1" lang="ja-JP" altLang="en-US" smtClean="0"/>
-              <a:t>2019/10/3</a:t>
+              <a:t>2019/10/4</a:t>
             </a:fld>
             <a:endParaRPr kumimoji="1" lang="ja-JP" altLang="en-US"/>
           </a:p>
@@ -1779,7 +1786,7 @@
           <a:p>
             <a:fld id="{824D94B4-09CF-5746-A7BC-392D3451DE3D}" type="datetimeFigureOut">
               <a:rPr kumimoji="1" lang="ja-JP" altLang="en-US" smtClean="0"/>
-              <a:t>2019/10/3</a:t>
+              <a:t>2019/10/4</a:t>
             </a:fld>
             <a:endParaRPr kumimoji="1" lang="ja-JP" altLang="en-US"/>
           </a:p>
@@ -1897,7 +1904,7 @@
           <a:p>
             <a:fld id="{824D94B4-09CF-5746-A7BC-392D3451DE3D}" type="datetimeFigureOut">
               <a:rPr kumimoji="1" lang="ja-JP" altLang="en-US" smtClean="0"/>
-              <a:t>2019/10/3</a:t>
+              <a:t>2019/10/4</a:t>
             </a:fld>
             <a:endParaRPr kumimoji="1" lang="ja-JP" altLang="en-US"/>
           </a:p>
@@ -1992,7 +1999,7 @@
           <a:p>
             <a:fld id="{824D94B4-09CF-5746-A7BC-392D3451DE3D}" type="datetimeFigureOut">
               <a:rPr kumimoji="1" lang="ja-JP" altLang="en-US" smtClean="0"/>
-              <a:t>2019/10/3</a:t>
+              <a:t>2019/10/4</a:t>
             </a:fld>
             <a:endParaRPr kumimoji="1" lang="ja-JP" altLang="en-US"/>
           </a:p>
@@ -2314,7 +2321,7 @@
           <a:p>
             <a:fld id="{824D94B4-09CF-5746-A7BC-392D3451DE3D}" type="datetimeFigureOut">
               <a:rPr kumimoji="1" lang="ja-JP" altLang="en-US" smtClean="0"/>
-              <a:t>2019/10/3</a:t>
+              <a:t>2019/10/4</a:t>
             </a:fld>
             <a:endParaRPr kumimoji="1" lang="ja-JP" altLang="en-US"/>
           </a:p>
@@ -2608,7 +2615,7 @@
           <a:p>
             <a:fld id="{824D94B4-09CF-5746-A7BC-392D3451DE3D}" type="datetimeFigureOut">
               <a:rPr kumimoji="1" lang="ja-JP" altLang="en-US" smtClean="0"/>
-              <a:t>2019/10/3</a:t>
+              <a:t>2019/10/4</a:t>
             </a:fld>
             <a:endParaRPr kumimoji="1" lang="ja-JP" altLang="en-US"/>
           </a:p>
@@ -2829,7 +2836,7 @@
           <a:p>
             <a:fld id="{824D94B4-09CF-5746-A7BC-392D3451DE3D}" type="datetimeFigureOut">
               <a:rPr kumimoji="1" lang="ja-JP" altLang="en-US" smtClean="0"/>
-              <a:t>2019/10/3</a:t>
+              <a:t>2019/10/4</a:t>
             </a:fld>
             <a:endParaRPr kumimoji="1" lang="ja-JP" altLang="en-US"/>
           </a:p>
@@ -3803,6 +3810,1384 @@
 </p:sld>
 </file>
 
+<file path=ppt/slides/slide2.xml><?xml version="1.0" encoding="utf-8"?>
+<p:sld xmlns:a="http://schemas.openxmlformats.org/drawingml/2006/main" xmlns:r="http://schemas.openxmlformats.org/officeDocument/2006/relationships" xmlns:p="http://schemas.openxmlformats.org/presentationml/2006/main">
+  <p:cSld>
+    <p:spTree>
+      <p:nvGrpSpPr>
+        <p:cNvPr id="1" name=""/>
+        <p:cNvGrpSpPr/>
+        <p:nvPr/>
+      </p:nvGrpSpPr>
+      <p:grpSpPr>
+        <a:xfrm>
+          <a:off x="0" y="0"/>
+          <a:ext cx="0" cy="0"/>
+          <a:chOff x="0" y="0"/>
+          <a:chExt cx="0" cy="0"/>
+        </a:xfrm>
+      </p:grpSpPr>
+      <p:sp>
+        <p:nvSpPr>
+          <p:cNvPr id="4" name="円/楕円 3">
+            <a:extLst>
+              <a:ext uri="{FF2B5EF4-FFF2-40B4-BE49-F238E27FC236}">
+                <a16:creationId xmlns:a16="http://schemas.microsoft.com/office/drawing/2014/main" id="{781B1CF4-E753-224E-97FD-9D458F19A9DD}"/>
+              </a:ext>
+            </a:extLst>
+          </p:cNvPr>
+          <p:cNvSpPr/>
+          <p:nvPr/>
+        </p:nvSpPr>
+        <p:spPr>
+          <a:xfrm>
+            <a:off x="1981199" y="412376"/>
+            <a:ext cx="5495365" cy="5495365"/>
+          </a:xfrm>
+          <a:prstGeom prst="ellipse">
+            <a:avLst/>
+          </a:prstGeom>
+          <a:solidFill>
+            <a:schemeClr val="bg1">
+              <a:lumMod val="85000"/>
+            </a:schemeClr>
+          </a:solidFill>
+          <a:ln>
+            <a:solidFill>
+              <a:schemeClr val="tx1"/>
+            </a:solidFill>
+          </a:ln>
+        </p:spPr>
+        <p:style>
+          <a:lnRef idx="2">
+            <a:schemeClr val="accent1">
+              <a:shade val="50000"/>
+            </a:schemeClr>
+          </a:lnRef>
+          <a:fillRef idx="1">
+            <a:schemeClr val="accent1"/>
+          </a:fillRef>
+          <a:effectRef idx="0">
+            <a:schemeClr val="accent1"/>
+          </a:effectRef>
+          <a:fontRef idx="minor">
+            <a:schemeClr val="lt1"/>
+          </a:fontRef>
+        </p:style>
+        <p:txBody>
+          <a:bodyPr rtlCol="0" anchor="ctr"/>
+          <a:lstStyle/>
+          <a:p>
+            <a:pPr algn="ctr"/>
+            <a:r>
+              <a:rPr kumimoji="1" lang="en-US" altLang="ja-JP" dirty="0">
+                <a:latin typeface="Hiragino Sans W4" panose="020B0400000000000000" pitchFamily="34" charset="-128"/>
+                <a:ea typeface="Hiragino Sans W4" panose="020B0400000000000000" pitchFamily="34" charset="-128"/>
+              </a:rPr>
+              <a:t>before</a:t>
+            </a:r>
+            <a:endParaRPr kumimoji="1" lang="ja-JP" altLang="en-US">
+              <a:latin typeface="Hiragino Sans W4" panose="020B0400000000000000" pitchFamily="34" charset="-128"/>
+              <a:ea typeface="Hiragino Sans W4" panose="020B0400000000000000" pitchFamily="34" charset="-128"/>
+            </a:endParaRPr>
+          </a:p>
+        </p:txBody>
+      </p:sp>
+      <p:sp>
+        <p:nvSpPr>
+          <p:cNvPr id="5" name="円/楕円 4">
+            <a:extLst>
+              <a:ext uri="{FF2B5EF4-FFF2-40B4-BE49-F238E27FC236}">
+                <a16:creationId xmlns:a16="http://schemas.microsoft.com/office/drawing/2014/main" id="{D6B4A4D3-9784-AC4D-B89A-4CAB83389CE4}"/>
+              </a:ext>
+            </a:extLst>
+          </p:cNvPr>
+          <p:cNvSpPr/>
+          <p:nvPr/>
+        </p:nvSpPr>
+        <p:spPr>
+          <a:xfrm>
+            <a:off x="3281082" y="1703293"/>
+            <a:ext cx="2904563" cy="2904563"/>
+          </a:xfrm>
+          <a:prstGeom prst="ellipse">
+            <a:avLst/>
+          </a:prstGeom>
+          <a:solidFill>
+            <a:schemeClr val="bg1">
+              <a:lumMod val="50000"/>
+            </a:schemeClr>
+          </a:solidFill>
+          <a:ln>
+            <a:solidFill>
+              <a:schemeClr val="tx1"/>
+            </a:solidFill>
+          </a:ln>
+        </p:spPr>
+        <p:style>
+          <a:lnRef idx="2">
+            <a:schemeClr val="accent1">
+              <a:shade val="50000"/>
+            </a:schemeClr>
+          </a:lnRef>
+          <a:fillRef idx="1">
+            <a:schemeClr val="accent1"/>
+          </a:fillRef>
+          <a:effectRef idx="0">
+            <a:schemeClr val="accent1"/>
+          </a:effectRef>
+          <a:fontRef idx="minor">
+            <a:schemeClr val="lt1"/>
+          </a:fontRef>
+        </p:style>
+        <p:txBody>
+          <a:bodyPr rtlCol="0" anchor="ctr"/>
+          <a:lstStyle/>
+          <a:p>
+            <a:pPr algn="ctr"/>
+            <a:r>
+              <a:rPr lang="en-US" altLang="ja-JP" dirty="0">
+                <a:latin typeface="Hiragino Sans W4" panose="020B0400000000000000" pitchFamily="34" charset="-128"/>
+                <a:ea typeface="Hiragino Sans W4" panose="020B0400000000000000" pitchFamily="34" charset="-128"/>
+              </a:rPr>
+              <a:t>passing</a:t>
+            </a:r>
+            <a:endParaRPr kumimoji="1" lang="ja-JP" altLang="en-US">
+              <a:latin typeface="Hiragino Sans W4" panose="020B0400000000000000" pitchFamily="34" charset="-128"/>
+              <a:ea typeface="Hiragino Sans W4" panose="020B0400000000000000" pitchFamily="34" charset="-128"/>
+            </a:endParaRPr>
+          </a:p>
+        </p:txBody>
+      </p:sp>
+      <p:cxnSp>
+        <p:nvCxnSpPr>
+          <p:cNvPr id="7" name="直線コネクタ 6">
+            <a:extLst>
+              <a:ext uri="{FF2B5EF4-FFF2-40B4-BE49-F238E27FC236}">
+                <a16:creationId xmlns:a16="http://schemas.microsoft.com/office/drawing/2014/main" id="{55F63CE8-DD56-A34F-BAAD-D0F37F0A5A47}"/>
+              </a:ext>
+            </a:extLst>
+          </p:cNvPr>
+          <p:cNvCxnSpPr>
+            <a:cxnSpLocks/>
+          </p:cNvCxnSpPr>
+          <p:nvPr/>
+        </p:nvCxnSpPr>
+        <p:spPr>
+          <a:xfrm>
+            <a:off x="3603812" y="-2"/>
+            <a:ext cx="0" cy="1990165"/>
+          </a:xfrm>
+          <a:prstGeom prst="line">
+            <a:avLst/>
+          </a:prstGeom>
+          <a:ln>
+            <a:solidFill>
+              <a:schemeClr val="tx1"/>
+            </a:solidFill>
+          </a:ln>
+        </p:spPr>
+        <p:style>
+          <a:lnRef idx="1">
+            <a:schemeClr val="accent1"/>
+          </a:lnRef>
+          <a:fillRef idx="0">
+            <a:schemeClr val="accent1"/>
+          </a:fillRef>
+          <a:effectRef idx="0">
+            <a:schemeClr val="accent1"/>
+          </a:effectRef>
+          <a:fontRef idx="minor">
+            <a:schemeClr val="tx1"/>
+          </a:fontRef>
+        </p:style>
+      </p:cxnSp>
+      <p:cxnSp>
+        <p:nvCxnSpPr>
+          <p:cNvPr id="8" name="直線コネクタ 7">
+            <a:extLst>
+              <a:ext uri="{FF2B5EF4-FFF2-40B4-BE49-F238E27FC236}">
+                <a16:creationId xmlns:a16="http://schemas.microsoft.com/office/drawing/2014/main" id="{8BBCC202-0914-374D-BD69-AC6B5B1FD3DA}"/>
+              </a:ext>
+            </a:extLst>
+          </p:cNvPr>
+          <p:cNvCxnSpPr/>
+          <p:nvPr/>
+        </p:nvCxnSpPr>
+        <p:spPr>
+          <a:xfrm>
+            <a:off x="5755341" y="-1"/>
+            <a:ext cx="0" cy="1990165"/>
+          </a:xfrm>
+          <a:prstGeom prst="line">
+            <a:avLst/>
+          </a:prstGeom>
+          <a:ln>
+            <a:solidFill>
+              <a:schemeClr val="tx1"/>
+            </a:solidFill>
+          </a:ln>
+        </p:spPr>
+        <p:style>
+          <a:lnRef idx="1">
+            <a:schemeClr val="accent1"/>
+          </a:lnRef>
+          <a:fillRef idx="0">
+            <a:schemeClr val="accent1"/>
+          </a:fillRef>
+          <a:effectRef idx="0">
+            <a:schemeClr val="accent1"/>
+          </a:effectRef>
+          <a:fontRef idx="minor">
+            <a:schemeClr val="tx1"/>
+          </a:fontRef>
+        </p:style>
+      </p:cxnSp>
+      <p:cxnSp>
+        <p:nvCxnSpPr>
+          <p:cNvPr id="9" name="直線コネクタ 8">
+            <a:extLst>
+              <a:ext uri="{FF2B5EF4-FFF2-40B4-BE49-F238E27FC236}">
+                <a16:creationId xmlns:a16="http://schemas.microsoft.com/office/drawing/2014/main" id="{BA6B0131-7534-2C48-A9A1-4D0A3CD05433}"/>
+              </a:ext>
+            </a:extLst>
+          </p:cNvPr>
+          <p:cNvCxnSpPr/>
+          <p:nvPr/>
+        </p:nvCxnSpPr>
+        <p:spPr>
+          <a:xfrm>
+            <a:off x="5755341" y="4491315"/>
+            <a:ext cx="0" cy="1990165"/>
+          </a:xfrm>
+          <a:prstGeom prst="line">
+            <a:avLst/>
+          </a:prstGeom>
+          <a:ln>
+            <a:solidFill>
+              <a:schemeClr val="tx1"/>
+            </a:solidFill>
+          </a:ln>
+        </p:spPr>
+        <p:style>
+          <a:lnRef idx="1">
+            <a:schemeClr val="accent1"/>
+          </a:lnRef>
+          <a:fillRef idx="0">
+            <a:schemeClr val="accent1"/>
+          </a:fillRef>
+          <a:effectRef idx="0">
+            <a:schemeClr val="accent1"/>
+          </a:effectRef>
+          <a:fontRef idx="minor">
+            <a:schemeClr val="tx1"/>
+          </a:fontRef>
+        </p:style>
+      </p:cxnSp>
+      <p:cxnSp>
+        <p:nvCxnSpPr>
+          <p:cNvPr id="10" name="直線コネクタ 9">
+            <a:extLst>
+              <a:ext uri="{FF2B5EF4-FFF2-40B4-BE49-F238E27FC236}">
+                <a16:creationId xmlns:a16="http://schemas.microsoft.com/office/drawing/2014/main" id="{A32AFFB2-D7AD-A243-AF83-997F24F091C6}"/>
+              </a:ext>
+            </a:extLst>
+          </p:cNvPr>
+          <p:cNvCxnSpPr/>
+          <p:nvPr/>
+        </p:nvCxnSpPr>
+        <p:spPr>
+          <a:xfrm>
+            <a:off x="3603812" y="4491315"/>
+            <a:ext cx="0" cy="1990165"/>
+          </a:xfrm>
+          <a:prstGeom prst="line">
+            <a:avLst/>
+          </a:prstGeom>
+          <a:ln>
+            <a:solidFill>
+              <a:schemeClr val="tx1"/>
+            </a:solidFill>
+          </a:ln>
+        </p:spPr>
+        <p:style>
+          <a:lnRef idx="1">
+            <a:schemeClr val="accent1"/>
+          </a:lnRef>
+          <a:fillRef idx="0">
+            <a:schemeClr val="accent1"/>
+          </a:fillRef>
+          <a:effectRef idx="0">
+            <a:schemeClr val="accent1"/>
+          </a:effectRef>
+          <a:fontRef idx="minor">
+            <a:schemeClr val="tx1"/>
+          </a:fontRef>
+        </p:style>
+      </p:cxnSp>
+      <p:cxnSp>
+        <p:nvCxnSpPr>
+          <p:cNvPr id="12" name="直線コネクタ 11">
+            <a:extLst>
+              <a:ext uri="{FF2B5EF4-FFF2-40B4-BE49-F238E27FC236}">
+                <a16:creationId xmlns:a16="http://schemas.microsoft.com/office/drawing/2014/main" id="{CA065A4C-ED66-5443-B5B1-745E656AB32A}"/>
+              </a:ext>
+            </a:extLst>
+          </p:cNvPr>
+          <p:cNvCxnSpPr>
+            <a:cxnSpLocks/>
+          </p:cNvCxnSpPr>
+          <p:nvPr/>
+        </p:nvCxnSpPr>
+        <p:spPr>
+          <a:xfrm>
+            <a:off x="1613648" y="1990163"/>
+            <a:ext cx="1990164" cy="0"/>
+          </a:xfrm>
+          <a:prstGeom prst="line">
+            <a:avLst/>
+          </a:prstGeom>
+          <a:ln>
+            <a:solidFill>
+              <a:schemeClr val="tx1"/>
+            </a:solidFill>
+          </a:ln>
+        </p:spPr>
+        <p:style>
+          <a:lnRef idx="1">
+            <a:schemeClr val="accent1"/>
+          </a:lnRef>
+          <a:fillRef idx="0">
+            <a:schemeClr val="accent1"/>
+          </a:fillRef>
+          <a:effectRef idx="0">
+            <a:schemeClr val="accent1"/>
+          </a:effectRef>
+          <a:fontRef idx="minor">
+            <a:schemeClr val="tx1"/>
+          </a:fontRef>
+        </p:style>
+      </p:cxnSp>
+      <p:cxnSp>
+        <p:nvCxnSpPr>
+          <p:cNvPr id="19" name="直線コネクタ 18">
+            <a:extLst>
+              <a:ext uri="{FF2B5EF4-FFF2-40B4-BE49-F238E27FC236}">
+                <a16:creationId xmlns:a16="http://schemas.microsoft.com/office/drawing/2014/main" id="{AE62CB70-B312-EF4D-9822-751D0528D4C3}"/>
+              </a:ext>
+            </a:extLst>
+          </p:cNvPr>
+          <p:cNvCxnSpPr>
+            <a:cxnSpLocks/>
+          </p:cNvCxnSpPr>
+          <p:nvPr/>
+        </p:nvCxnSpPr>
+        <p:spPr>
+          <a:xfrm>
+            <a:off x="5755341" y="4491313"/>
+            <a:ext cx="1990164" cy="0"/>
+          </a:xfrm>
+          <a:prstGeom prst="line">
+            <a:avLst/>
+          </a:prstGeom>
+          <a:ln>
+            <a:solidFill>
+              <a:schemeClr val="tx1"/>
+            </a:solidFill>
+          </a:ln>
+        </p:spPr>
+        <p:style>
+          <a:lnRef idx="1">
+            <a:schemeClr val="accent1"/>
+          </a:lnRef>
+          <a:fillRef idx="0">
+            <a:schemeClr val="accent1"/>
+          </a:fillRef>
+          <a:effectRef idx="0">
+            <a:schemeClr val="accent1"/>
+          </a:effectRef>
+          <a:fontRef idx="minor">
+            <a:schemeClr val="tx1"/>
+          </a:fontRef>
+        </p:style>
+      </p:cxnSp>
+      <p:cxnSp>
+        <p:nvCxnSpPr>
+          <p:cNvPr id="20" name="直線コネクタ 19">
+            <a:extLst>
+              <a:ext uri="{FF2B5EF4-FFF2-40B4-BE49-F238E27FC236}">
+                <a16:creationId xmlns:a16="http://schemas.microsoft.com/office/drawing/2014/main" id="{4D16F16B-C821-AB4A-8DC6-6F3EC8AC0A09}"/>
+              </a:ext>
+            </a:extLst>
+          </p:cNvPr>
+          <p:cNvCxnSpPr>
+            <a:cxnSpLocks/>
+          </p:cNvCxnSpPr>
+          <p:nvPr/>
+        </p:nvCxnSpPr>
+        <p:spPr>
+          <a:xfrm>
+            <a:off x="1613649" y="4491315"/>
+            <a:ext cx="1990164" cy="0"/>
+          </a:xfrm>
+          <a:prstGeom prst="line">
+            <a:avLst/>
+          </a:prstGeom>
+          <a:ln>
+            <a:solidFill>
+              <a:schemeClr val="tx1"/>
+            </a:solidFill>
+          </a:ln>
+        </p:spPr>
+        <p:style>
+          <a:lnRef idx="1">
+            <a:schemeClr val="accent1"/>
+          </a:lnRef>
+          <a:fillRef idx="0">
+            <a:schemeClr val="accent1"/>
+          </a:fillRef>
+          <a:effectRef idx="0">
+            <a:schemeClr val="accent1"/>
+          </a:effectRef>
+          <a:fontRef idx="minor">
+            <a:schemeClr val="tx1"/>
+          </a:fontRef>
+        </p:style>
+      </p:cxnSp>
+      <p:cxnSp>
+        <p:nvCxnSpPr>
+          <p:cNvPr id="21" name="直線コネクタ 20">
+            <a:extLst>
+              <a:ext uri="{FF2B5EF4-FFF2-40B4-BE49-F238E27FC236}">
+                <a16:creationId xmlns:a16="http://schemas.microsoft.com/office/drawing/2014/main" id="{B361C457-A019-DA48-B76A-833D4AA0E70F}"/>
+              </a:ext>
+            </a:extLst>
+          </p:cNvPr>
+          <p:cNvCxnSpPr>
+            <a:cxnSpLocks/>
+          </p:cNvCxnSpPr>
+          <p:nvPr/>
+        </p:nvCxnSpPr>
+        <p:spPr>
+          <a:xfrm>
+            <a:off x="5755341" y="1990163"/>
+            <a:ext cx="1990164" cy="0"/>
+          </a:xfrm>
+          <a:prstGeom prst="line">
+            <a:avLst/>
+          </a:prstGeom>
+          <a:ln>
+            <a:solidFill>
+              <a:schemeClr val="tx1"/>
+            </a:solidFill>
+          </a:ln>
+        </p:spPr>
+        <p:style>
+          <a:lnRef idx="1">
+            <a:schemeClr val="accent1"/>
+          </a:lnRef>
+          <a:fillRef idx="0">
+            <a:schemeClr val="accent1"/>
+          </a:fillRef>
+          <a:effectRef idx="0">
+            <a:schemeClr val="accent1"/>
+          </a:effectRef>
+          <a:fontRef idx="minor">
+            <a:schemeClr val="tx1"/>
+          </a:fontRef>
+        </p:style>
+      </p:cxnSp>
+      <p:cxnSp>
+        <p:nvCxnSpPr>
+          <p:cNvPr id="23" name="直線コネクタ 22">
+            <a:extLst>
+              <a:ext uri="{FF2B5EF4-FFF2-40B4-BE49-F238E27FC236}">
+                <a16:creationId xmlns:a16="http://schemas.microsoft.com/office/drawing/2014/main" id="{5BE1C210-1BCC-8A48-8048-25B92991EC76}"/>
+              </a:ext>
+            </a:extLst>
+          </p:cNvPr>
+          <p:cNvCxnSpPr>
+            <a:cxnSpLocks/>
+          </p:cNvCxnSpPr>
+          <p:nvPr/>
+        </p:nvCxnSpPr>
+        <p:spPr>
+          <a:xfrm>
+            <a:off x="4634753" y="0"/>
+            <a:ext cx="0" cy="6481480"/>
+          </a:xfrm>
+          <a:prstGeom prst="line">
+            <a:avLst/>
+          </a:prstGeom>
+          <a:ln>
+            <a:solidFill>
+              <a:schemeClr val="tx1"/>
+            </a:solidFill>
+          </a:ln>
+        </p:spPr>
+        <p:style>
+          <a:lnRef idx="1">
+            <a:schemeClr val="accent1"/>
+          </a:lnRef>
+          <a:fillRef idx="0">
+            <a:schemeClr val="accent1"/>
+          </a:fillRef>
+          <a:effectRef idx="0">
+            <a:schemeClr val="accent1"/>
+          </a:effectRef>
+          <a:fontRef idx="minor">
+            <a:schemeClr val="tx1"/>
+          </a:fontRef>
+        </p:style>
+      </p:cxnSp>
+      <p:cxnSp>
+        <p:nvCxnSpPr>
+          <p:cNvPr id="27" name="直線コネクタ 26">
+            <a:extLst>
+              <a:ext uri="{FF2B5EF4-FFF2-40B4-BE49-F238E27FC236}">
+                <a16:creationId xmlns:a16="http://schemas.microsoft.com/office/drawing/2014/main" id="{F755A748-4C4B-894E-9FE0-DA0448291F6C}"/>
+              </a:ext>
+            </a:extLst>
+          </p:cNvPr>
+          <p:cNvCxnSpPr>
+            <a:cxnSpLocks/>
+          </p:cNvCxnSpPr>
+          <p:nvPr/>
+        </p:nvCxnSpPr>
+        <p:spPr>
+          <a:xfrm>
+            <a:off x="1613648" y="3277680"/>
+            <a:ext cx="6131857" cy="0"/>
+          </a:xfrm>
+          <a:prstGeom prst="line">
+            <a:avLst/>
+          </a:prstGeom>
+          <a:ln>
+            <a:solidFill>
+              <a:schemeClr val="tx1"/>
+            </a:solidFill>
+          </a:ln>
+        </p:spPr>
+        <p:style>
+          <a:lnRef idx="1">
+            <a:schemeClr val="accent1"/>
+          </a:lnRef>
+          <a:fillRef idx="0">
+            <a:schemeClr val="accent1"/>
+          </a:fillRef>
+          <a:effectRef idx="0">
+            <a:schemeClr val="accent1"/>
+          </a:effectRef>
+          <a:fontRef idx="minor">
+            <a:schemeClr val="tx1"/>
+          </a:fontRef>
+        </p:style>
+      </p:cxnSp>
+      <p:sp>
+        <p:nvSpPr>
+          <p:cNvPr id="2" name="円/楕円 1">
+            <a:extLst>
+              <a:ext uri="{FF2B5EF4-FFF2-40B4-BE49-F238E27FC236}">
+                <a16:creationId xmlns:a16="http://schemas.microsoft.com/office/drawing/2014/main" id="{FC151FBA-9A87-8C48-815E-5572D3148F89}"/>
+              </a:ext>
+            </a:extLst>
+          </p:cNvPr>
+          <p:cNvSpPr/>
+          <p:nvPr/>
+        </p:nvSpPr>
+        <p:spPr>
+          <a:xfrm>
+            <a:off x="3829212" y="2167852"/>
+            <a:ext cx="679268" cy="953843"/>
+          </a:xfrm>
+          <a:prstGeom prst="ellipse">
+            <a:avLst/>
+          </a:prstGeom>
+          <a:solidFill>
+            <a:schemeClr val="tx1">
+              <a:lumMod val="95000"/>
+              <a:lumOff val="5000"/>
+            </a:schemeClr>
+          </a:solidFill>
+          <a:ln>
+            <a:solidFill>
+              <a:schemeClr val="tx1"/>
+            </a:solidFill>
+          </a:ln>
+        </p:spPr>
+        <p:style>
+          <a:lnRef idx="2">
+            <a:schemeClr val="accent1">
+              <a:shade val="50000"/>
+            </a:schemeClr>
+          </a:lnRef>
+          <a:fillRef idx="1">
+            <a:schemeClr val="accent1"/>
+          </a:fillRef>
+          <a:effectRef idx="0">
+            <a:schemeClr val="accent1"/>
+          </a:effectRef>
+          <a:fontRef idx="minor">
+            <a:schemeClr val="lt1"/>
+          </a:fontRef>
+        </p:style>
+        <p:txBody>
+          <a:bodyPr rtlCol="0" anchor="ctr"/>
+          <a:lstStyle/>
+          <a:p>
+            <a:pPr algn="ctr"/>
+            <a:endParaRPr kumimoji="1" lang="ja-JP" altLang="en-US"/>
+          </a:p>
+        </p:txBody>
+      </p:sp>
+      <p:sp>
+        <p:nvSpPr>
+          <p:cNvPr id="11" name="下矢印 10">
+            <a:extLst>
+              <a:ext uri="{FF2B5EF4-FFF2-40B4-BE49-F238E27FC236}">
+                <a16:creationId xmlns:a16="http://schemas.microsoft.com/office/drawing/2014/main" id="{7429CE47-4E23-6F49-AFBF-627619601BD9}"/>
+              </a:ext>
+            </a:extLst>
+          </p:cNvPr>
+          <p:cNvSpPr/>
+          <p:nvPr/>
+        </p:nvSpPr>
+        <p:spPr>
+          <a:xfrm>
+            <a:off x="3926543" y="3433666"/>
+            <a:ext cx="488704" cy="3106981"/>
+          </a:xfrm>
+          <a:prstGeom prst="downArrow">
+            <a:avLst/>
+          </a:prstGeom>
+        </p:spPr>
+        <p:style>
+          <a:lnRef idx="2">
+            <a:schemeClr val="accent1">
+              <a:shade val="50000"/>
+            </a:schemeClr>
+          </a:lnRef>
+          <a:fillRef idx="1">
+            <a:schemeClr val="accent1"/>
+          </a:fillRef>
+          <a:effectRef idx="0">
+            <a:schemeClr val="accent1"/>
+          </a:effectRef>
+          <a:fontRef idx="minor">
+            <a:schemeClr val="lt1"/>
+          </a:fontRef>
+        </p:style>
+        <p:txBody>
+          <a:bodyPr rtlCol="0" anchor="ctr"/>
+          <a:lstStyle/>
+          <a:p>
+            <a:pPr algn="ctr"/>
+            <a:endParaRPr kumimoji="1" lang="ja-JP" altLang="en-US"/>
+          </a:p>
+        </p:txBody>
+      </p:sp>
+    </p:spTree>
+    <p:extLst>
+      <p:ext uri="{BB962C8B-B14F-4D97-AF65-F5344CB8AC3E}">
+        <p14:creationId xmlns:p14="http://schemas.microsoft.com/office/powerpoint/2010/main" val="803423471"/>
+      </p:ext>
+    </p:extLst>
+  </p:cSld>
+  <p:clrMapOvr>
+    <a:masterClrMapping/>
+  </p:clrMapOvr>
+</p:sld>
+</file>
+
+<file path=ppt/slides/slide3.xml><?xml version="1.0" encoding="utf-8"?>
+<p:sld xmlns:a="http://schemas.openxmlformats.org/drawingml/2006/main" xmlns:r="http://schemas.openxmlformats.org/officeDocument/2006/relationships" xmlns:p="http://schemas.openxmlformats.org/presentationml/2006/main">
+  <p:cSld>
+    <p:spTree>
+      <p:nvGrpSpPr>
+        <p:cNvPr id="1" name=""/>
+        <p:cNvGrpSpPr/>
+        <p:nvPr/>
+      </p:nvGrpSpPr>
+      <p:grpSpPr>
+        <a:xfrm>
+          <a:off x="0" y="0"/>
+          <a:ext cx="0" cy="0"/>
+          <a:chOff x="0" y="0"/>
+          <a:chExt cx="0" cy="0"/>
+        </a:xfrm>
+      </p:grpSpPr>
+      <p:sp>
+        <p:nvSpPr>
+          <p:cNvPr id="4" name="円/楕円 3">
+            <a:extLst>
+              <a:ext uri="{FF2B5EF4-FFF2-40B4-BE49-F238E27FC236}">
+                <a16:creationId xmlns:a16="http://schemas.microsoft.com/office/drawing/2014/main" id="{781B1CF4-E753-224E-97FD-9D458F19A9DD}"/>
+              </a:ext>
+            </a:extLst>
+          </p:cNvPr>
+          <p:cNvSpPr/>
+          <p:nvPr/>
+        </p:nvSpPr>
+        <p:spPr>
+          <a:xfrm>
+            <a:off x="1981199" y="412376"/>
+            <a:ext cx="5495365" cy="5495365"/>
+          </a:xfrm>
+          <a:prstGeom prst="ellipse">
+            <a:avLst/>
+          </a:prstGeom>
+          <a:solidFill>
+            <a:schemeClr val="bg1">
+              <a:lumMod val="85000"/>
+            </a:schemeClr>
+          </a:solidFill>
+          <a:ln>
+            <a:solidFill>
+              <a:schemeClr val="tx1"/>
+            </a:solidFill>
+          </a:ln>
+        </p:spPr>
+        <p:style>
+          <a:lnRef idx="2">
+            <a:schemeClr val="accent1">
+              <a:shade val="50000"/>
+            </a:schemeClr>
+          </a:lnRef>
+          <a:fillRef idx="1">
+            <a:schemeClr val="accent1"/>
+          </a:fillRef>
+          <a:effectRef idx="0">
+            <a:schemeClr val="accent1"/>
+          </a:effectRef>
+          <a:fontRef idx="minor">
+            <a:schemeClr val="lt1"/>
+          </a:fontRef>
+        </p:style>
+        <p:txBody>
+          <a:bodyPr rtlCol="0" anchor="ctr"/>
+          <a:lstStyle/>
+          <a:p>
+            <a:pPr algn="ctr"/>
+            <a:r>
+              <a:rPr kumimoji="1" lang="en-US" altLang="ja-JP" dirty="0">
+                <a:latin typeface="Hiragino Sans W4" panose="020B0400000000000000" pitchFamily="34" charset="-128"/>
+                <a:ea typeface="Hiragino Sans W4" panose="020B0400000000000000" pitchFamily="34" charset="-128"/>
+              </a:rPr>
+              <a:t>before</a:t>
+            </a:r>
+            <a:endParaRPr kumimoji="1" lang="ja-JP" altLang="en-US">
+              <a:latin typeface="Hiragino Sans W4" panose="020B0400000000000000" pitchFamily="34" charset="-128"/>
+              <a:ea typeface="Hiragino Sans W4" panose="020B0400000000000000" pitchFamily="34" charset="-128"/>
+            </a:endParaRPr>
+          </a:p>
+        </p:txBody>
+      </p:sp>
+      <p:sp>
+        <p:nvSpPr>
+          <p:cNvPr id="5" name="円/楕円 4">
+            <a:extLst>
+              <a:ext uri="{FF2B5EF4-FFF2-40B4-BE49-F238E27FC236}">
+                <a16:creationId xmlns:a16="http://schemas.microsoft.com/office/drawing/2014/main" id="{D6B4A4D3-9784-AC4D-B89A-4CAB83389CE4}"/>
+              </a:ext>
+            </a:extLst>
+          </p:cNvPr>
+          <p:cNvSpPr/>
+          <p:nvPr/>
+        </p:nvSpPr>
+        <p:spPr>
+          <a:xfrm>
+            <a:off x="3281082" y="1703293"/>
+            <a:ext cx="2904563" cy="2904563"/>
+          </a:xfrm>
+          <a:prstGeom prst="ellipse">
+            <a:avLst/>
+          </a:prstGeom>
+          <a:solidFill>
+            <a:schemeClr val="bg1">
+              <a:lumMod val="50000"/>
+            </a:schemeClr>
+          </a:solidFill>
+          <a:ln>
+            <a:solidFill>
+              <a:schemeClr val="tx1"/>
+            </a:solidFill>
+          </a:ln>
+        </p:spPr>
+        <p:style>
+          <a:lnRef idx="2">
+            <a:schemeClr val="accent1">
+              <a:shade val="50000"/>
+            </a:schemeClr>
+          </a:lnRef>
+          <a:fillRef idx="1">
+            <a:schemeClr val="accent1"/>
+          </a:fillRef>
+          <a:effectRef idx="0">
+            <a:schemeClr val="accent1"/>
+          </a:effectRef>
+          <a:fontRef idx="minor">
+            <a:schemeClr val="lt1"/>
+          </a:fontRef>
+        </p:style>
+        <p:txBody>
+          <a:bodyPr rtlCol="0" anchor="ctr"/>
+          <a:lstStyle/>
+          <a:p>
+            <a:pPr algn="ctr"/>
+            <a:r>
+              <a:rPr lang="en-US" altLang="ja-JP" dirty="0">
+                <a:latin typeface="Hiragino Sans W4" panose="020B0400000000000000" pitchFamily="34" charset="-128"/>
+                <a:ea typeface="Hiragino Sans W4" panose="020B0400000000000000" pitchFamily="34" charset="-128"/>
+              </a:rPr>
+              <a:t>passing</a:t>
+            </a:r>
+            <a:endParaRPr kumimoji="1" lang="ja-JP" altLang="en-US">
+              <a:latin typeface="Hiragino Sans W4" panose="020B0400000000000000" pitchFamily="34" charset="-128"/>
+              <a:ea typeface="Hiragino Sans W4" panose="020B0400000000000000" pitchFamily="34" charset="-128"/>
+            </a:endParaRPr>
+          </a:p>
+        </p:txBody>
+      </p:sp>
+      <p:cxnSp>
+        <p:nvCxnSpPr>
+          <p:cNvPr id="7" name="直線コネクタ 6">
+            <a:extLst>
+              <a:ext uri="{FF2B5EF4-FFF2-40B4-BE49-F238E27FC236}">
+                <a16:creationId xmlns:a16="http://schemas.microsoft.com/office/drawing/2014/main" id="{55F63CE8-DD56-A34F-BAAD-D0F37F0A5A47}"/>
+              </a:ext>
+            </a:extLst>
+          </p:cNvPr>
+          <p:cNvCxnSpPr>
+            <a:cxnSpLocks/>
+          </p:cNvCxnSpPr>
+          <p:nvPr/>
+        </p:nvCxnSpPr>
+        <p:spPr>
+          <a:xfrm>
+            <a:off x="3603812" y="-2"/>
+            <a:ext cx="0" cy="1990165"/>
+          </a:xfrm>
+          <a:prstGeom prst="line">
+            <a:avLst/>
+          </a:prstGeom>
+          <a:ln>
+            <a:solidFill>
+              <a:schemeClr val="tx1"/>
+            </a:solidFill>
+          </a:ln>
+        </p:spPr>
+        <p:style>
+          <a:lnRef idx="1">
+            <a:schemeClr val="accent1"/>
+          </a:lnRef>
+          <a:fillRef idx="0">
+            <a:schemeClr val="accent1"/>
+          </a:fillRef>
+          <a:effectRef idx="0">
+            <a:schemeClr val="accent1"/>
+          </a:effectRef>
+          <a:fontRef idx="minor">
+            <a:schemeClr val="tx1"/>
+          </a:fontRef>
+        </p:style>
+      </p:cxnSp>
+      <p:cxnSp>
+        <p:nvCxnSpPr>
+          <p:cNvPr id="8" name="直線コネクタ 7">
+            <a:extLst>
+              <a:ext uri="{FF2B5EF4-FFF2-40B4-BE49-F238E27FC236}">
+                <a16:creationId xmlns:a16="http://schemas.microsoft.com/office/drawing/2014/main" id="{8BBCC202-0914-374D-BD69-AC6B5B1FD3DA}"/>
+              </a:ext>
+            </a:extLst>
+          </p:cNvPr>
+          <p:cNvCxnSpPr/>
+          <p:nvPr/>
+        </p:nvCxnSpPr>
+        <p:spPr>
+          <a:xfrm>
+            <a:off x="5755341" y="-1"/>
+            <a:ext cx="0" cy="1990165"/>
+          </a:xfrm>
+          <a:prstGeom prst="line">
+            <a:avLst/>
+          </a:prstGeom>
+          <a:ln>
+            <a:solidFill>
+              <a:schemeClr val="tx1"/>
+            </a:solidFill>
+          </a:ln>
+        </p:spPr>
+        <p:style>
+          <a:lnRef idx="1">
+            <a:schemeClr val="accent1"/>
+          </a:lnRef>
+          <a:fillRef idx="0">
+            <a:schemeClr val="accent1"/>
+          </a:fillRef>
+          <a:effectRef idx="0">
+            <a:schemeClr val="accent1"/>
+          </a:effectRef>
+          <a:fontRef idx="minor">
+            <a:schemeClr val="tx1"/>
+          </a:fontRef>
+        </p:style>
+      </p:cxnSp>
+      <p:cxnSp>
+        <p:nvCxnSpPr>
+          <p:cNvPr id="9" name="直線コネクタ 8">
+            <a:extLst>
+              <a:ext uri="{FF2B5EF4-FFF2-40B4-BE49-F238E27FC236}">
+                <a16:creationId xmlns:a16="http://schemas.microsoft.com/office/drawing/2014/main" id="{BA6B0131-7534-2C48-A9A1-4D0A3CD05433}"/>
+              </a:ext>
+            </a:extLst>
+          </p:cNvPr>
+          <p:cNvCxnSpPr/>
+          <p:nvPr/>
+        </p:nvCxnSpPr>
+        <p:spPr>
+          <a:xfrm>
+            <a:off x="5755341" y="4491315"/>
+            <a:ext cx="0" cy="1990165"/>
+          </a:xfrm>
+          <a:prstGeom prst="line">
+            <a:avLst/>
+          </a:prstGeom>
+          <a:ln>
+            <a:solidFill>
+              <a:schemeClr val="tx1"/>
+            </a:solidFill>
+          </a:ln>
+        </p:spPr>
+        <p:style>
+          <a:lnRef idx="1">
+            <a:schemeClr val="accent1"/>
+          </a:lnRef>
+          <a:fillRef idx="0">
+            <a:schemeClr val="accent1"/>
+          </a:fillRef>
+          <a:effectRef idx="0">
+            <a:schemeClr val="accent1"/>
+          </a:effectRef>
+          <a:fontRef idx="minor">
+            <a:schemeClr val="tx1"/>
+          </a:fontRef>
+        </p:style>
+      </p:cxnSp>
+      <p:cxnSp>
+        <p:nvCxnSpPr>
+          <p:cNvPr id="10" name="直線コネクタ 9">
+            <a:extLst>
+              <a:ext uri="{FF2B5EF4-FFF2-40B4-BE49-F238E27FC236}">
+                <a16:creationId xmlns:a16="http://schemas.microsoft.com/office/drawing/2014/main" id="{A32AFFB2-D7AD-A243-AF83-997F24F091C6}"/>
+              </a:ext>
+            </a:extLst>
+          </p:cNvPr>
+          <p:cNvCxnSpPr/>
+          <p:nvPr/>
+        </p:nvCxnSpPr>
+        <p:spPr>
+          <a:xfrm>
+            <a:off x="3603812" y="4491315"/>
+            <a:ext cx="0" cy="1990165"/>
+          </a:xfrm>
+          <a:prstGeom prst="line">
+            <a:avLst/>
+          </a:prstGeom>
+          <a:ln>
+            <a:solidFill>
+              <a:schemeClr val="tx1"/>
+            </a:solidFill>
+          </a:ln>
+        </p:spPr>
+        <p:style>
+          <a:lnRef idx="1">
+            <a:schemeClr val="accent1"/>
+          </a:lnRef>
+          <a:fillRef idx="0">
+            <a:schemeClr val="accent1"/>
+          </a:fillRef>
+          <a:effectRef idx="0">
+            <a:schemeClr val="accent1"/>
+          </a:effectRef>
+          <a:fontRef idx="minor">
+            <a:schemeClr val="tx1"/>
+          </a:fontRef>
+        </p:style>
+      </p:cxnSp>
+      <p:cxnSp>
+        <p:nvCxnSpPr>
+          <p:cNvPr id="12" name="直線コネクタ 11">
+            <a:extLst>
+              <a:ext uri="{FF2B5EF4-FFF2-40B4-BE49-F238E27FC236}">
+                <a16:creationId xmlns:a16="http://schemas.microsoft.com/office/drawing/2014/main" id="{CA065A4C-ED66-5443-B5B1-745E656AB32A}"/>
+              </a:ext>
+            </a:extLst>
+          </p:cNvPr>
+          <p:cNvCxnSpPr>
+            <a:cxnSpLocks/>
+          </p:cNvCxnSpPr>
+          <p:nvPr/>
+        </p:nvCxnSpPr>
+        <p:spPr>
+          <a:xfrm>
+            <a:off x="1613648" y="1990163"/>
+            <a:ext cx="1990164" cy="0"/>
+          </a:xfrm>
+          <a:prstGeom prst="line">
+            <a:avLst/>
+          </a:prstGeom>
+          <a:ln>
+            <a:solidFill>
+              <a:schemeClr val="tx1"/>
+            </a:solidFill>
+          </a:ln>
+        </p:spPr>
+        <p:style>
+          <a:lnRef idx="1">
+            <a:schemeClr val="accent1"/>
+          </a:lnRef>
+          <a:fillRef idx="0">
+            <a:schemeClr val="accent1"/>
+          </a:fillRef>
+          <a:effectRef idx="0">
+            <a:schemeClr val="accent1"/>
+          </a:effectRef>
+          <a:fontRef idx="minor">
+            <a:schemeClr val="tx1"/>
+          </a:fontRef>
+        </p:style>
+      </p:cxnSp>
+      <p:cxnSp>
+        <p:nvCxnSpPr>
+          <p:cNvPr id="19" name="直線コネクタ 18">
+            <a:extLst>
+              <a:ext uri="{FF2B5EF4-FFF2-40B4-BE49-F238E27FC236}">
+                <a16:creationId xmlns:a16="http://schemas.microsoft.com/office/drawing/2014/main" id="{AE62CB70-B312-EF4D-9822-751D0528D4C3}"/>
+              </a:ext>
+            </a:extLst>
+          </p:cNvPr>
+          <p:cNvCxnSpPr>
+            <a:cxnSpLocks/>
+          </p:cNvCxnSpPr>
+          <p:nvPr/>
+        </p:nvCxnSpPr>
+        <p:spPr>
+          <a:xfrm>
+            <a:off x="5755341" y="4491313"/>
+            <a:ext cx="1990164" cy="0"/>
+          </a:xfrm>
+          <a:prstGeom prst="line">
+            <a:avLst/>
+          </a:prstGeom>
+          <a:ln>
+            <a:solidFill>
+              <a:schemeClr val="tx1"/>
+            </a:solidFill>
+          </a:ln>
+        </p:spPr>
+        <p:style>
+          <a:lnRef idx="1">
+            <a:schemeClr val="accent1"/>
+          </a:lnRef>
+          <a:fillRef idx="0">
+            <a:schemeClr val="accent1"/>
+          </a:fillRef>
+          <a:effectRef idx="0">
+            <a:schemeClr val="accent1"/>
+          </a:effectRef>
+          <a:fontRef idx="minor">
+            <a:schemeClr val="tx1"/>
+          </a:fontRef>
+        </p:style>
+      </p:cxnSp>
+      <p:cxnSp>
+        <p:nvCxnSpPr>
+          <p:cNvPr id="20" name="直線コネクタ 19">
+            <a:extLst>
+              <a:ext uri="{FF2B5EF4-FFF2-40B4-BE49-F238E27FC236}">
+                <a16:creationId xmlns:a16="http://schemas.microsoft.com/office/drawing/2014/main" id="{4D16F16B-C821-AB4A-8DC6-6F3EC8AC0A09}"/>
+              </a:ext>
+            </a:extLst>
+          </p:cNvPr>
+          <p:cNvCxnSpPr>
+            <a:cxnSpLocks/>
+          </p:cNvCxnSpPr>
+          <p:nvPr/>
+        </p:nvCxnSpPr>
+        <p:spPr>
+          <a:xfrm>
+            <a:off x="1613649" y="4491315"/>
+            <a:ext cx="1990164" cy="0"/>
+          </a:xfrm>
+          <a:prstGeom prst="line">
+            <a:avLst/>
+          </a:prstGeom>
+          <a:ln>
+            <a:solidFill>
+              <a:schemeClr val="tx1"/>
+            </a:solidFill>
+          </a:ln>
+        </p:spPr>
+        <p:style>
+          <a:lnRef idx="1">
+            <a:schemeClr val="accent1"/>
+          </a:lnRef>
+          <a:fillRef idx="0">
+            <a:schemeClr val="accent1"/>
+          </a:fillRef>
+          <a:effectRef idx="0">
+            <a:schemeClr val="accent1"/>
+          </a:effectRef>
+          <a:fontRef idx="minor">
+            <a:schemeClr val="tx1"/>
+          </a:fontRef>
+        </p:style>
+      </p:cxnSp>
+      <p:cxnSp>
+        <p:nvCxnSpPr>
+          <p:cNvPr id="21" name="直線コネクタ 20">
+            <a:extLst>
+              <a:ext uri="{FF2B5EF4-FFF2-40B4-BE49-F238E27FC236}">
+                <a16:creationId xmlns:a16="http://schemas.microsoft.com/office/drawing/2014/main" id="{B361C457-A019-DA48-B76A-833D4AA0E70F}"/>
+              </a:ext>
+            </a:extLst>
+          </p:cNvPr>
+          <p:cNvCxnSpPr>
+            <a:cxnSpLocks/>
+          </p:cNvCxnSpPr>
+          <p:nvPr/>
+        </p:nvCxnSpPr>
+        <p:spPr>
+          <a:xfrm>
+            <a:off x="5755341" y="1990163"/>
+            <a:ext cx="1990164" cy="0"/>
+          </a:xfrm>
+          <a:prstGeom prst="line">
+            <a:avLst/>
+          </a:prstGeom>
+          <a:ln>
+            <a:solidFill>
+              <a:schemeClr val="tx1"/>
+            </a:solidFill>
+          </a:ln>
+        </p:spPr>
+        <p:style>
+          <a:lnRef idx="1">
+            <a:schemeClr val="accent1"/>
+          </a:lnRef>
+          <a:fillRef idx="0">
+            <a:schemeClr val="accent1"/>
+          </a:fillRef>
+          <a:effectRef idx="0">
+            <a:schemeClr val="accent1"/>
+          </a:effectRef>
+          <a:fontRef idx="minor">
+            <a:schemeClr val="tx1"/>
+          </a:fontRef>
+        </p:style>
+      </p:cxnSp>
+      <p:cxnSp>
+        <p:nvCxnSpPr>
+          <p:cNvPr id="23" name="直線コネクタ 22">
+            <a:extLst>
+              <a:ext uri="{FF2B5EF4-FFF2-40B4-BE49-F238E27FC236}">
+                <a16:creationId xmlns:a16="http://schemas.microsoft.com/office/drawing/2014/main" id="{5BE1C210-1BCC-8A48-8048-25B92991EC76}"/>
+              </a:ext>
+            </a:extLst>
+          </p:cNvPr>
+          <p:cNvCxnSpPr>
+            <a:cxnSpLocks/>
+          </p:cNvCxnSpPr>
+          <p:nvPr/>
+        </p:nvCxnSpPr>
+        <p:spPr>
+          <a:xfrm>
+            <a:off x="4634753" y="0"/>
+            <a:ext cx="0" cy="6481480"/>
+          </a:xfrm>
+          <a:prstGeom prst="line">
+            <a:avLst/>
+          </a:prstGeom>
+          <a:ln>
+            <a:solidFill>
+              <a:schemeClr val="tx1"/>
+            </a:solidFill>
+          </a:ln>
+        </p:spPr>
+        <p:style>
+          <a:lnRef idx="1">
+            <a:schemeClr val="accent1"/>
+          </a:lnRef>
+          <a:fillRef idx="0">
+            <a:schemeClr val="accent1"/>
+          </a:fillRef>
+          <a:effectRef idx="0">
+            <a:schemeClr val="accent1"/>
+          </a:effectRef>
+          <a:fontRef idx="minor">
+            <a:schemeClr val="tx1"/>
+          </a:fontRef>
+        </p:style>
+      </p:cxnSp>
+      <p:cxnSp>
+        <p:nvCxnSpPr>
+          <p:cNvPr id="27" name="直線コネクタ 26">
+            <a:extLst>
+              <a:ext uri="{FF2B5EF4-FFF2-40B4-BE49-F238E27FC236}">
+                <a16:creationId xmlns:a16="http://schemas.microsoft.com/office/drawing/2014/main" id="{F755A748-4C4B-894E-9FE0-DA0448291F6C}"/>
+              </a:ext>
+            </a:extLst>
+          </p:cNvPr>
+          <p:cNvCxnSpPr>
+            <a:cxnSpLocks/>
+          </p:cNvCxnSpPr>
+          <p:nvPr/>
+        </p:nvCxnSpPr>
+        <p:spPr>
+          <a:xfrm>
+            <a:off x="1613648" y="3277680"/>
+            <a:ext cx="6131857" cy="0"/>
+          </a:xfrm>
+          <a:prstGeom prst="line">
+            <a:avLst/>
+          </a:prstGeom>
+          <a:ln>
+            <a:solidFill>
+              <a:schemeClr val="tx1"/>
+            </a:solidFill>
+          </a:ln>
+        </p:spPr>
+        <p:style>
+          <a:lnRef idx="1">
+            <a:schemeClr val="accent1"/>
+          </a:lnRef>
+          <a:fillRef idx="0">
+            <a:schemeClr val="accent1"/>
+          </a:fillRef>
+          <a:effectRef idx="0">
+            <a:schemeClr val="accent1"/>
+          </a:effectRef>
+          <a:fontRef idx="minor">
+            <a:schemeClr val="tx1"/>
+          </a:fontRef>
+        </p:style>
+      </p:cxnSp>
+      <p:sp>
+        <p:nvSpPr>
+          <p:cNvPr id="2" name="円/楕円 1">
+            <a:extLst>
+              <a:ext uri="{FF2B5EF4-FFF2-40B4-BE49-F238E27FC236}">
+                <a16:creationId xmlns:a16="http://schemas.microsoft.com/office/drawing/2014/main" id="{FC151FBA-9A87-8C48-815E-5572D3148F89}"/>
+              </a:ext>
+            </a:extLst>
+          </p:cNvPr>
+          <p:cNvSpPr/>
+          <p:nvPr/>
+        </p:nvSpPr>
+        <p:spPr>
+          <a:xfrm>
+            <a:off x="3829212" y="2167852"/>
+            <a:ext cx="679268" cy="953843"/>
+          </a:xfrm>
+          <a:prstGeom prst="ellipse">
+            <a:avLst/>
+          </a:prstGeom>
+          <a:solidFill>
+            <a:schemeClr val="tx1">
+              <a:lumMod val="95000"/>
+              <a:lumOff val="5000"/>
+            </a:schemeClr>
+          </a:solidFill>
+          <a:ln>
+            <a:solidFill>
+              <a:schemeClr val="tx1"/>
+            </a:solidFill>
+          </a:ln>
+        </p:spPr>
+        <p:style>
+          <a:lnRef idx="2">
+            <a:schemeClr val="accent1">
+              <a:shade val="50000"/>
+            </a:schemeClr>
+          </a:lnRef>
+          <a:fillRef idx="1">
+            <a:schemeClr val="accent1"/>
+          </a:fillRef>
+          <a:effectRef idx="0">
+            <a:schemeClr val="accent1"/>
+          </a:effectRef>
+          <a:fontRef idx="minor">
+            <a:schemeClr val="lt1"/>
+          </a:fontRef>
+        </p:style>
+        <p:txBody>
+          <a:bodyPr rtlCol="0" anchor="ctr"/>
+          <a:lstStyle/>
+          <a:p>
+            <a:pPr algn="ctr"/>
+            <a:endParaRPr kumimoji="1" lang="ja-JP" altLang="en-US"/>
+          </a:p>
+        </p:txBody>
+      </p:sp>
+      <p:sp>
+        <p:nvSpPr>
+          <p:cNvPr id="11" name="下矢印 10">
+            <a:extLst>
+              <a:ext uri="{FF2B5EF4-FFF2-40B4-BE49-F238E27FC236}">
+                <a16:creationId xmlns:a16="http://schemas.microsoft.com/office/drawing/2014/main" id="{7429CE47-4E23-6F49-AFBF-627619601BD9}"/>
+              </a:ext>
+            </a:extLst>
+          </p:cNvPr>
+          <p:cNvSpPr/>
+          <p:nvPr/>
+        </p:nvSpPr>
+        <p:spPr>
+          <a:xfrm>
+            <a:off x="3926543" y="3433666"/>
+            <a:ext cx="488704" cy="3106981"/>
+          </a:xfrm>
+          <a:prstGeom prst="downArrow">
+            <a:avLst/>
+          </a:prstGeom>
+        </p:spPr>
+        <p:style>
+          <a:lnRef idx="2">
+            <a:schemeClr val="accent1">
+              <a:shade val="50000"/>
+            </a:schemeClr>
+          </a:lnRef>
+          <a:fillRef idx="1">
+            <a:schemeClr val="accent1"/>
+          </a:fillRef>
+          <a:effectRef idx="0">
+            <a:schemeClr val="accent1"/>
+          </a:effectRef>
+          <a:fontRef idx="minor">
+            <a:schemeClr val="lt1"/>
+          </a:fontRef>
+        </p:style>
+        <p:txBody>
+          <a:bodyPr rtlCol="0" anchor="ctr"/>
+          <a:lstStyle/>
+          <a:p>
+            <a:pPr algn="ctr"/>
+            <a:endParaRPr kumimoji="1" lang="ja-JP" altLang="en-US"/>
+          </a:p>
+        </p:txBody>
+      </p:sp>
+    </p:spTree>
+    <p:extLst>
+      <p:ext uri="{BB962C8B-B14F-4D97-AF65-F5344CB8AC3E}">
+        <p14:creationId xmlns:p14="http://schemas.microsoft.com/office/powerpoint/2010/main" val="3017121982"/>
+      </p:ext>
+    </p:extLst>
+  </p:cSld>
+  <p:clrMapOvr>
+    <a:masterClrMapping/>
+  </p:clrMapOvr>
+</p:sld>
+</file>
+
 <file path=ppt/theme/theme1.xml><?xml version="1.0" encoding="utf-8"?>
 <a:theme xmlns:a="http://schemas.openxmlformats.org/drawingml/2006/main" name="Office テーマ">
   <a:themeElements>

--- a/model.pptx
+++ b/model.pptx
@@ -256,7 +256,7 @@
           <a:p>
             <a:fld id="{824D94B4-09CF-5746-A7BC-392D3451DE3D}" type="datetimeFigureOut">
               <a:rPr kumimoji="1" lang="ja-JP" altLang="en-US" smtClean="0"/>
-              <a:t>2019/10/4</a:t>
+              <a:t>2019/10/7</a:t>
             </a:fld>
             <a:endParaRPr kumimoji="1" lang="ja-JP" altLang="en-US"/>
           </a:p>
@@ -434,7 +434,7 @@
           <a:p>
             <a:fld id="{824D94B4-09CF-5746-A7BC-392D3451DE3D}" type="datetimeFigureOut">
               <a:rPr kumimoji="1" lang="ja-JP" altLang="en-US" smtClean="0"/>
-              <a:t>2019/10/4</a:t>
+              <a:t>2019/10/7</a:t>
             </a:fld>
             <a:endParaRPr kumimoji="1" lang="ja-JP" altLang="en-US"/>
           </a:p>
@@ -622,7 +622,7 @@
           <a:p>
             <a:fld id="{824D94B4-09CF-5746-A7BC-392D3451DE3D}" type="datetimeFigureOut">
               <a:rPr kumimoji="1" lang="ja-JP" altLang="en-US" smtClean="0"/>
-              <a:t>2019/10/4</a:t>
+              <a:t>2019/10/7</a:t>
             </a:fld>
             <a:endParaRPr kumimoji="1" lang="ja-JP" altLang="en-US"/>
           </a:p>
@@ -800,7 +800,7 @@
           <a:p>
             <a:fld id="{824D94B4-09CF-5746-A7BC-392D3451DE3D}" type="datetimeFigureOut">
               <a:rPr kumimoji="1" lang="ja-JP" altLang="en-US" smtClean="0"/>
-              <a:t>2019/10/4</a:t>
+              <a:t>2019/10/7</a:t>
             </a:fld>
             <a:endParaRPr kumimoji="1" lang="ja-JP" altLang="en-US"/>
           </a:p>
@@ -1081,7 +1081,7 @@
           <a:p>
             <a:fld id="{824D94B4-09CF-5746-A7BC-392D3451DE3D}" type="datetimeFigureOut">
               <a:rPr kumimoji="1" lang="ja-JP" altLang="en-US" smtClean="0"/>
-              <a:t>2019/10/4</a:t>
+              <a:t>2019/10/7</a:t>
             </a:fld>
             <a:endParaRPr kumimoji="1" lang="ja-JP" altLang="en-US"/>
           </a:p>
@@ -1329,7 +1329,7 @@
           <a:p>
             <a:fld id="{824D94B4-09CF-5746-A7BC-392D3451DE3D}" type="datetimeFigureOut">
               <a:rPr kumimoji="1" lang="ja-JP" altLang="en-US" smtClean="0"/>
-              <a:t>2019/10/4</a:t>
+              <a:t>2019/10/7</a:t>
             </a:fld>
             <a:endParaRPr kumimoji="1" lang="ja-JP" altLang="en-US"/>
           </a:p>
@@ -1786,7 +1786,7 @@
           <a:p>
             <a:fld id="{824D94B4-09CF-5746-A7BC-392D3451DE3D}" type="datetimeFigureOut">
               <a:rPr kumimoji="1" lang="ja-JP" altLang="en-US" smtClean="0"/>
-              <a:t>2019/10/4</a:t>
+              <a:t>2019/10/7</a:t>
             </a:fld>
             <a:endParaRPr kumimoji="1" lang="ja-JP" altLang="en-US"/>
           </a:p>
@@ -1904,7 +1904,7 @@
           <a:p>
             <a:fld id="{824D94B4-09CF-5746-A7BC-392D3451DE3D}" type="datetimeFigureOut">
               <a:rPr kumimoji="1" lang="ja-JP" altLang="en-US" smtClean="0"/>
-              <a:t>2019/10/4</a:t>
+              <a:t>2019/10/7</a:t>
             </a:fld>
             <a:endParaRPr kumimoji="1" lang="ja-JP" altLang="en-US"/>
           </a:p>
@@ -1999,7 +1999,7 @@
           <a:p>
             <a:fld id="{824D94B4-09CF-5746-A7BC-392D3451DE3D}" type="datetimeFigureOut">
               <a:rPr kumimoji="1" lang="ja-JP" altLang="en-US" smtClean="0"/>
-              <a:t>2019/10/4</a:t>
+              <a:t>2019/10/7</a:t>
             </a:fld>
             <a:endParaRPr kumimoji="1" lang="ja-JP" altLang="en-US"/>
           </a:p>
@@ -2321,7 +2321,7 @@
           <a:p>
             <a:fld id="{824D94B4-09CF-5746-A7BC-392D3451DE3D}" type="datetimeFigureOut">
               <a:rPr kumimoji="1" lang="ja-JP" altLang="en-US" smtClean="0"/>
-              <a:t>2019/10/4</a:t>
+              <a:t>2019/10/7</a:t>
             </a:fld>
             <a:endParaRPr kumimoji="1" lang="ja-JP" altLang="en-US"/>
           </a:p>
@@ -2615,7 +2615,7 @@
           <a:p>
             <a:fld id="{824D94B4-09CF-5746-A7BC-392D3451DE3D}" type="datetimeFigureOut">
               <a:rPr kumimoji="1" lang="ja-JP" altLang="en-US" smtClean="0"/>
-              <a:t>2019/10/4</a:t>
+              <a:t>2019/10/7</a:t>
             </a:fld>
             <a:endParaRPr kumimoji="1" lang="ja-JP" altLang="en-US"/>
           </a:p>
@@ -2836,7 +2836,7 @@
           <a:p>
             <a:fld id="{824D94B4-09CF-5746-A7BC-392D3451DE3D}" type="datetimeFigureOut">
               <a:rPr kumimoji="1" lang="ja-JP" altLang="en-US" smtClean="0"/>
-              <a:t>2019/10/4</a:t>
+              <a:t>2019/10/7</a:t>
             </a:fld>
             <a:endParaRPr kumimoji="1" lang="ja-JP" altLang="en-US"/>
           </a:p>
@@ -5086,7 +5086,7 @@
         </p:nvSpPr>
         <p:spPr>
           <a:xfrm>
-            <a:off x="3829212" y="2167852"/>
+            <a:off x="4796244" y="3374643"/>
             <a:ext cx="679268" cy="953843"/>
           </a:xfrm>
           <a:prstGeom prst="ellipse">
@@ -5143,12 +5143,409 @@
         </p:nvSpPr>
         <p:spPr>
           <a:xfrm>
-            <a:off x="3926543" y="3433666"/>
-            <a:ext cx="488704" cy="3106981"/>
+            <a:off x="4914129" y="4410347"/>
+            <a:ext cx="483195" cy="2071133"/>
           </a:xfrm>
           <a:prstGeom prst="downArrow">
             <a:avLst/>
           </a:prstGeom>
+          <a:solidFill>
+            <a:schemeClr val="tx1"/>
+          </a:solidFill>
+          <a:ln>
+            <a:noFill/>
+          </a:ln>
+        </p:spPr>
+        <p:style>
+          <a:lnRef idx="2">
+            <a:schemeClr val="accent1">
+              <a:shade val="50000"/>
+            </a:schemeClr>
+          </a:lnRef>
+          <a:fillRef idx="1">
+            <a:schemeClr val="accent1"/>
+          </a:fillRef>
+          <a:effectRef idx="0">
+            <a:schemeClr val="accent1"/>
+          </a:effectRef>
+          <a:fontRef idx="minor">
+            <a:schemeClr val="lt1"/>
+          </a:fontRef>
+        </p:style>
+        <p:txBody>
+          <a:bodyPr rtlCol="0" anchor="ctr"/>
+          <a:lstStyle/>
+          <a:p>
+            <a:pPr algn="ctr"/>
+            <a:endParaRPr kumimoji="1" lang="ja-JP" altLang="en-US"/>
+          </a:p>
+        </p:txBody>
+      </p:sp>
+      <p:sp>
+        <p:nvSpPr>
+          <p:cNvPr id="16" name="円/楕円 15">
+            <a:extLst>
+              <a:ext uri="{FF2B5EF4-FFF2-40B4-BE49-F238E27FC236}">
+                <a16:creationId xmlns:a16="http://schemas.microsoft.com/office/drawing/2014/main" id="{75F28E4B-5945-3348-9E41-EBB4BB44CAB8}"/>
+              </a:ext>
+            </a:extLst>
+          </p:cNvPr>
+          <p:cNvSpPr/>
+          <p:nvPr/>
+        </p:nvSpPr>
+        <p:spPr>
+          <a:xfrm>
+            <a:off x="3803088" y="4752572"/>
+            <a:ext cx="679268" cy="953843"/>
+          </a:xfrm>
+          <a:prstGeom prst="ellipse">
+            <a:avLst/>
+          </a:prstGeom>
+          <a:solidFill>
+            <a:srgbClr val="FFC000"/>
+          </a:solidFill>
+          <a:ln>
+            <a:noFill/>
+          </a:ln>
+        </p:spPr>
+        <p:style>
+          <a:lnRef idx="2">
+            <a:schemeClr val="accent1">
+              <a:shade val="50000"/>
+            </a:schemeClr>
+          </a:lnRef>
+          <a:fillRef idx="1">
+            <a:schemeClr val="accent1"/>
+          </a:fillRef>
+          <a:effectRef idx="0">
+            <a:schemeClr val="accent1"/>
+          </a:effectRef>
+          <a:fontRef idx="minor">
+            <a:schemeClr val="lt1"/>
+          </a:fontRef>
+        </p:style>
+        <p:txBody>
+          <a:bodyPr rtlCol="0" anchor="ctr"/>
+          <a:lstStyle/>
+          <a:p>
+            <a:pPr algn="ctr"/>
+            <a:endParaRPr kumimoji="1" lang="ja-JP" altLang="en-US"/>
+          </a:p>
+        </p:txBody>
+      </p:sp>
+      <p:sp>
+        <p:nvSpPr>
+          <p:cNvPr id="17" name="下矢印 16">
+            <a:extLst>
+              <a:ext uri="{FF2B5EF4-FFF2-40B4-BE49-F238E27FC236}">
+                <a16:creationId xmlns:a16="http://schemas.microsoft.com/office/drawing/2014/main" id="{FEB59C70-10C0-A74E-80BE-0851BB448E8D}"/>
+              </a:ext>
+            </a:extLst>
+          </p:cNvPr>
+          <p:cNvSpPr/>
+          <p:nvPr/>
+        </p:nvSpPr>
+        <p:spPr>
+          <a:xfrm rot="10800000">
+            <a:off x="3898371" y="915970"/>
+            <a:ext cx="488704" cy="3691886"/>
+          </a:xfrm>
+          <a:prstGeom prst="downArrow">
+            <a:avLst/>
+          </a:prstGeom>
+          <a:noFill/>
+          <a:ln w="76200">
+            <a:solidFill>
+              <a:srgbClr val="FFC000"/>
+            </a:solidFill>
+            <a:prstDash val="solid"/>
+          </a:ln>
+        </p:spPr>
+        <p:style>
+          <a:lnRef idx="2">
+            <a:schemeClr val="accent1">
+              <a:shade val="50000"/>
+            </a:schemeClr>
+          </a:lnRef>
+          <a:fillRef idx="1">
+            <a:schemeClr val="accent1"/>
+          </a:fillRef>
+          <a:effectRef idx="0">
+            <a:schemeClr val="accent1"/>
+          </a:effectRef>
+          <a:fontRef idx="minor">
+            <a:schemeClr val="lt1"/>
+          </a:fontRef>
+        </p:style>
+        <p:txBody>
+          <a:bodyPr rtlCol="0" anchor="ctr"/>
+          <a:lstStyle/>
+          <a:p>
+            <a:pPr algn="ctr"/>
+            <a:endParaRPr kumimoji="1" lang="ja-JP" altLang="en-US"/>
+          </a:p>
+        </p:txBody>
+      </p:sp>
+      <p:sp>
+        <p:nvSpPr>
+          <p:cNvPr id="18" name="円/楕円 17">
+            <a:extLst>
+              <a:ext uri="{FF2B5EF4-FFF2-40B4-BE49-F238E27FC236}">
+                <a16:creationId xmlns:a16="http://schemas.microsoft.com/office/drawing/2014/main" id="{C53DDDFA-F591-1043-B30D-EB198039A45F}"/>
+              </a:ext>
+            </a:extLst>
+          </p:cNvPr>
+          <p:cNvSpPr/>
+          <p:nvPr/>
+        </p:nvSpPr>
+        <p:spPr>
+          <a:xfrm>
+            <a:off x="4832044" y="489659"/>
+            <a:ext cx="679268" cy="953843"/>
+          </a:xfrm>
+          <a:prstGeom prst="ellipse">
+            <a:avLst/>
+          </a:prstGeom>
+          <a:solidFill>
+            <a:schemeClr val="accent1">
+              <a:lumMod val="75000"/>
+            </a:schemeClr>
+          </a:solidFill>
+          <a:ln>
+            <a:solidFill>
+              <a:schemeClr val="tx1"/>
+            </a:solidFill>
+          </a:ln>
+        </p:spPr>
+        <p:style>
+          <a:lnRef idx="2">
+            <a:schemeClr val="accent1">
+              <a:shade val="50000"/>
+            </a:schemeClr>
+          </a:lnRef>
+          <a:fillRef idx="1">
+            <a:schemeClr val="accent1"/>
+          </a:fillRef>
+          <a:effectRef idx="0">
+            <a:schemeClr val="accent1"/>
+          </a:effectRef>
+          <a:fontRef idx="minor">
+            <a:schemeClr val="lt1"/>
+          </a:fontRef>
+        </p:style>
+        <p:txBody>
+          <a:bodyPr rtlCol="0" anchor="ctr"/>
+          <a:lstStyle/>
+          <a:p>
+            <a:pPr algn="ctr"/>
+            <a:endParaRPr kumimoji="1" lang="ja-JP" altLang="en-US"/>
+          </a:p>
+        </p:txBody>
+      </p:sp>
+      <p:sp>
+        <p:nvSpPr>
+          <p:cNvPr id="3" name="曲折矢印 2">
+            <a:extLst>
+              <a:ext uri="{FF2B5EF4-FFF2-40B4-BE49-F238E27FC236}">
+                <a16:creationId xmlns:a16="http://schemas.microsoft.com/office/drawing/2014/main" id="{B6F5E888-092A-B447-8DCE-3FB776EF159A}"/>
+              </a:ext>
+            </a:extLst>
+          </p:cNvPr>
+          <p:cNvSpPr/>
+          <p:nvPr/>
+        </p:nvSpPr>
+        <p:spPr>
+          <a:xfrm rot="10800000">
+            <a:off x="2743838" y="1637165"/>
+            <a:ext cx="2372191" cy="2452533"/>
+          </a:xfrm>
+          <a:prstGeom prst="bentArrow">
+            <a:avLst>
+              <a:gd name="adj1" fmla="val 11760"/>
+              <a:gd name="adj2" fmla="val 14482"/>
+              <a:gd name="adj3" fmla="val 19860"/>
+              <a:gd name="adj4" fmla="val 75143"/>
+            </a:avLst>
+          </a:prstGeom>
+          <a:noFill/>
+          <a:ln w="76200">
+            <a:solidFill>
+              <a:schemeClr val="accent1"/>
+            </a:solidFill>
+          </a:ln>
+        </p:spPr>
+        <p:style>
+          <a:lnRef idx="2">
+            <a:schemeClr val="accent1">
+              <a:shade val="50000"/>
+            </a:schemeClr>
+          </a:lnRef>
+          <a:fillRef idx="1">
+            <a:schemeClr val="accent1"/>
+          </a:fillRef>
+          <a:effectRef idx="0">
+            <a:schemeClr val="accent1"/>
+          </a:effectRef>
+          <a:fontRef idx="minor">
+            <a:schemeClr val="lt1"/>
+          </a:fontRef>
+        </p:style>
+        <p:txBody>
+          <a:bodyPr rtlCol="0" anchor="ctr"/>
+          <a:lstStyle/>
+          <a:p>
+            <a:pPr algn="ctr"/>
+            <a:endParaRPr kumimoji="1" lang="ja-JP" altLang="en-US">
+              <a:solidFill>
+                <a:schemeClr val="tx1"/>
+              </a:solidFill>
+            </a:endParaRPr>
+          </a:p>
+        </p:txBody>
+      </p:sp>
+      <p:sp>
+        <p:nvSpPr>
+          <p:cNvPr id="6" name="禁止 5">
+            <a:extLst>
+              <a:ext uri="{FF2B5EF4-FFF2-40B4-BE49-F238E27FC236}">
+                <a16:creationId xmlns:a16="http://schemas.microsoft.com/office/drawing/2014/main" id="{2DBE73F1-DEE5-F94D-8EB9-5AADA54DF83C}"/>
+              </a:ext>
+            </a:extLst>
+          </p:cNvPr>
+          <p:cNvSpPr/>
+          <p:nvPr/>
+        </p:nvSpPr>
+        <p:spPr>
+          <a:xfrm>
+            <a:off x="4191642" y="2540836"/>
+            <a:ext cx="926180" cy="926180"/>
+          </a:xfrm>
+          <a:prstGeom prst="noSmoking">
+            <a:avLst/>
+          </a:prstGeom>
+          <a:solidFill>
+            <a:srgbClr val="FF0000"/>
+          </a:solidFill>
+          <a:ln>
+            <a:noFill/>
+          </a:ln>
+        </p:spPr>
+        <p:style>
+          <a:lnRef idx="2">
+            <a:schemeClr val="accent1">
+              <a:shade val="50000"/>
+            </a:schemeClr>
+          </a:lnRef>
+          <a:fillRef idx="1">
+            <a:schemeClr val="accent1"/>
+          </a:fillRef>
+          <a:effectRef idx="0">
+            <a:schemeClr val="accent1"/>
+          </a:effectRef>
+          <a:fontRef idx="minor">
+            <a:schemeClr val="lt1"/>
+          </a:fontRef>
+        </p:style>
+        <p:txBody>
+          <a:bodyPr rtlCol="0" anchor="ctr"/>
+          <a:lstStyle/>
+          <a:p>
+            <a:pPr algn="ctr"/>
+            <a:endParaRPr kumimoji="1" lang="ja-JP" altLang="en-US">
+              <a:solidFill>
+                <a:srgbClr val="FF0000"/>
+              </a:solidFill>
+            </a:endParaRPr>
+          </a:p>
+        </p:txBody>
+      </p:sp>
+      <p:sp>
+        <p:nvSpPr>
+          <p:cNvPr id="13" name="曲折矢印 12">
+            <a:extLst>
+              <a:ext uri="{FF2B5EF4-FFF2-40B4-BE49-F238E27FC236}">
+                <a16:creationId xmlns:a16="http://schemas.microsoft.com/office/drawing/2014/main" id="{F806E026-BB97-FC41-9A03-3A6BF33634F4}"/>
+              </a:ext>
+            </a:extLst>
+          </p:cNvPr>
+          <p:cNvSpPr/>
+          <p:nvPr/>
+        </p:nvSpPr>
+        <p:spPr>
+          <a:xfrm rot="10800000" flipH="1">
+            <a:off x="5484666" y="1640013"/>
+            <a:ext cx="1441910" cy="1500379"/>
+          </a:xfrm>
+          <a:prstGeom prst="bentArrow">
+            <a:avLst>
+              <a:gd name="adj1" fmla="val 14732"/>
+              <a:gd name="adj2" fmla="val 20168"/>
+              <a:gd name="adj3" fmla="val 25000"/>
+              <a:gd name="adj4" fmla="val 43750"/>
+            </a:avLst>
+          </a:prstGeom>
+          <a:noFill/>
+          <a:ln w="76200">
+            <a:solidFill>
+              <a:schemeClr val="accent1"/>
+            </a:solidFill>
+          </a:ln>
+        </p:spPr>
+        <p:style>
+          <a:lnRef idx="2">
+            <a:schemeClr val="accent1">
+              <a:shade val="50000"/>
+            </a:schemeClr>
+          </a:lnRef>
+          <a:fillRef idx="1">
+            <a:schemeClr val="accent1"/>
+          </a:fillRef>
+          <a:effectRef idx="0">
+            <a:schemeClr val="accent1"/>
+          </a:effectRef>
+          <a:fontRef idx="minor">
+            <a:schemeClr val="lt1"/>
+          </a:fontRef>
+        </p:style>
+        <p:txBody>
+          <a:bodyPr rtlCol="0" anchor="ctr"/>
+          <a:lstStyle/>
+          <a:p>
+            <a:pPr algn="ctr"/>
+            <a:endParaRPr kumimoji="1" lang="ja-JP" altLang="en-US">
+              <a:solidFill>
+                <a:schemeClr val="tx1"/>
+              </a:solidFill>
+            </a:endParaRPr>
+          </a:p>
+        </p:txBody>
+      </p:sp>
+      <p:sp>
+        <p:nvSpPr>
+          <p:cNvPr id="24" name="下矢印 23">
+            <a:extLst>
+              <a:ext uri="{FF2B5EF4-FFF2-40B4-BE49-F238E27FC236}">
+                <a16:creationId xmlns:a16="http://schemas.microsoft.com/office/drawing/2014/main" id="{C1695F0D-C8AD-5748-AB28-7DE10A3FD6A6}"/>
+              </a:ext>
+            </a:extLst>
+          </p:cNvPr>
+          <p:cNvSpPr/>
+          <p:nvPr/>
+        </p:nvSpPr>
+        <p:spPr>
+          <a:xfrm>
+            <a:off x="5024467" y="1634005"/>
+            <a:ext cx="483195" cy="1892593"/>
+          </a:xfrm>
+          <a:prstGeom prst="downArrow">
+            <a:avLst/>
+          </a:prstGeom>
+          <a:noFill/>
+          <a:ln w="76200">
+            <a:solidFill>
+              <a:schemeClr val="accent1"/>
+            </a:solidFill>
+          </a:ln>
         </p:spPr>
         <p:style>
           <a:lnRef idx="2">

--- a/model.pptx
+++ b/model.pptx
@@ -4,10 +4,16 @@
   <p:sldMasterIdLst>
     <p:sldMasterId id="2147483660" r:id="rId1"/>
   </p:sldMasterIdLst>
+  <p:notesMasterIdLst>
+    <p:notesMasterId r:id="rId8"/>
+  </p:notesMasterIdLst>
   <p:sldIdLst>
     <p:sldId id="256" r:id="rId2"/>
     <p:sldId id="257" r:id="rId3"/>
     <p:sldId id="258" r:id="rId4"/>
+    <p:sldId id="262" r:id="rId5"/>
+    <p:sldId id="263" r:id="rId6"/>
+    <p:sldId id="264" r:id="rId7"/>
   </p:sldIdLst>
   <p:sldSz cx="9144000" cy="6858000" type="screen4x3"/>
   <p:notesSz cx="6858000" cy="9144000"/>
@@ -125,6 +131,530 @@
 </p:presentation>
 </file>
 
+<file path=ppt/notesMasters/notesMaster1.xml><?xml version="1.0" encoding="utf-8"?>
+<p:notesMaster xmlns:a="http://schemas.openxmlformats.org/drawingml/2006/main" xmlns:r="http://schemas.openxmlformats.org/officeDocument/2006/relationships" xmlns:p="http://schemas.openxmlformats.org/presentationml/2006/main">
+  <p:cSld>
+    <p:bg>
+      <p:bgRef idx="1001">
+        <a:schemeClr val="bg1"/>
+      </p:bgRef>
+    </p:bg>
+    <p:spTree>
+      <p:nvGrpSpPr>
+        <p:cNvPr id="1" name=""/>
+        <p:cNvGrpSpPr/>
+        <p:nvPr/>
+      </p:nvGrpSpPr>
+      <p:grpSpPr>
+        <a:xfrm>
+          <a:off x="0" y="0"/>
+          <a:ext cx="0" cy="0"/>
+          <a:chOff x="0" y="0"/>
+          <a:chExt cx="0" cy="0"/>
+        </a:xfrm>
+      </p:grpSpPr>
+      <p:sp>
+        <p:nvSpPr>
+          <p:cNvPr id="2" name="ヘッダー プレースホルダー 1"/>
+          <p:cNvSpPr>
+            <a:spLocks noGrp="1"/>
+          </p:cNvSpPr>
+          <p:nvPr>
+            <p:ph type="hdr" sz="quarter"/>
+          </p:nvPr>
+        </p:nvSpPr>
+        <p:spPr>
+          <a:xfrm>
+            <a:off x="0" y="0"/>
+            <a:ext cx="2971800" cy="458788"/>
+          </a:xfrm>
+          <a:prstGeom prst="rect">
+            <a:avLst/>
+          </a:prstGeom>
+        </p:spPr>
+        <p:txBody>
+          <a:bodyPr vert="horz" lIns="91440" tIns="45720" rIns="91440" bIns="45720" rtlCol="0"/>
+          <a:lstStyle>
+            <a:lvl1pPr algn="l">
+              <a:defRPr sz="1200"/>
+            </a:lvl1pPr>
+          </a:lstStyle>
+          <a:p>
+            <a:endParaRPr kumimoji="1" lang="ja-JP" altLang="en-US"/>
+          </a:p>
+        </p:txBody>
+      </p:sp>
+      <p:sp>
+        <p:nvSpPr>
+          <p:cNvPr id="3" name="日付プレースホルダー 2"/>
+          <p:cNvSpPr>
+            <a:spLocks noGrp="1"/>
+          </p:cNvSpPr>
+          <p:nvPr>
+            <p:ph type="dt" idx="1"/>
+          </p:nvPr>
+        </p:nvSpPr>
+        <p:spPr>
+          <a:xfrm>
+            <a:off x="3884613" y="0"/>
+            <a:ext cx="2971800" cy="458788"/>
+          </a:xfrm>
+          <a:prstGeom prst="rect">
+            <a:avLst/>
+          </a:prstGeom>
+        </p:spPr>
+        <p:txBody>
+          <a:bodyPr vert="horz" lIns="91440" tIns="45720" rIns="91440" bIns="45720" rtlCol="0"/>
+          <a:lstStyle>
+            <a:lvl1pPr algn="r">
+              <a:defRPr sz="1200"/>
+            </a:lvl1pPr>
+          </a:lstStyle>
+          <a:p>
+            <a:fld id="{08D58E85-CF1A-C64D-93E8-803026A0D1DE}" type="datetimeFigureOut">
+              <a:rPr kumimoji="1" lang="ja-JP" altLang="en-US" smtClean="0"/>
+              <a:t>2019/11/6</a:t>
+            </a:fld>
+            <a:endParaRPr kumimoji="1" lang="ja-JP" altLang="en-US"/>
+          </a:p>
+        </p:txBody>
+      </p:sp>
+      <p:sp>
+        <p:nvSpPr>
+          <p:cNvPr id="4" name="スライド イメージ プレースホルダー 3"/>
+          <p:cNvSpPr>
+            <a:spLocks noGrp="1" noRot="1" noChangeAspect="1"/>
+          </p:cNvSpPr>
+          <p:nvPr>
+            <p:ph type="sldImg" idx="2"/>
+          </p:nvPr>
+        </p:nvSpPr>
+        <p:spPr>
+          <a:xfrm>
+            <a:off x="1371600" y="1143000"/>
+            <a:ext cx="4114800" cy="3086100"/>
+          </a:xfrm>
+          <a:prstGeom prst="rect">
+            <a:avLst/>
+          </a:prstGeom>
+          <a:noFill/>
+          <a:ln w="12700">
+            <a:solidFill>
+              <a:prstClr val="black"/>
+            </a:solidFill>
+          </a:ln>
+        </p:spPr>
+        <p:txBody>
+          <a:bodyPr vert="horz" lIns="91440" tIns="45720" rIns="91440" bIns="45720" rtlCol="0" anchor="ctr"/>
+          <a:lstStyle/>
+          <a:p>
+            <a:endParaRPr lang="ja-JP" altLang="en-US"/>
+          </a:p>
+        </p:txBody>
+      </p:sp>
+      <p:sp>
+        <p:nvSpPr>
+          <p:cNvPr id="5" name="ノート プレースホルダー 4"/>
+          <p:cNvSpPr>
+            <a:spLocks noGrp="1"/>
+          </p:cNvSpPr>
+          <p:nvPr>
+            <p:ph type="body" sz="quarter" idx="3"/>
+          </p:nvPr>
+        </p:nvSpPr>
+        <p:spPr>
+          <a:xfrm>
+            <a:off x="685800" y="4400550"/>
+            <a:ext cx="5486400" cy="3600450"/>
+          </a:xfrm>
+          <a:prstGeom prst="rect">
+            <a:avLst/>
+          </a:prstGeom>
+        </p:spPr>
+        <p:txBody>
+          <a:bodyPr vert="horz" lIns="91440" tIns="45720" rIns="91440" bIns="45720" rtlCol="0"/>
+          <a:lstStyle/>
+          <a:p>
+            <a:r>
+              <a:rPr kumimoji="1" lang="ja-JP" altLang="en-US"/>
+              <a:t>マスター テキストの書式設定
+第 </a:t>
+            </a:r>
+            <a:r>
+              <a:rPr kumimoji="1" lang="en-US" altLang="ja-JP"/>
+              <a:t>2 </a:t>
+            </a:r>
+            <a:r>
+              <a:rPr kumimoji="1" lang="ja-JP" altLang="en-US"/>
+              <a:t>レベル
+第 </a:t>
+            </a:r>
+            <a:r>
+              <a:rPr kumimoji="1" lang="en-US" altLang="ja-JP"/>
+              <a:t>3 </a:t>
+            </a:r>
+            <a:r>
+              <a:rPr kumimoji="1" lang="ja-JP" altLang="en-US"/>
+              <a:t>レベル
+第 </a:t>
+            </a:r>
+            <a:r>
+              <a:rPr kumimoji="1" lang="en-US" altLang="ja-JP"/>
+              <a:t>4 </a:t>
+            </a:r>
+            <a:r>
+              <a:rPr kumimoji="1" lang="ja-JP" altLang="en-US"/>
+              <a:t>レベル
+第 </a:t>
+            </a:r>
+            <a:r>
+              <a:rPr kumimoji="1" lang="en-US" altLang="ja-JP"/>
+              <a:t>5 </a:t>
+            </a:r>
+            <a:r>
+              <a:rPr kumimoji="1" lang="ja-JP" altLang="en-US"/>
+              <a:t>レベル</a:t>
+            </a:r>
+          </a:p>
+        </p:txBody>
+      </p:sp>
+      <p:sp>
+        <p:nvSpPr>
+          <p:cNvPr id="6" name="フッター プレースホルダー 5"/>
+          <p:cNvSpPr>
+            <a:spLocks noGrp="1"/>
+          </p:cNvSpPr>
+          <p:nvPr>
+            <p:ph type="ftr" sz="quarter" idx="4"/>
+          </p:nvPr>
+        </p:nvSpPr>
+        <p:spPr>
+          <a:xfrm>
+            <a:off x="0" y="8685213"/>
+            <a:ext cx="2971800" cy="458787"/>
+          </a:xfrm>
+          <a:prstGeom prst="rect">
+            <a:avLst/>
+          </a:prstGeom>
+        </p:spPr>
+        <p:txBody>
+          <a:bodyPr vert="horz" lIns="91440" tIns="45720" rIns="91440" bIns="45720" rtlCol="0" anchor="b"/>
+          <a:lstStyle>
+            <a:lvl1pPr algn="l">
+              <a:defRPr sz="1200"/>
+            </a:lvl1pPr>
+          </a:lstStyle>
+          <a:p>
+            <a:endParaRPr kumimoji="1" lang="ja-JP" altLang="en-US"/>
+          </a:p>
+        </p:txBody>
+      </p:sp>
+      <p:sp>
+        <p:nvSpPr>
+          <p:cNvPr id="7" name="スライド番号プレースホルダー 6"/>
+          <p:cNvSpPr>
+            <a:spLocks noGrp="1"/>
+          </p:cNvSpPr>
+          <p:nvPr>
+            <p:ph type="sldNum" sz="quarter" idx="5"/>
+          </p:nvPr>
+        </p:nvSpPr>
+        <p:spPr>
+          <a:xfrm>
+            <a:off x="3884613" y="8685213"/>
+            <a:ext cx="2971800" cy="458787"/>
+          </a:xfrm>
+          <a:prstGeom prst="rect">
+            <a:avLst/>
+          </a:prstGeom>
+        </p:spPr>
+        <p:txBody>
+          <a:bodyPr vert="horz" lIns="91440" tIns="45720" rIns="91440" bIns="45720" rtlCol="0" anchor="b"/>
+          <a:lstStyle>
+            <a:lvl1pPr algn="r">
+              <a:defRPr sz="1200"/>
+            </a:lvl1pPr>
+          </a:lstStyle>
+          <a:p>
+            <a:fld id="{20452BA9-EFAF-7244-AEB3-A21EC01F9D08}" type="slidenum">
+              <a:rPr kumimoji="1" lang="ja-JP" altLang="en-US" smtClean="0"/>
+              <a:t>‹#›</a:t>
+            </a:fld>
+            <a:endParaRPr kumimoji="1" lang="ja-JP" altLang="en-US"/>
+          </a:p>
+        </p:txBody>
+      </p:sp>
+    </p:spTree>
+    <p:extLst>
+      <p:ext uri="{BB962C8B-B14F-4D97-AF65-F5344CB8AC3E}">
+        <p14:creationId xmlns:p14="http://schemas.microsoft.com/office/powerpoint/2010/main" val="1302084760"/>
+      </p:ext>
+    </p:extLst>
+  </p:cSld>
+  <p:clrMap bg1="lt1" tx1="dk1" bg2="lt2" tx2="dk2" accent1="accent1" accent2="accent2" accent3="accent3" accent4="accent4" accent5="accent5" accent6="accent6" hlink="hlink" folHlink="folHlink"/>
+  <p:notesStyle>
+    <a:lvl1pPr marL="0" algn="l" defTabSz="914400" rtl="0" eaLnBrk="1" latinLnBrk="0" hangingPunct="1">
+      <a:defRPr kumimoji="1" sz="1200" kern="1200">
+        <a:solidFill>
+          <a:schemeClr val="tx1"/>
+        </a:solidFill>
+        <a:latin typeface="+mn-lt"/>
+        <a:ea typeface="+mn-ea"/>
+        <a:cs typeface="+mn-cs"/>
+      </a:defRPr>
+    </a:lvl1pPr>
+    <a:lvl2pPr marL="457200" algn="l" defTabSz="914400" rtl="0" eaLnBrk="1" latinLnBrk="0" hangingPunct="1">
+      <a:defRPr kumimoji="1" sz="1200" kern="1200">
+        <a:solidFill>
+          <a:schemeClr val="tx1"/>
+        </a:solidFill>
+        <a:latin typeface="+mn-lt"/>
+        <a:ea typeface="+mn-ea"/>
+        <a:cs typeface="+mn-cs"/>
+      </a:defRPr>
+    </a:lvl2pPr>
+    <a:lvl3pPr marL="914400" algn="l" defTabSz="914400" rtl="0" eaLnBrk="1" latinLnBrk="0" hangingPunct="1">
+      <a:defRPr kumimoji="1" sz="1200" kern="1200">
+        <a:solidFill>
+          <a:schemeClr val="tx1"/>
+        </a:solidFill>
+        <a:latin typeface="+mn-lt"/>
+        <a:ea typeface="+mn-ea"/>
+        <a:cs typeface="+mn-cs"/>
+      </a:defRPr>
+    </a:lvl3pPr>
+    <a:lvl4pPr marL="1371600" algn="l" defTabSz="914400" rtl="0" eaLnBrk="1" latinLnBrk="0" hangingPunct="1">
+      <a:defRPr kumimoji="1" sz="1200" kern="1200">
+        <a:solidFill>
+          <a:schemeClr val="tx1"/>
+        </a:solidFill>
+        <a:latin typeface="+mn-lt"/>
+        <a:ea typeface="+mn-ea"/>
+        <a:cs typeface="+mn-cs"/>
+      </a:defRPr>
+    </a:lvl4pPr>
+    <a:lvl5pPr marL="1828800" algn="l" defTabSz="914400" rtl="0" eaLnBrk="1" latinLnBrk="0" hangingPunct="1">
+      <a:defRPr kumimoji="1" sz="1200" kern="1200">
+        <a:solidFill>
+          <a:schemeClr val="tx1"/>
+        </a:solidFill>
+        <a:latin typeface="+mn-lt"/>
+        <a:ea typeface="+mn-ea"/>
+        <a:cs typeface="+mn-cs"/>
+      </a:defRPr>
+    </a:lvl5pPr>
+    <a:lvl6pPr marL="2286000" algn="l" defTabSz="914400" rtl="0" eaLnBrk="1" latinLnBrk="0" hangingPunct="1">
+      <a:defRPr kumimoji="1" sz="1200" kern="1200">
+        <a:solidFill>
+          <a:schemeClr val="tx1"/>
+        </a:solidFill>
+        <a:latin typeface="+mn-lt"/>
+        <a:ea typeface="+mn-ea"/>
+        <a:cs typeface="+mn-cs"/>
+      </a:defRPr>
+    </a:lvl6pPr>
+    <a:lvl7pPr marL="2743200" algn="l" defTabSz="914400" rtl="0" eaLnBrk="1" latinLnBrk="0" hangingPunct="1">
+      <a:defRPr kumimoji="1" sz="1200" kern="1200">
+        <a:solidFill>
+          <a:schemeClr val="tx1"/>
+        </a:solidFill>
+        <a:latin typeface="+mn-lt"/>
+        <a:ea typeface="+mn-ea"/>
+        <a:cs typeface="+mn-cs"/>
+      </a:defRPr>
+    </a:lvl7pPr>
+    <a:lvl8pPr marL="3200400" algn="l" defTabSz="914400" rtl="0" eaLnBrk="1" latinLnBrk="0" hangingPunct="1">
+      <a:defRPr kumimoji="1" sz="1200" kern="1200">
+        <a:solidFill>
+          <a:schemeClr val="tx1"/>
+        </a:solidFill>
+        <a:latin typeface="+mn-lt"/>
+        <a:ea typeface="+mn-ea"/>
+        <a:cs typeface="+mn-cs"/>
+      </a:defRPr>
+    </a:lvl8pPr>
+    <a:lvl9pPr marL="3657600" algn="l" defTabSz="914400" rtl="0" eaLnBrk="1" latinLnBrk="0" hangingPunct="1">
+      <a:defRPr kumimoji="1" sz="1200" kern="1200">
+        <a:solidFill>
+          <a:schemeClr val="tx1"/>
+        </a:solidFill>
+        <a:latin typeface="+mn-lt"/>
+        <a:ea typeface="+mn-ea"/>
+        <a:cs typeface="+mn-cs"/>
+      </a:defRPr>
+    </a:lvl9pPr>
+  </p:notesStyle>
+</p:notesMaster>
+</file>
+
+<file path=ppt/notesSlides/notesSlide1.xml><?xml version="1.0" encoding="utf-8"?>
+<p:notes xmlns:a="http://schemas.openxmlformats.org/drawingml/2006/main" xmlns:r="http://schemas.openxmlformats.org/officeDocument/2006/relationships" xmlns:p="http://schemas.openxmlformats.org/presentationml/2006/main">
+  <p:cSld>
+    <p:spTree>
+      <p:nvGrpSpPr>
+        <p:cNvPr id="1" name=""/>
+        <p:cNvGrpSpPr/>
+        <p:nvPr/>
+      </p:nvGrpSpPr>
+      <p:grpSpPr>
+        <a:xfrm>
+          <a:off x="0" y="0"/>
+          <a:ext cx="0" cy="0"/>
+          <a:chOff x="0" y="0"/>
+          <a:chExt cx="0" cy="0"/>
+        </a:xfrm>
+      </p:grpSpPr>
+      <p:sp>
+        <p:nvSpPr>
+          <p:cNvPr id="2" name="スライド イメージ プレースホルダー 1"/>
+          <p:cNvSpPr>
+            <a:spLocks noGrp="1" noRot="1" noChangeAspect="1"/>
+          </p:cNvSpPr>
+          <p:nvPr>
+            <p:ph type="sldImg"/>
+          </p:nvPr>
+        </p:nvSpPr>
+        <p:spPr/>
+      </p:sp>
+      <p:sp>
+        <p:nvSpPr>
+          <p:cNvPr id="3" name="ノート プレースホルダー 2"/>
+          <p:cNvSpPr>
+            <a:spLocks noGrp="1"/>
+          </p:cNvSpPr>
+          <p:nvPr>
+            <p:ph type="body" idx="1"/>
+          </p:nvPr>
+        </p:nvSpPr>
+        <p:spPr/>
+        <p:txBody>
+          <a:bodyPr/>
+          <a:lstStyle/>
+          <a:p>
+            <a:endParaRPr kumimoji="1" lang="ja-JP" altLang="en-US"/>
+          </a:p>
+        </p:txBody>
+      </p:sp>
+      <p:sp>
+        <p:nvSpPr>
+          <p:cNvPr id="4" name="スライド番号プレースホルダー 3"/>
+          <p:cNvSpPr>
+            <a:spLocks noGrp="1"/>
+          </p:cNvSpPr>
+          <p:nvPr>
+            <p:ph type="sldNum" sz="quarter" idx="5"/>
+          </p:nvPr>
+        </p:nvSpPr>
+        <p:spPr/>
+        <p:txBody>
+          <a:bodyPr/>
+          <a:lstStyle/>
+          <a:p>
+            <a:fld id="{E62EC1EF-0304-2D48-86E9-C7F7CCA02542}" type="slidenum">
+              <a:rPr kumimoji="1" lang="ja-JP" altLang="en-US" smtClean="0"/>
+              <a:t>4</a:t>
+            </a:fld>
+            <a:endParaRPr kumimoji="1" lang="ja-JP" altLang="en-US"/>
+          </a:p>
+        </p:txBody>
+      </p:sp>
+    </p:spTree>
+    <p:extLst>
+      <p:ext uri="{BB962C8B-B14F-4D97-AF65-F5344CB8AC3E}">
+        <p14:creationId xmlns:p14="http://schemas.microsoft.com/office/powerpoint/2010/main" val="1409729061"/>
+      </p:ext>
+    </p:extLst>
+  </p:cSld>
+  <p:clrMapOvr>
+    <a:masterClrMapping/>
+  </p:clrMapOvr>
+</p:notes>
+</file>
+
+<file path=ppt/notesSlides/notesSlide2.xml><?xml version="1.0" encoding="utf-8"?>
+<p:notes xmlns:a="http://schemas.openxmlformats.org/drawingml/2006/main" xmlns:r="http://schemas.openxmlformats.org/officeDocument/2006/relationships" xmlns:p="http://schemas.openxmlformats.org/presentationml/2006/main">
+  <p:cSld>
+    <p:spTree>
+      <p:nvGrpSpPr>
+        <p:cNvPr id="1" name=""/>
+        <p:cNvGrpSpPr/>
+        <p:nvPr/>
+      </p:nvGrpSpPr>
+      <p:grpSpPr>
+        <a:xfrm>
+          <a:off x="0" y="0"/>
+          <a:ext cx="0" cy="0"/>
+          <a:chOff x="0" y="0"/>
+          <a:chExt cx="0" cy="0"/>
+        </a:xfrm>
+      </p:grpSpPr>
+      <p:sp>
+        <p:nvSpPr>
+          <p:cNvPr id="2" name="スライド イメージ プレースホルダー 1"/>
+          <p:cNvSpPr>
+            <a:spLocks noGrp="1" noRot="1" noChangeAspect="1"/>
+          </p:cNvSpPr>
+          <p:nvPr>
+            <p:ph type="sldImg"/>
+          </p:nvPr>
+        </p:nvSpPr>
+        <p:spPr/>
+      </p:sp>
+      <p:sp>
+        <p:nvSpPr>
+          <p:cNvPr id="3" name="ノート プレースホルダー 2"/>
+          <p:cNvSpPr>
+            <a:spLocks noGrp="1"/>
+          </p:cNvSpPr>
+          <p:nvPr>
+            <p:ph type="body" idx="1"/>
+          </p:nvPr>
+        </p:nvSpPr>
+        <p:spPr/>
+        <p:txBody>
+          <a:bodyPr/>
+          <a:lstStyle/>
+          <a:p>
+            <a:endParaRPr kumimoji="1" lang="ja-JP" altLang="en-US"/>
+          </a:p>
+        </p:txBody>
+      </p:sp>
+      <p:sp>
+        <p:nvSpPr>
+          <p:cNvPr id="4" name="スライド番号プレースホルダー 3"/>
+          <p:cNvSpPr>
+            <a:spLocks noGrp="1"/>
+          </p:cNvSpPr>
+          <p:nvPr>
+            <p:ph type="sldNum" sz="quarter" idx="5"/>
+          </p:nvPr>
+        </p:nvSpPr>
+        <p:spPr/>
+        <p:txBody>
+          <a:bodyPr/>
+          <a:lstStyle/>
+          <a:p>
+            <a:fld id="{E62EC1EF-0304-2D48-86E9-C7F7CCA02542}" type="slidenum">
+              <a:rPr kumimoji="1" lang="ja-JP" altLang="en-US" smtClean="0"/>
+              <a:t>5</a:t>
+            </a:fld>
+            <a:endParaRPr kumimoji="1" lang="ja-JP" altLang="en-US"/>
+          </a:p>
+        </p:txBody>
+      </p:sp>
+    </p:spTree>
+    <p:extLst>
+      <p:ext uri="{BB962C8B-B14F-4D97-AF65-F5344CB8AC3E}">
+        <p14:creationId xmlns:p14="http://schemas.microsoft.com/office/powerpoint/2010/main" val="1766663429"/>
+      </p:ext>
+    </p:extLst>
+  </p:cSld>
+  <p:clrMapOvr>
+    <a:masterClrMapping/>
+  </p:clrMapOvr>
+</p:notes>
+</file>
+
 <file path=ppt/slideLayouts/slideLayout1.xml><?xml version="1.0" encoding="utf-8"?>
 <p:sldLayout xmlns:a="http://schemas.openxmlformats.org/drawingml/2006/main" xmlns:r="http://schemas.openxmlformats.org/officeDocument/2006/relationships" xmlns:p="http://schemas.openxmlformats.org/presentationml/2006/main" type="title" preserve="1">
   <p:cSld name="タイトル スライド">
@@ -256,7 +786,7 @@
           <a:p>
             <a:fld id="{824D94B4-09CF-5746-A7BC-392D3451DE3D}" type="datetimeFigureOut">
               <a:rPr kumimoji="1" lang="ja-JP" altLang="en-US" smtClean="0"/>
-              <a:t>2019/10/7</a:t>
+              <a:t>2019/11/6</a:t>
             </a:fld>
             <a:endParaRPr kumimoji="1" lang="ja-JP" altLang="en-US"/>
           </a:p>
@@ -434,7 +964,7 @@
           <a:p>
             <a:fld id="{824D94B4-09CF-5746-A7BC-392D3451DE3D}" type="datetimeFigureOut">
               <a:rPr kumimoji="1" lang="ja-JP" altLang="en-US" smtClean="0"/>
-              <a:t>2019/10/7</a:t>
+              <a:t>2019/11/6</a:t>
             </a:fld>
             <a:endParaRPr kumimoji="1" lang="ja-JP" altLang="en-US"/>
           </a:p>
@@ -622,7 +1152,7 @@
           <a:p>
             <a:fld id="{824D94B4-09CF-5746-A7BC-392D3451DE3D}" type="datetimeFigureOut">
               <a:rPr kumimoji="1" lang="ja-JP" altLang="en-US" smtClean="0"/>
-              <a:t>2019/10/7</a:t>
+              <a:t>2019/11/6</a:t>
             </a:fld>
             <a:endParaRPr kumimoji="1" lang="ja-JP" altLang="en-US"/>
           </a:p>
@@ -800,7 +1330,7 @@
           <a:p>
             <a:fld id="{824D94B4-09CF-5746-A7BC-392D3451DE3D}" type="datetimeFigureOut">
               <a:rPr kumimoji="1" lang="ja-JP" altLang="en-US" smtClean="0"/>
-              <a:t>2019/10/7</a:t>
+              <a:t>2019/11/6</a:t>
             </a:fld>
             <a:endParaRPr kumimoji="1" lang="ja-JP" altLang="en-US"/>
           </a:p>
@@ -1081,7 +1611,7 @@
           <a:p>
             <a:fld id="{824D94B4-09CF-5746-A7BC-392D3451DE3D}" type="datetimeFigureOut">
               <a:rPr kumimoji="1" lang="ja-JP" altLang="en-US" smtClean="0"/>
-              <a:t>2019/10/7</a:t>
+              <a:t>2019/11/6</a:t>
             </a:fld>
             <a:endParaRPr kumimoji="1" lang="ja-JP" altLang="en-US"/>
           </a:p>
@@ -1329,7 +1859,7 @@
           <a:p>
             <a:fld id="{824D94B4-09CF-5746-A7BC-392D3451DE3D}" type="datetimeFigureOut">
               <a:rPr kumimoji="1" lang="ja-JP" altLang="en-US" smtClean="0"/>
-              <a:t>2019/10/7</a:t>
+              <a:t>2019/11/6</a:t>
             </a:fld>
             <a:endParaRPr kumimoji="1" lang="ja-JP" altLang="en-US"/>
           </a:p>
@@ -1786,7 +2316,7 @@
           <a:p>
             <a:fld id="{824D94B4-09CF-5746-A7BC-392D3451DE3D}" type="datetimeFigureOut">
               <a:rPr kumimoji="1" lang="ja-JP" altLang="en-US" smtClean="0"/>
-              <a:t>2019/10/7</a:t>
+              <a:t>2019/11/6</a:t>
             </a:fld>
             <a:endParaRPr kumimoji="1" lang="ja-JP" altLang="en-US"/>
           </a:p>
@@ -1904,7 +2434,7 @@
           <a:p>
             <a:fld id="{824D94B4-09CF-5746-A7BC-392D3451DE3D}" type="datetimeFigureOut">
               <a:rPr kumimoji="1" lang="ja-JP" altLang="en-US" smtClean="0"/>
-              <a:t>2019/10/7</a:t>
+              <a:t>2019/11/6</a:t>
             </a:fld>
             <a:endParaRPr kumimoji="1" lang="ja-JP" altLang="en-US"/>
           </a:p>
@@ -1999,7 +2529,7 @@
           <a:p>
             <a:fld id="{824D94B4-09CF-5746-A7BC-392D3451DE3D}" type="datetimeFigureOut">
               <a:rPr kumimoji="1" lang="ja-JP" altLang="en-US" smtClean="0"/>
-              <a:t>2019/10/7</a:t>
+              <a:t>2019/11/6</a:t>
             </a:fld>
             <a:endParaRPr kumimoji="1" lang="ja-JP" altLang="en-US"/>
           </a:p>
@@ -2321,7 +2851,7 @@
           <a:p>
             <a:fld id="{824D94B4-09CF-5746-A7BC-392D3451DE3D}" type="datetimeFigureOut">
               <a:rPr kumimoji="1" lang="ja-JP" altLang="en-US" smtClean="0"/>
-              <a:t>2019/10/7</a:t>
+              <a:t>2019/11/6</a:t>
             </a:fld>
             <a:endParaRPr kumimoji="1" lang="ja-JP" altLang="en-US"/>
           </a:p>
@@ -2615,7 +3145,7 @@
           <a:p>
             <a:fld id="{824D94B4-09CF-5746-A7BC-392D3451DE3D}" type="datetimeFigureOut">
               <a:rPr kumimoji="1" lang="ja-JP" altLang="en-US" smtClean="0"/>
-              <a:t>2019/10/7</a:t>
+              <a:t>2019/11/6</a:t>
             </a:fld>
             <a:endParaRPr kumimoji="1" lang="ja-JP" altLang="en-US"/>
           </a:p>
@@ -2836,7 +3366,7 @@
           <a:p>
             <a:fld id="{824D94B4-09CF-5746-A7BC-392D3451DE3D}" type="datetimeFigureOut">
               <a:rPr kumimoji="1" lang="ja-JP" altLang="en-US" smtClean="0"/>
-              <a:t>2019/10/7</a:t>
+              <a:t>2019/11/6</a:t>
             </a:fld>
             <a:endParaRPr kumimoji="1" lang="ja-JP" altLang="en-US"/>
           </a:p>
@@ -4397,7 +4927,7 @@
         </p:nvSpPr>
         <p:spPr>
           <a:xfrm>
-            <a:off x="3829212" y="2167852"/>
+            <a:off x="4855413" y="2731512"/>
             <a:ext cx="679268" cy="953843"/>
           </a:xfrm>
           <a:prstGeom prst="ellipse">
@@ -4454,12 +4984,75 @@
         </p:nvSpPr>
         <p:spPr>
           <a:xfrm>
-            <a:off x="3926543" y="3433666"/>
-            <a:ext cx="488704" cy="3106981"/>
+            <a:off x="4949542" y="4093029"/>
+            <a:ext cx="488704" cy="2464654"/>
           </a:xfrm>
           <a:prstGeom prst="downArrow">
             <a:avLst/>
           </a:prstGeom>
+          <a:solidFill>
+            <a:schemeClr val="tx1"/>
+          </a:solidFill>
+          <a:ln>
+            <a:noFill/>
+          </a:ln>
+        </p:spPr>
+        <p:style>
+          <a:lnRef idx="2">
+            <a:schemeClr val="accent1">
+              <a:shade val="50000"/>
+            </a:schemeClr>
+          </a:lnRef>
+          <a:fillRef idx="1">
+            <a:schemeClr val="accent1"/>
+          </a:fillRef>
+          <a:effectRef idx="0">
+            <a:schemeClr val="accent1"/>
+          </a:effectRef>
+          <a:fontRef idx="minor">
+            <a:schemeClr val="lt1"/>
+          </a:fontRef>
+        </p:style>
+        <p:txBody>
+          <a:bodyPr rtlCol="0" anchor="ctr"/>
+          <a:lstStyle/>
+          <a:p>
+            <a:pPr algn="ctr"/>
+            <a:endParaRPr kumimoji="1" lang="ja-JP" altLang="en-US"/>
+          </a:p>
+        </p:txBody>
+      </p:sp>
+      <p:sp>
+        <p:nvSpPr>
+          <p:cNvPr id="16" name="円/楕円 15">
+            <a:extLst>
+              <a:ext uri="{FF2B5EF4-FFF2-40B4-BE49-F238E27FC236}">
+                <a16:creationId xmlns:a16="http://schemas.microsoft.com/office/drawing/2014/main" id="{317E7FB2-9C03-D148-981F-74ED29B4735C}"/>
+              </a:ext>
+            </a:extLst>
+          </p:cNvPr>
+          <p:cNvSpPr/>
+          <p:nvPr/>
+        </p:nvSpPr>
+        <p:spPr>
+          <a:xfrm rot="16200000">
+            <a:off x="-1324599" y="3434689"/>
+            <a:ext cx="679268" cy="953843"/>
+          </a:xfrm>
+          <a:prstGeom prst="ellipse">
+            <a:avLst/>
+          </a:prstGeom>
+          <a:solidFill>
+            <a:srgbClr val="FFFF00"/>
+          </a:solidFill>
+          <a:ln>
+            <a:solidFill>
+              <a:schemeClr val="tx1">
+                <a:lumMod val="50000"/>
+                <a:lumOff val="50000"/>
+              </a:schemeClr>
+            </a:solidFill>
+          </a:ln>
         </p:spPr>
         <p:style>
           <a:lnRef idx="2">
@@ -5576,6 +6169,2233 @@
     <p:extLst>
       <p:ext uri="{BB962C8B-B14F-4D97-AF65-F5344CB8AC3E}">
         <p14:creationId xmlns:p14="http://schemas.microsoft.com/office/powerpoint/2010/main" val="3017121982"/>
+      </p:ext>
+    </p:extLst>
+  </p:cSld>
+  <p:clrMapOvr>
+    <a:masterClrMapping/>
+  </p:clrMapOvr>
+</p:sld>
+</file>
+
+<file path=ppt/slides/slide4.xml><?xml version="1.0" encoding="utf-8"?>
+<p:sld xmlns:a="http://schemas.openxmlformats.org/drawingml/2006/main" xmlns:r="http://schemas.openxmlformats.org/officeDocument/2006/relationships" xmlns:p="http://schemas.openxmlformats.org/presentationml/2006/main">
+  <p:cSld>
+    <p:spTree>
+      <p:nvGrpSpPr>
+        <p:cNvPr id="1" name=""/>
+        <p:cNvGrpSpPr/>
+        <p:nvPr/>
+      </p:nvGrpSpPr>
+      <p:grpSpPr>
+        <a:xfrm>
+          <a:off x="0" y="0"/>
+          <a:ext cx="0" cy="0"/>
+          <a:chOff x="0" y="0"/>
+          <a:chExt cx="0" cy="0"/>
+        </a:xfrm>
+      </p:grpSpPr>
+      <p:cxnSp>
+        <p:nvCxnSpPr>
+          <p:cNvPr id="5" name="直線コネクタ 4">
+            <a:extLst>
+              <a:ext uri="{FF2B5EF4-FFF2-40B4-BE49-F238E27FC236}">
+                <a16:creationId xmlns:a16="http://schemas.microsoft.com/office/drawing/2014/main" id="{040BE4F2-CEBC-A646-B9FB-305ED1A67369}"/>
+              </a:ext>
+            </a:extLst>
+          </p:cNvPr>
+          <p:cNvCxnSpPr>
+            <a:cxnSpLocks/>
+          </p:cNvCxnSpPr>
+          <p:nvPr/>
+        </p:nvCxnSpPr>
+        <p:spPr>
+          <a:xfrm>
+            <a:off x="3499153" y="0"/>
+            <a:ext cx="0" cy="2216728"/>
+          </a:xfrm>
+          <a:prstGeom prst="line">
+            <a:avLst/>
+          </a:prstGeom>
+          <a:ln w="25400">
+            <a:solidFill>
+              <a:schemeClr val="tx1"/>
+            </a:solidFill>
+          </a:ln>
+        </p:spPr>
+        <p:style>
+          <a:lnRef idx="1">
+            <a:schemeClr val="accent1"/>
+          </a:lnRef>
+          <a:fillRef idx="0">
+            <a:schemeClr val="accent1"/>
+          </a:fillRef>
+          <a:effectRef idx="0">
+            <a:schemeClr val="accent1"/>
+          </a:effectRef>
+          <a:fontRef idx="minor">
+            <a:schemeClr val="tx1"/>
+          </a:fontRef>
+        </p:style>
+      </p:cxnSp>
+      <p:cxnSp>
+        <p:nvCxnSpPr>
+          <p:cNvPr id="7" name="直線コネクタ 6">
+            <a:extLst>
+              <a:ext uri="{FF2B5EF4-FFF2-40B4-BE49-F238E27FC236}">
+                <a16:creationId xmlns:a16="http://schemas.microsoft.com/office/drawing/2014/main" id="{56929E8D-688F-D641-A5A6-703D9CED5C28}"/>
+              </a:ext>
+            </a:extLst>
+          </p:cNvPr>
+          <p:cNvCxnSpPr>
+            <a:cxnSpLocks/>
+          </p:cNvCxnSpPr>
+          <p:nvPr/>
+        </p:nvCxnSpPr>
+        <p:spPr>
+          <a:xfrm>
+            <a:off x="3499153" y="4675910"/>
+            <a:ext cx="0" cy="2182090"/>
+          </a:xfrm>
+          <a:prstGeom prst="line">
+            <a:avLst/>
+          </a:prstGeom>
+          <a:ln w="25400">
+            <a:solidFill>
+              <a:schemeClr val="tx1"/>
+            </a:solidFill>
+          </a:ln>
+        </p:spPr>
+        <p:style>
+          <a:lnRef idx="1">
+            <a:schemeClr val="accent1"/>
+          </a:lnRef>
+          <a:fillRef idx="0">
+            <a:schemeClr val="accent1"/>
+          </a:fillRef>
+          <a:effectRef idx="0">
+            <a:schemeClr val="accent1"/>
+          </a:effectRef>
+          <a:fontRef idx="minor">
+            <a:schemeClr val="tx1"/>
+          </a:fontRef>
+        </p:style>
+      </p:cxnSp>
+      <p:cxnSp>
+        <p:nvCxnSpPr>
+          <p:cNvPr id="8" name="直線コネクタ 7">
+            <a:extLst>
+              <a:ext uri="{FF2B5EF4-FFF2-40B4-BE49-F238E27FC236}">
+                <a16:creationId xmlns:a16="http://schemas.microsoft.com/office/drawing/2014/main" id="{B455C9EF-877D-2747-8388-A0D7B563AEFA}"/>
+              </a:ext>
+            </a:extLst>
+          </p:cNvPr>
+          <p:cNvCxnSpPr>
+            <a:cxnSpLocks/>
+          </p:cNvCxnSpPr>
+          <p:nvPr/>
+        </p:nvCxnSpPr>
+        <p:spPr>
+          <a:xfrm>
+            <a:off x="6377388" y="4675910"/>
+            <a:ext cx="0" cy="2182090"/>
+          </a:xfrm>
+          <a:prstGeom prst="line">
+            <a:avLst/>
+          </a:prstGeom>
+          <a:ln w="25400">
+            <a:solidFill>
+              <a:schemeClr val="tx1"/>
+            </a:solidFill>
+          </a:ln>
+        </p:spPr>
+        <p:style>
+          <a:lnRef idx="1">
+            <a:schemeClr val="accent1"/>
+          </a:lnRef>
+          <a:fillRef idx="0">
+            <a:schemeClr val="accent1"/>
+          </a:fillRef>
+          <a:effectRef idx="0">
+            <a:schemeClr val="accent1"/>
+          </a:effectRef>
+          <a:fontRef idx="minor">
+            <a:schemeClr val="tx1"/>
+          </a:fontRef>
+        </p:style>
+      </p:cxnSp>
+      <p:cxnSp>
+        <p:nvCxnSpPr>
+          <p:cNvPr id="9" name="直線コネクタ 8">
+            <a:extLst>
+              <a:ext uri="{FF2B5EF4-FFF2-40B4-BE49-F238E27FC236}">
+                <a16:creationId xmlns:a16="http://schemas.microsoft.com/office/drawing/2014/main" id="{B244B9F0-4E07-1A4A-9557-673080DF2066}"/>
+              </a:ext>
+            </a:extLst>
+          </p:cNvPr>
+          <p:cNvCxnSpPr>
+            <a:cxnSpLocks/>
+          </p:cNvCxnSpPr>
+          <p:nvPr/>
+        </p:nvCxnSpPr>
+        <p:spPr>
+          <a:xfrm>
+            <a:off x="6378316" y="0"/>
+            <a:ext cx="0" cy="2216728"/>
+          </a:xfrm>
+          <a:prstGeom prst="line">
+            <a:avLst/>
+          </a:prstGeom>
+          <a:ln w="25400">
+            <a:solidFill>
+              <a:schemeClr val="tx1"/>
+            </a:solidFill>
+          </a:ln>
+        </p:spPr>
+        <p:style>
+          <a:lnRef idx="1">
+            <a:schemeClr val="accent1"/>
+          </a:lnRef>
+          <a:fillRef idx="0">
+            <a:schemeClr val="accent1"/>
+          </a:fillRef>
+          <a:effectRef idx="0">
+            <a:schemeClr val="accent1"/>
+          </a:effectRef>
+          <a:fontRef idx="minor">
+            <a:schemeClr val="tx1"/>
+          </a:fontRef>
+        </p:style>
+      </p:cxnSp>
+      <p:cxnSp>
+        <p:nvCxnSpPr>
+          <p:cNvPr id="11" name="直線コネクタ 10">
+            <a:extLst>
+              <a:ext uri="{FF2B5EF4-FFF2-40B4-BE49-F238E27FC236}">
+                <a16:creationId xmlns:a16="http://schemas.microsoft.com/office/drawing/2014/main" id="{26A22795-337F-E744-BF80-1DCFC6F06CF9}"/>
+              </a:ext>
+            </a:extLst>
+          </p:cNvPr>
+          <p:cNvCxnSpPr>
+            <a:cxnSpLocks/>
+          </p:cNvCxnSpPr>
+          <p:nvPr/>
+        </p:nvCxnSpPr>
+        <p:spPr>
+          <a:xfrm flipH="1">
+            <a:off x="838199" y="2216728"/>
+            <a:ext cx="2660954" cy="0"/>
+          </a:xfrm>
+          <a:prstGeom prst="line">
+            <a:avLst/>
+          </a:prstGeom>
+          <a:ln w="25400">
+            <a:solidFill>
+              <a:schemeClr val="tx1"/>
+            </a:solidFill>
+          </a:ln>
+        </p:spPr>
+        <p:style>
+          <a:lnRef idx="1">
+            <a:schemeClr val="accent1"/>
+          </a:lnRef>
+          <a:fillRef idx="0">
+            <a:schemeClr val="accent1"/>
+          </a:fillRef>
+          <a:effectRef idx="0">
+            <a:schemeClr val="accent1"/>
+          </a:effectRef>
+          <a:fontRef idx="minor">
+            <a:schemeClr val="tx1"/>
+          </a:fontRef>
+        </p:style>
+      </p:cxnSp>
+      <p:cxnSp>
+        <p:nvCxnSpPr>
+          <p:cNvPr id="15" name="直線コネクタ 14">
+            <a:extLst>
+              <a:ext uri="{FF2B5EF4-FFF2-40B4-BE49-F238E27FC236}">
+                <a16:creationId xmlns:a16="http://schemas.microsoft.com/office/drawing/2014/main" id="{0C8B3AC5-323C-5D4D-8F6E-5D526EE5CD9A}"/>
+              </a:ext>
+            </a:extLst>
+          </p:cNvPr>
+          <p:cNvCxnSpPr>
+            <a:cxnSpLocks/>
+          </p:cNvCxnSpPr>
+          <p:nvPr/>
+        </p:nvCxnSpPr>
+        <p:spPr>
+          <a:xfrm flipH="1">
+            <a:off x="838199" y="4675910"/>
+            <a:ext cx="2660954" cy="0"/>
+          </a:xfrm>
+          <a:prstGeom prst="line">
+            <a:avLst/>
+          </a:prstGeom>
+          <a:ln w="25400">
+            <a:solidFill>
+              <a:schemeClr val="tx1"/>
+            </a:solidFill>
+          </a:ln>
+        </p:spPr>
+        <p:style>
+          <a:lnRef idx="1">
+            <a:schemeClr val="accent1"/>
+          </a:lnRef>
+          <a:fillRef idx="0">
+            <a:schemeClr val="accent1"/>
+          </a:fillRef>
+          <a:effectRef idx="0">
+            <a:schemeClr val="accent1"/>
+          </a:effectRef>
+          <a:fontRef idx="minor">
+            <a:schemeClr val="tx1"/>
+          </a:fontRef>
+        </p:style>
+      </p:cxnSp>
+      <p:cxnSp>
+        <p:nvCxnSpPr>
+          <p:cNvPr id="16" name="直線コネクタ 15">
+            <a:extLst>
+              <a:ext uri="{FF2B5EF4-FFF2-40B4-BE49-F238E27FC236}">
+                <a16:creationId xmlns:a16="http://schemas.microsoft.com/office/drawing/2014/main" id="{E5F9B5E9-7FBF-474F-A26D-856B8900CD16}"/>
+              </a:ext>
+            </a:extLst>
+          </p:cNvPr>
+          <p:cNvCxnSpPr>
+            <a:cxnSpLocks/>
+          </p:cNvCxnSpPr>
+          <p:nvPr/>
+        </p:nvCxnSpPr>
+        <p:spPr>
+          <a:xfrm flipH="1">
+            <a:off x="6377388" y="4675910"/>
+            <a:ext cx="2697399" cy="0"/>
+          </a:xfrm>
+          <a:prstGeom prst="line">
+            <a:avLst/>
+          </a:prstGeom>
+          <a:ln w="25400">
+            <a:solidFill>
+              <a:schemeClr val="tx1"/>
+            </a:solidFill>
+          </a:ln>
+        </p:spPr>
+        <p:style>
+          <a:lnRef idx="1">
+            <a:schemeClr val="accent1"/>
+          </a:lnRef>
+          <a:fillRef idx="0">
+            <a:schemeClr val="accent1"/>
+          </a:fillRef>
+          <a:effectRef idx="0">
+            <a:schemeClr val="accent1"/>
+          </a:effectRef>
+          <a:fontRef idx="minor">
+            <a:schemeClr val="tx1"/>
+          </a:fontRef>
+        </p:style>
+      </p:cxnSp>
+      <p:cxnSp>
+        <p:nvCxnSpPr>
+          <p:cNvPr id="17" name="直線コネクタ 16">
+            <a:extLst>
+              <a:ext uri="{FF2B5EF4-FFF2-40B4-BE49-F238E27FC236}">
+                <a16:creationId xmlns:a16="http://schemas.microsoft.com/office/drawing/2014/main" id="{FA4D760E-E77E-AA4E-B624-F82C306B1C6C}"/>
+              </a:ext>
+            </a:extLst>
+          </p:cNvPr>
+          <p:cNvCxnSpPr>
+            <a:cxnSpLocks/>
+          </p:cNvCxnSpPr>
+          <p:nvPr/>
+        </p:nvCxnSpPr>
+        <p:spPr>
+          <a:xfrm flipH="1">
+            <a:off x="6378316" y="2216728"/>
+            <a:ext cx="2660954" cy="0"/>
+          </a:xfrm>
+          <a:prstGeom prst="line">
+            <a:avLst/>
+          </a:prstGeom>
+          <a:ln w="25400">
+            <a:solidFill>
+              <a:schemeClr val="tx1"/>
+            </a:solidFill>
+          </a:ln>
+        </p:spPr>
+        <p:style>
+          <a:lnRef idx="1">
+            <a:schemeClr val="accent1"/>
+          </a:lnRef>
+          <a:fillRef idx="0">
+            <a:schemeClr val="accent1"/>
+          </a:fillRef>
+          <a:effectRef idx="0">
+            <a:schemeClr val="accent1"/>
+          </a:effectRef>
+          <a:fontRef idx="minor">
+            <a:schemeClr val="tx1"/>
+          </a:fontRef>
+        </p:style>
+      </p:cxnSp>
+      <p:cxnSp>
+        <p:nvCxnSpPr>
+          <p:cNvPr id="27" name="直線コネクタ 26">
+            <a:extLst>
+              <a:ext uri="{FF2B5EF4-FFF2-40B4-BE49-F238E27FC236}">
+                <a16:creationId xmlns:a16="http://schemas.microsoft.com/office/drawing/2014/main" id="{FEA64BF5-B3C1-244D-A38F-461D1124FA48}"/>
+              </a:ext>
+            </a:extLst>
+          </p:cNvPr>
+          <p:cNvCxnSpPr>
+            <a:cxnSpLocks/>
+          </p:cNvCxnSpPr>
+          <p:nvPr/>
+        </p:nvCxnSpPr>
+        <p:spPr>
+          <a:xfrm>
+            <a:off x="945573" y="3543300"/>
+            <a:ext cx="8093697" cy="0"/>
+          </a:xfrm>
+          <a:prstGeom prst="line">
+            <a:avLst/>
+          </a:prstGeom>
+          <a:ln>
+            <a:solidFill>
+              <a:schemeClr val="tx1"/>
+            </a:solidFill>
+            <a:prstDash val="dashDot"/>
+          </a:ln>
+        </p:spPr>
+        <p:style>
+          <a:lnRef idx="1">
+            <a:schemeClr val="accent1"/>
+          </a:lnRef>
+          <a:fillRef idx="0">
+            <a:schemeClr val="accent1"/>
+          </a:fillRef>
+          <a:effectRef idx="0">
+            <a:schemeClr val="accent1"/>
+          </a:effectRef>
+          <a:fontRef idx="minor">
+            <a:schemeClr val="tx1"/>
+          </a:fontRef>
+        </p:style>
+      </p:cxnSp>
+      <p:cxnSp>
+        <p:nvCxnSpPr>
+          <p:cNvPr id="34" name="直線コネクタ 33">
+            <a:extLst>
+              <a:ext uri="{FF2B5EF4-FFF2-40B4-BE49-F238E27FC236}">
+                <a16:creationId xmlns:a16="http://schemas.microsoft.com/office/drawing/2014/main" id="{A3894FC3-CDE6-9946-BEC6-C6E277F02AD2}"/>
+              </a:ext>
+            </a:extLst>
+          </p:cNvPr>
+          <p:cNvCxnSpPr>
+            <a:cxnSpLocks/>
+          </p:cNvCxnSpPr>
+          <p:nvPr/>
+        </p:nvCxnSpPr>
+        <p:spPr>
+          <a:xfrm flipV="1">
+            <a:off x="4922693" y="0"/>
+            <a:ext cx="0" cy="6712528"/>
+          </a:xfrm>
+          <a:prstGeom prst="line">
+            <a:avLst/>
+          </a:prstGeom>
+          <a:ln>
+            <a:solidFill>
+              <a:schemeClr val="tx1"/>
+            </a:solidFill>
+            <a:prstDash val="dashDot"/>
+          </a:ln>
+        </p:spPr>
+        <p:style>
+          <a:lnRef idx="1">
+            <a:schemeClr val="accent1"/>
+          </a:lnRef>
+          <a:fillRef idx="0">
+            <a:schemeClr val="accent1"/>
+          </a:fillRef>
+          <a:effectRef idx="0">
+            <a:schemeClr val="accent1"/>
+          </a:effectRef>
+          <a:fontRef idx="minor">
+            <a:schemeClr val="tx1"/>
+          </a:fontRef>
+        </p:style>
+      </p:cxnSp>
+      <p:sp>
+        <p:nvSpPr>
+          <p:cNvPr id="25" name="円/楕円 24">
+            <a:extLst>
+              <a:ext uri="{FF2B5EF4-FFF2-40B4-BE49-F238E27FC236}">
+                <a16:creationId xmlns:a16="http://schemas.microsoft.com/office/drawing/2014/main" id="{81099B5A-C045-8541-B6B7-F78E8489E22C}"/>
+              </a:ext>
+            </a:extLst>
+          </p:cNvPr>
+          <p:cNvSpPr/>
+          <p:nvPr/>
+        </p:nvSpPr>
+        <p:spPr>
+          <a:xfrm>
+            <a:off x="4428599" y="3065318"/>
+            <a:ext cx="988188" cy="955964"/>
+          </a:xfrm>
+          <a:prstGeom prst="ellipse">
+            <a:avLst/>
+          </a:prstGeom>
+          <a:solidFill>
+            <a:schemeClr val="bg1"/>
+          </a:solidFill>
+        </p:spPr>
+        <p:style>
+          <a:lnRef idx="2">
+            <a:schemeClr val="dk1"/>
+          </a:lnRef>
+          <a:fillRef idx="1">
+            <a:schemeClr val="lt1"/>
+          </a:fillRef>
+          <a:effectRef idx="0">
+            <a:schemeClr val="dk1"/>
+          </a:effectRef>
+          <a:fontRef idx="minor">
+            <a:schemeClr val="dk1"/>
+          </a:fontRef>
+        </p:style>
+        <p:txBody>
+          <a:bodyPr rtlCol="0" anchor="ctr"/>
+          <a:lstStyle/>
+          <a:p>
+            <a:pPr algn="ctr"/>
+            <a:r>
+              <a:rPr lang="en-US" altLang="ja-JP" dirty="0"/>
+              <a:t>cross</a:t>
+            </a:r>
+            <a:endParaRPr kumimoji="1" lang="ja-JP" altLang="en-US"/>
+          </a:p>
+        </p:txBody>
+      </p:sp>
+      <p:sp>
+        <p:nvSpPr>
+          <p:cNvPr id="21" name="円/楕円 20">
+            <a:extLst>
+              <a:ext uri="{FF2B5EF4-FFF2-40B4-BE49-F238E27FC236}">
+                <a16:creationId xmlns:a16="http://schemas.microsoft.com/office/drawing/2014/main" id="{00944632-77FB-F74D-A36A-BAED24314517}"/>
+              </a:ext>
+            </a:extLst>
+          </p:cNvPr>
+          <p:cNvSpPr/>
+          <p:nvPr/>
+        </p:nvSpPr>
+        <p:spPr>
+          <a:xfrm>
+            <a:off x="3573960" y="2287212"/>
+            <a:ext cx="854639" cy="778105"/>
+          </a:xfrm>
+          <a:prstGeom prst="ellipse">
+            <a:avLst/>
+          </a:prstGeom>
+          <a:solidFill>
+            <a:schemeClr val="bg1"/>
+          </a:solidFill>
+        </p:spPr>
+        <p:style>
+          <a:lnRef idx="2">
+            <a:schemeClr val="dk1"/>
+          </a:lnRef>
+          <a:fillRef idx="1">
+            <a:schemeClr val="lt1"/>
+          </a:fillRef>
+          <a:effectRef idx="0">
+            <a:schemeClr val="dk1"/>
+          </a:effectRef>
+          <a:fontRef idx="minor">
+            <a:schemeClr val="dk1"/>
+          </a:fontRef>
+        </p:style>
+        <p:txBody>
+          <a:bodyPr rtlCol="0" anchor="ctr"/>
+          <a:lstStyle/>
+          <a:p>
+            <a:pPr algn="ctr"/>
+            <a:r>
+              <a:rPr kumimoji="1" lang="en-US" altLang="ja-JP" sz="1400" dirty="0"/>
+              <a:t>lock1</a:t>
+            </a:r>
+            <a:endParaRPr kumimoji="1" lang="ja-JP" altLang="en-US" sz="1400"/>
+          </a:p>
+        </p:txBody>
+      </p:sp>
+      <p:sp>
+        <p:nvSpPr>
+          <p:cNvPr id="18" name="円/楕円 17">
+            <a:extLst>
+              <a:ext uri="{FF2B5EF4-FFF2-40B4-BE49-F238E27FC236}">
+                <a16:creationId xmlns:a16="http://schemas.microsoft.com/office/drawing/2014/main" id="{4841F6E7-6A45-754D-8911-57AA62D4F0D6}"/>
+              </a:ext>
+            </a:extLst>
+          </p:cNvPr>
+          <p:cNvSpPr/>
+          <p:nvPr/>
+        </p:nvSpPr>
+        <p:spPr>
+          <a:xfrm>
+            <a:off x="5412370" y="2287212"/>
+            <a:ext cx="854639" cy="778105"/>
+          </a:xfrm>
+          <a:prstGeom prst="ellipse">
+            <a:avLst/>
+          </a:prstGeom>
+          <a:solidFill>
+            <a:schemeClr val="bg1"/>
+          </a:solidFill>
+        </p:spPr>
+        <p:style>
+          <a:lnRef idx="2">
+            <a:schemeClr val="dk1"/>
+          </a:lnRef>
+          <a:fillRef idx="1">
+            <a:schemeClr val="lt1"/>
+          </a:fillRef>
+          <a:effectRef idx="0">
+            <a:schemeClr val="dk1"/>
+          </a:effectRef>
+          <a:fontRef idx="minor">
+            <a:schemeClr val="dk1"/>
+          </a:fontRef>
+        </p:style>
+        <p:txBody>
+          <a:bodyPr rtlCol="0" anchor="ctr"/>
+          <a:lstStyle/>
+          <a:p>
+            <a:pPr algn="ctr"/>
+            <a:r>
+              <a:rPr kumimoji="1" lang="en-US" altLang="ja-JP" sz="1400" dirty="0"/>
+              <a:t>lock2</a:t>
+            </a:r>
+            <a:endParaRPr kumimoji="1" lang="ja-JP" altLang="en-US" sz="1400"/>
+          </a:p>
+        </p:txBody>
+      </p:sp>
+      <p:sp>
+        <p:nvSpPr>
+          <p:cNvPr id="19" name="円/楕円 18">
+            <a:extLst>
+              <a:ext uri="{FF2B5EF4-FFF2-40B4-BE49-F238E27FC236}">
+                <a16:creationId xmlns:a16="http://schemas.microsoft.com/office/drawing/2014/main" id="{48C08920-9A95-274B-93D2-B3CF0CB12D01}"/>
+              </a:ext>
+            </a:extLst>
+          </p:cNvPr>
+          <p:cNvSpPr/>
+          <p:nvPr/>
+        </p:nvSpPr>
+        <p:spPr>
+          <a:xfrm>
+            <a:off x="3573960" y="4028896"/>
+            <a:ext cx="854639" cy="778105"/>
+          </a:xfrm>
+          <a:prstGeom prst="ellipse">
+            <a:avLst/>
+          </a:prstGeom>
+          <a:solidFill>
+            <a:schemeClr val="bg1"/>
+          </a:solidFill>
+        </p:spPr>
+        <p:style>
+          <a:lnRef idx="2">
+            <a:schemeClr val="dk1"/>
+          </a:lnRef>
+          <a:fillRef idx="1">
+            <a:schemeClr val="lt1"/>
+          </a:fillRef>
+          <a:effectRef idx="0">
+            <a:schemeClr val="dk1"/>
+          </a:effectRef>
+          <a:fontRef idx="minor">
+            <a:schemeClr val="dk1"/>
+          </a:fontRef>
+        </p:style>
+        <p:txBody>
+          <a:bodyPr rtlCol="0" anchor="ctr"/>
+          <a:lstStyle/>
+          <a:p>
+            <a:pPr algn="ctr"/>
+            <a:r>
+              <a:rPr kumimoji="1" lang="en-US" altLang="ja-JP" sz="1400" dirty="0"/>
+              <a:t>lock3</a:t>
+            </a:r>
+            <a:endParaRPr kumimoji="1" lang="ja-JP" altLang="en-US" sz="1400"/>
+          </a:p>
+        </p:txBody>
+      </p:sp>
+      <p:sp>
+        <p:nvSpPr>
+          <p:cNvPr id="20" name="円/楕円 19">
+            <a:extLst>
+              <a:ext uri="{FF2B5EF4-FFF2-40B4-BE49-F238E27FC236}">
+                <a16:creationId xmlns:a16="http://schemas.microsoft.com/office/drawing/2014/main" id="{12B1DD6A-49C7-6645-BCDB-48494073C224}"/>
+              </a:ext>
+            </a:extLst>
+          </p:cNvPr>
+          <p:cNvSpPr/>
+          <p:nvPr/>
+        </p:nvSpPr>
+        <p:spPr>
+          <a:xfrm>
+            <a:off x="5412370" y="4028896"/>
+            <a:ext cx="854639" cy="778105"/>
+          </a:xfrm>
+          <a:prstGeom prst="ellipse">
+            <a:avLst/>
+          </a:prstGeom>
+          <a:solidFill>
+            <a:schemeClr val="bg1"/>
+          </a:solidFill>
+        </p:spPr>
+        <p:style>
+          <a:lnRef idx="2">
+            <a:schemeClr val="dk1"/>
+          </a:lnRef>
+          <a:fillRef idx="1">
+            <a:schemeClr val="lt1"/>
+          </a:fillRef>
+          <a:effectRef idx="0">
+            <a:schemeClr val="dk1"/>
+          </a:effectRef>
+          <a:fontRef idx="minor">
+            <a:schemeClr val="dk1"/>
+          </a:fontRef>
+        </p:style>
+        <p:txBody>
+          <a:bodyPr rtlCol="0" anchor="ctr"/>
+          <a:lstStyle/>
+          <a:p>
+            <a:pPr algn="ctr"/>
+            <a:r>
+              <a:rPr kumimoji="1" lang="en-US" altLang="ja-JP" sz="1400" dirty="0"/>
+              <a:t>lock4</a:t>
+            </a:r>
+            <a:endParaRPr kumimoji="1" lang="ja-JP" altLang="en-US" sz="1400"/>
+          </a:p>
+        </p:txBody>
+      </p:sp>
+    </p:spTree>
+    <p:extLst>
+      <p:ext uri="{BB962C8B-B14F-4D97-AF65-F5344CB8AC3E}">
+        <p14:creationId xmlns:p14="http://schemas.microsoft.com/office/powerpoint/2010/main" val="4226316196"/>
+      </p:ext>
+    </p:extLst>
+  </p:cSld>
+  <p:clrMapOvr>
+    <a:masterClrMapping/>
+  </p:clrMapOvr>
+</p:sld>
+</file>
+
+<file path=ppt/slides/slide5.xml><?xml version="1.0" encoding="utf-8"?>
+<p:sld xmlns:a="http://schemas.openxmlformats.org/drawingml/2006/main" xmlns:r="http://schemas.openxmlformats.org/officeDocument/2006/relationships" xmlns:p="http://schemas.openxmlformats.org/presentationml/2006/main">
+  <p:cSld>
+    <p:spTree>
+      <p:nvGrpSpPr>
+        <p:cNvPr id="1" name=""/>
+        <p:cNvGrpSpPr/>
+        <p:nvPr/>
+      </p:nvGrpSpPr>
+      <p:grpSpPr>
+        <a:xfrm>
+          <a:off x="0" y="0"/>
+          <a:ext cx="0" cy="0"/>
+          <a:chOff x="0" y="0"/>
+          <a:chExt cx="0" cy="0"/>
+        </a:xfrm>
+      </p:grpSpPr>
+      <p:cxnSp>
+        <p:nvCxnSpPr>
+          <p:cNvPr id="5" name="直線コネクタ 4">
+            <a:extLst>
+              <a:ext uri="{FF2B5EF4-FFF2-40B4-BE49-F238E27FC236}">
+                <a16:creationId xmlns:a16="http://schemas.microsoft.com/office/drawing/2014/main" id="{040BE4F2-CEBC-A646-B9FB-305ED1A67369}"/>
+              </a:ext>
+            </a:extLst>
+          </p:cNvPr>
+          <p:cNvCxnSpPr>
+            <a:cxnSpLocks/>
+          </p:cNvCxnSpPr>
+          <p:nvPr/>
+        </p:nvCxnSpPr>
+        <p:spPr>
+          <a:xfrm>
+            <a:off x="3499153" y="0"/>
+            <a:ext cx="0" cy="2216728"/>
+          </a:xfrm>
+          <a:prstGeom prst="line">
+            <a:avLst/>
+          </a:prstGeom>
+          <a:ln w="25400">
+            <a:solidFill>
+              <a:schemeClr val="tx1"/>
+            </a:solidFill>
+          </a:ln>
+        </p:spPr>
+        <p:style>
+          <a:lnRef idx="1">
+            <a:schemeClr val="accent1"/>
+          </a:lnRef>
+          <a:fillRef idx="0">
+            <a:schemeClr val="accent1"/>
+          </a:fillRef>
+          <a:effectRef idx="0">
+            <a:schemeClr val="accent1"/>
+          </a:effectRef>
+          <a:fontRef idx="minor">
+            <a:schemeClr val="tx1"/>
+          </a:fontRef>
+        </p:style>
+      </p:cxnSp>
+      <p:cxnSp>
+        <p:nvCxnSpPr>
+          <p:cNvPr id="7" name="直線コネクタ 6">
+            <a:extLst>
+              <a:ext uri="{FF2B5EF4-FFF2-40B4-BE49-F238E27FC236}">
+                <a16:creationId xmlns:a16="http://schemas.microsoft.com/office/drawing/2014/main" id="{56929E8D-688F-D641-A5A6-703D9CED5C28}"/>
+              </a:ext>
+            </a:extLst>
+          </p:cNvPr>
+          <p:cNvCxnSpPr>
+            <a:cxnSpLocks/>
+          </p:cNvCxnSpPr>
+          <p:nvPr/>
+        </p:nvCxnSpPr>
+        <p:spPr>
+          <a:xfrm>
+            <a:off x="3499153" y="4675910"/>
+            <a:ext cx="0" cy="2182090"/>
+          </a:xfrm>
+          <a:prstGeom prst="line">
+            <a:avLst/>
+          </a:prstGeom>
+          <a:ln w="25400">
+            <a:solidFill>
+              <a:schemeClr val="tx1"/>
+            </a:solidFill>
+          </a:ln>
+        </p:spPr>
+        <p:style>
+          <a:lnRef idx="1">
+            <a:schemeClr val="accent1"/>
+          </a:lnRef>
+          <a:fillRef idx="0">
+            <a:schemeClr val="accent1"/>
+          </a:fillRef>
+          <a:effectRef idx="0">
+            <a:schemeClr val="accent1"/>
+          </a:effectRef>
+          <a:fontRef idx="minor">
+            <a:schemeClr val="tx1"/>
+          </a:fontRef>
+        </p:style>
+      </p:cxnSp>
+      <p:cxnSp>
+        <p:nvCxnSpPr>
+          <p:cNvPr id="8" name="直線コネクタ 7">
+            <a:extLst>
+              <a:ext uri="{FF2B5EF4-FFF2-40B4-BE49-F238E27FC236}">
+                <a16:creationId xmlns:a16="http://schemas.microsoft.com/office/drawing/2014/main" id="{B455C9EF-877D-2747-8388-A0D7B563AEFA}"/>
+              </a:ext>
+            </a:extLst>
+          </p:cNvPr>
+          <p:cNvCxnSpPr>
+            <a:cxnSpLocks/>
+          </p:cNvCxnSpPr>
+          <p:nvPr/>
+        </p:nvCxnSpPr>
+        <p:spPr>
+          <a:xfrm>
+            <a:off x="6377388" y="4675910"/>
+            <a:ext cx="0" cy="2182090"/>
+          </a:xfrm>
+          <a:prstGeom prst="line">
+            <a:avLst/>
+          </a:prstGeom>
+          <a:ln w="25400">
+            <a:solidFill>
+              <a:schemeClr val="tx1"/>
+            </a:solidFill>
+          </a:ln>
+        </p:spPr>
+        <p:style>
+          <a:lnRef idx="1">
+            <a:schemeClr val="accent1"/>
+          </a:lnRef>
+          <a:fillRef idx="0">
+            <a:schemeClr val="accent1"/>
+          </a:fillRef>
+          <a:effectRef idx="0">
+            <a:schemeClr val="accent1"/>
+          </a:effectRef>
+          <a:fontRef idx="minor">
+            <a:schemeClr val="tx1"/>
+          </a:fontRef>
+        </p:style>
+      </p:cxnSp>
+      <p:cxnSp>
+        <p:nvCxnSpPr>
+          <p:cNvPr id="9" name="直線コネクタ 8">
+            <a:extLst>
+              <a:ext uri="{FF2B5EF4-FFF2-40B4-BE49-F238E27FC236}">
+                <a16:creationId xmlns:a16="http://schemas.microsoft.com/office/drawing/2014/main" id="{B244B9F0-4E07-1A4A-9557-673080DF2066}"/>
+              </a:ext>
+            </a:extLst>
+          </p:cNvPr>
+          <p:cNvCxnSpPr>
+            <a:cxnSpLocks/>
+          </p:cNvCxnSpPr>
+          <p:nvPr/>
+        </p:nvCxnSpPr>
+        <p:spPr>
+          <a:xfrm>
+            <a:off x="6378316" y="0"/>
+            <a:ext cx="0" cy="2216728"/>
+          </a:xfrm>
+          <a:prstGeom prst="line">
+            <a:avLst/>
+          </a:prstGeom>
+          <a:ln w="25400">
+            <a:solidFill>
+              <a:schemeClr val="tx1"/>
+            </a:solidFill>
+          </a:ln>
+        </p:spPr>
+        <p:style>
+          <a:lnRef idx="1">
+            <a:schemeClr val="accent1"/>
+          </a:lnRef>
+          <a:fillRef idx="0">
+            <a:schemeClr val="accent1"/>
+          </a:fillRef>
+          <a:effectRef idx="0">
+            <a:schemeClr val="accent1"/>
+          </a:effectRef>
+          <a:fontRef idx="minor">
+            <a:schemeClr val="tx1"/>
+          </a:fontRef>
+        </p:style>
+      </p:cxnSp>
+      <p:cxnSp>
+        <p:nvCxnSpPr>
+          <p:cNvPr id="11" name="直線コネクタ 10">
+            <a:extLst>
+              <a:ext uri="{FF2B5EF4-FFF2-40B4-BE49-F238E27FC236}">
+                <a16:creationId xmlns:a16="http://schemas.microsoft.com/office/drawing/2014/main" id="{26A22795-337F-E744-BF80-1DCFC6F06CF9}"/>
+              </a:ext>
+            </a:extLst>
+          </p:cNvPr>
+          <p:cNvCxnSpPr>
+            <a:cxnSpLocks/>
+          </p:cNvCxnSpPr>
+          <p:nvPr/>
+        </p:nvCxnSpPr>
+        <p:spPr>
+          <a:xfrm flipH="1">
+            <a:off x="838199" y="2216728"/>
+            <a:ext cx="2660954" cy="0"/>
+          </a:xfrm>
+          <a:prstGeom prst="line">
+            <a:avLst/>
+          </a:prstGeom>
+          <a:ln w="25400">
+            <a:solidFill>
+              <a:schemeClr val="tx1"/>
+            </a:solidFill>
+          </a:ln>
+        </p:spPr>
+        <p:style>
+          <a:lnRef idx="1">
+            <a:schemeClr val="accent1"/>
+          </a:lnRef>
+          <a:fillRef idx="0">
+            <a:schemeClr val="accent1"/>
+          </a:fillRef>
+          <a:effectRef idx="0">
+            <a:schemeClr val="accent1"/>
+          </a:effectRef>
+          <a:fontRef idx="minor">
+            <a:schemeClr val="tx1"/>
+          </a:fontRef>
+        </p:style>
+      </p:cxnSp>
+      <p:cxnSp>
+        <p:nvCxnSpPr>
+          <p:cNvPr id="15" name="直線コネクタ 14">
+            <a:extLst>
+              <a:ext uri="{FF2B5EF4-FFF2-40B4-BE49-F238E27FC236}">
+                <a16:creationId xmlns:a16="http://schemas.microsoft.com/office/drawing/2014/main" id="{0C8B3AC5-323C-5D4D-8F6E-5D526EE5CD9A}"/>
+              </a:ext>
+            </a:extLst>
+          </p:cNvPr>
+          <p:cNvCxnSpPr>
+            <a:cxnSpLocks/>
+          </p:cNvCxnSpPr>
+          <p:nvPr/>
+        </p:nvCxnSpPr>
+        <p:spPr>
+          <a:xfrm flipH="1">
+            <a:off x="838199" y="4675910"/>
+            <a:ext cx="2660954" cy="0"/>
+          </a:xfrm>
+          <a:prstGeom prst="line">
+            <a:avLst/>
+          </a:prstGeom>
+          <a:ln w="25400">
+            <a:solidFill>
+              <a:schemeClr val="tx1"/>
+            </a:solidFill>
+          </a:ln>
+        </p:spPr>
+        <p:style>
+          <a:lnRef idx="1">
+            <a:schemeClr val="accent1"/>
+          </a:lnRef>
+          <a:fillRef idx="0">
+            <a:schemeClr val="accent1"/>
+          </a:fillRef>
+          <a:effectRef idx="0">
+            <a:schemeClr val="accent1"/>
+          </a:effectRef>
+          <a:fontRef idx="minor">
+            <a:schemeClr val="tx1"/>
+          </a:fontRef>
+        </p:style>
+      </p:cxnSp>
+      <p:cxnSp>
+        <p:nvCxnSpPr>
+          <p:cNvPr id="16" name="直線コネクタ 15">
+            <a:extLst>
+              <a:ext uri="{FF2B5EF4-FFF2-40B4-BE49-F238E27FC236}">
+                <a16:creationId xmlns:a16="http://schemas.microsoft.com/office/drawing/2014/main" id="{E5F9B5E9-7FBF-474F-A26D-856B8900CD16}"/>
+              </a:ext>
+            </a:extLst>
+          </p:cNvPr>
+          <p:cNvCxnSpPr>
+            <a:cxnSpLocks/>
+          </p:cNvCxnSpPr>
+          <p:nvPr/>
+        </p:nvCxnSpPr>
+        <p:spPr>
+          <a:xfrm flipH="1">
+            <a:off x="6377388" y="4675910"/>
+            <a:ext cx="2697399" cy="0"/>
+          </a:xfrm>
+          <a:prstGeom prst="line">
+            <a:avLst/>
+          </a:prstGeom>
+          <a:ln w="25400">
+            <a:solidFill>
+              <a:schemeClr val="tx1"/>
+            </a:solidFill>
+          </a:ln>
+        </p:spPr>
+        <p:style>
+          <a:lnRef idx="1">
+            <a:schemeClr val="accent1"/>
+          </a:lnRef>
+          <a:fillRef idx="0">
+            <a:schemeClr val="accent1"/>
+          </a:fillRef>
+          <a:effectRef idx="0">
+            <a:schemeClr val="accent1"/>
+          </a:effectRef>
+          <a:fontRef idx="minor">
+            <a:schemeClr val="tx1"/>
+          </a:fontRef>
+        </p:style>
+      </p:cxnSp>
+      <p:cxnSp>
+        <p:nvCxnSpPr>
+          <p:cNvPr id="17" name="直線コネクタ 16">
+            <a:extLst>
+              <a:ext uri="{FF2B5EF4-FFF2-40B4-BE49-F238E27FC236}">
+                <a16:creationId xmlns:a16="http://schemas.microsoft.com/office/drawing/2014/main" id="{FA4D760E-E77E-AA4E-B624-F82C306B1C6C}"/>
+              </a:ext>
+            </a:extLst>
+          </p:cNvPr>
+          <p:cNvCxnSpPr>
+            <a:cxnSpLocks/>
+          </p:cNvCxnSpPr>
+          <p:nvPr/>
+        </p:nvCxnSpPr>
+        <p:spPr>
+          <a:xfrm flipH="1">
+            <a:off x="6378316" y="2216728"/>
+            <a:ext cx="2660954" cy="0"/>
+          </a:xfrm>
+          <a:prstGeom prst="line">
+            <a:avLst/>
+          </a:prstGeom>
+          <a:ln w="25400">
+            <a:solidFill>
+              <a:schemeClr val="tx1"/>
+            </a:solidFill>
+          </a:ln>
+        </p:spPr>
+        <p:style>
+          <a:lnRef idx="1">
+            <a:schemeClr val="accent1"/>
+          </a:lnRef>
+          <a:fillRef idx="0">
+            <a:schemeClr val="accent1"/>
+          </a:fillRef>
+          <a:effectRef idx="0">
+            <a:schemeClr val="accent1"/>
+          </a:effectRef>
+          <a:fontRef idx="minor">
+            <a:schemeClr val="tx1"/>
+          </a:fontRef>
+        </p:style>
+      </p:cxnSp>
+      <p:sp>
+        <p:nvSpPr>
+          <p:cNvPr id="2" name="正方形/長方形 1">
+            <a:extLst>
+              <a:ext uri="{FF2B5EF4-FFF2-40B4-BE49-F238E27FC236}">
+                <a16:creationId xmlns:a16="http://schemas.microsoft.com/office/drawing/2014/main" id="{DD480737-CDE2-A848-A0D0-A25CB4F1756C}"/>
+              </a:ext>
+            </a:extLst>
+          </p:cNvPr>
+          <p:cNvSpPr/>
+          <p:nvPr/>
+        </p:nvSpPr>
+        <p:spPr>
+          <a:xfrm>
+            <a:off x="3499154" y="1"/>
+            <a:ext cx="2862656" cy="2011868"/>
+          </a:xfrm>
+          <a:prstGeom prst="rect">
+            <a:avLst/>
+          </a:prstGeom>
+          <a:solidFill>
+            <a:schemeClr val="bg2">
+              <a:lumMod val="90000"/>
+            </a:schemeClr>
+          </a:solidFill>
+          <a:ln>
+            <a:solidFill>
+              <a:schemeClr val="tx1">
+                <a:lumMod val="50000"/>
+                <a:lumOff val="50000"/>
+              </a:schemeClr>
+            </a:solidFill>
+          </a:ln>
+        </p:spPr>
+        <p:style>
+          <a:lnRef idx="2">
+            <a:schemeClr val="accent1">
+              <a:shade val="50000"/>
+            </a:schemeClr>
+          </a:lnRef>
+          <a:fillRef idx="1">
+            <a:schemeClr val="accent1"/>
+          </a:fillRef>
+          <a:effectRef idx="0">
+            <a:schemeClr val="accent1"/>
+          </a:effectRef>
+          <a:fontRef idx="minor">
+            <a:schemeClr val="lt1"/>
+          </a:fontRef>
+        </p:style>
+        <p:txBody>
+          <a:bodyPr rtlCol="0" anchor="ctr"/>
+          <a:lstStyle/>
+          <a:p>
+            <a:pPr algn="ctr"/>
+            <a:endParaRPr kumimoji="1" lang="ja-JP" altLang="en-US"/>
+          </a:p>
+        </p:txBody>
+      </p:sp>
+      <p:sp>
+        <p:nvSpPr>
+          <p:cNvPr id="25" name="円/楕円 24">
+            <a:extLst>
+              <a:ext uri="{FF2B5EF4-FFF2-40B4-BE49-F238E27FC236}">
+                <a16:creationId xmlns:a16="http://schemas.microsoft.com/office/drawing/2014/main" id="{81099B5A-C045-8541-B6B7-F78E8489E22C}"/>
+              </a:ext>
+            </a:extLst>
+          </p:cNvPr>
+          <p:cNvSpPr/>
+          <p:nvPr/>
+        </p:nvSpPr>
+        <p:spPr>
+          <a:xfrm>
+            <a:off x="3393328" y="2063807"/>
+            <a:ext cx="3058729" cy="2958986"/>
+          </a:xfrm>
+          <a:prstGeom prst="ellipse">
+            <a:avLst/>
+          </a:prstGeom>
+          <a:solidFill>
+            <a:schemeClr val="bg1"/>
+          </a:solidFill>
+        </p:spPr>
+        <p:style>
+          <a:lnRef idx="2">
+            <a:schemeClr val="dk1"/>
+          </a:lnRef>
+          <a:fillRef idx="1">
+            <a:schemeClr val="lt1"/>
+          </a:fillRef>
+          <a:effectRef idx="0">
+            <a:schemeClr val="dk1"/>
+          </a:effectRef>
+          <a:fontRef idx="minor">
+            <a:schemeClr val="dk1"/>
+          </a:fontRef>
+        </p:style>
+        <p:txBody>
+          <a:bodyPr rtlCol="0" anchor="ctr"/>
+          <a:lstStyle/>
+          <a:p>
+            <a:pPr algn="ctr"/>
+            <a:r>
+              <a:rPr lang="en-US" altLang="ja-JP" dirty="0"/>
+              <a:t>passing</a:t>
+            </a:r>
+            <a:endParaRPr kumimoji="1" lang="ja-JP" altLang="en-US"/>
+          </a:p>
+        </p:txBody>
+      </p:sp>
+      <p:cxnSp>
+        <p:nvCxnSpPr>
+          <p:cNvPr id="27" name="直線コネクタ 26">
+            <a:extLst>
+              <a:ext uri="{FF2B5EF4-FFF2-40B4-BE49-F238E27FC236}">
+                <a16:creationId xmlns:a16="http://schemas.microsoft.com/office/drawing/2014/main" id="{FEA64BF5-B3C1-244D-A38F-461D1124FA48}"/>
+              </a:ext>
+            </a:extLst>
+          </p:cNvPr>
+          <p:cNvCxnSpPr>
+            <a:cxnSpLocks/>
+          </p:cNvCxnSpPr>
+          <p:nvPr/>
+        </p:nvCxnSpPr>
+        <p:spPr>
+          <a:xfrm>
+            <a:off x="945573" y="3543300"/>
+            <a:ext cx="8093697" cy="0"/>
+          </a:xfrm>
+          <a:prstGeom prst="line">
+            <a:avLst/>
+          </a:prstGeom>
+          <a:ln>
+            <a:solidFill>
+              <a:schemeClr val="tx1"/>
+            </a:solidFill>
+            <a:prstDash val="dashDot"/>
+          </a:ln>
+        </p:spPr>
+        <p:style>
+          <a:lnRef idx="1">
+            <a:schemeClr val="accent1"/>
+          </a:lnRef>
+          <a:fillRef idx="0">
+            <a:schemeClr val="accent1"/>
+          </a:fillRef>
+          <a:effectRef idx="0">
+            <a:schemeClr val="accent1"/>
+          </a:effectRef>
+          <a:fontRef idx="minor">
+            <a:schemeClr val="tx1"/>
+          </a:fontRef>
+        </p:style>
+      </p:cxnSp>
+      <p:cxnSp>
+        <p:nvCxnSpPr>
+          <p:cNvPr id="34" name="直線コネクタ 33">
+            <a:extLst>
+              <a:ext uri="{FF2B5EF4-FFF2-40B4-BE49-F238E27FC236}">
+                <a16:creationId xmlns:a16="http://schemas.microsoft.com/office/drawing/2014/main" id="{A3894FC3-CDE6-9946-BEC6-C6E277F02AD2}"/>
+              </a:ext>
+            </a:extLst>
+          </p:cNvPr>
+          <p:cNvCxnSpPr>
+            <a:cxnSpLocks/>
+          </p:cNvCxnSpPr>
+          <p:nvPr/>
+        </p:nvCxnSpPr>
+        <p:spPr>
+          <a:xfrm flipV="1">
+            <a:off x="4922693" y="0"/>
+            <a:ext cx="0" cy="6712528"/>
+          </a:xfrm>
+          <a:prstGeom prst="line">
+            <a:avLst/>
+          </a:prstGeom>
+          <a:ln>
+            <a:solidFill>
+              <a:schemeClr val="tx1"/>
+            </a:solidFill>
+            <a:prstDash val="dashDot"/>
+          </a:ln>
+        </p:spPr>
+        <p:style>
+          <a:lnRef idx="1">
+            <a:schemeClr val="accent1"/>
+          </a:lnRef>
+          <a:fillRef idx="0">
+            <a:schemeClr val="accent1"/>
+          </a:fillRef>
+          <a:effectRef idx="0">
+            <a:schemeClr val="accent1"/>
+          </a:effectRef>
+          <a:fontRef idx="minor">
+            <a:schemeClr val="tx1"/>
+          </a:fontRef>
+        </p:style>
+      </p:cxnSp>
+      <p:sp>
+        <p:nvSpPr>
+          <p:cNvPr id="22" name="正方形/長方形 21">
+            <a:extLst>
+              <a:ext uri="{FF2B5EF4-FFF2-40B4-BE49-F238E27FC236}">
+                <a16:creationId xmlns:a16="http://schemas.microsoft.com/office/drawing/2014/main" id="{3800D9A0-657C-9D4C-9C57-2E34EDC4A848}"/>
+              </a:ext>
+            </a:extLst>
+          </p:cNvPr>
+          <p:cNvSpPr/>
+          <p:nvPr/>
+        </p:nvSpPr>
+        <p:spPr>
+          <a:xfrm rot="16200000">
+            <a:off x="859332" y="2195599"/>
+            <a:ext cx="2459180" cy="2501442"/>
+          </a:xfrm>
+          <a:prstGeom prst="rect">
+            <a:avLst/>
+          </a:prstGeom>
+          <a:solidFill>
+            <a:schemeClr val="bg2">
+              <a:lumMod val="90000"/>
+            </a:schemeClr>
+          </a:solidFill>
+          <a:ln>
+            <a:solidFill>
+              <a:schemeClr val="tx1">
+                <a:lumMod val="50000"/>
+                <a:lumOff val="50000"/>
+              </a:schemeClr>
+            </a:solidFill>
+          </a:ln>
+        </p:spPr>
+        <p:style>
+          <a:lnRef idx="2">
+            <a:schemeClr val="accent1">
+              <a:shade val="50000"/>
+            </a:schemeClr>
+          </a:lnRef>
+          <a:fillRef idx="1">
+            <a:schemeClr val="accent1"/>
+          </a:fillRef>
+          <a:effectRef idx="0">
+            <a:schemeClr val="accent1"/>
+          </a:effectRef>
+          <a:fontRef idx="minor">
+            <a:schemeClr val="lt1"/>
+          </a:fontRef>
+        </p:style>
+        <p:txBody>
+          <a:bodyPr rtlCol="0" anchor="ctr"/>
+          <a:lstStyle/>
+          <a:p>
+            <a:pPr algn="ctr"/>
+            <a:endParaRPr kumimoji="1" lang="ja-JP" altLang="en-US"/>
+          </a:p>
+        </p:txBody>
+      </p:sp>
+      <p:sp>
+        <p:nvSpPr>
+          <p:cNvPr id="23" name="正方形/長方形 22">
+            <a:extLst>
+              <a:ext uri="{FF2B5EF4-FFF2-40B4-BE49-F238E27FC236}">
+                <a16:creationId xmlns:a16="http://schemas.microsoft.com/office/drawing/2014/main" id="{E18C4ED3-C342-914C-80BE-364B57675CDD}"/>
+              </a:ext>
+            </a:extLst>
+          </p:cNvPr>
+          <p:cNvSpPr/>
+          <p:nvPr/>
+        </p:nvSpPr>
+        <p:spPr>
+          <a:xfrm rot="5400000">
+            <a:off x="6547275" y="2183918"/>
+            <a:ext cx="2459178" cy="2524812"/>
+          </a:xfrm>
+          <a:prstGeom prst="rect">
+            <a:avLst/>
+          </a:prstGeom>
+          <a:solidFill>
+            <a:schemeClr val="bg2">
+              <a:lumMod val="90000"/>
+            </a:schemeClr>
+          </a:solidFill>
+          <a:ln>
+            <a:solidFill>
+              <a:schemeClr val="tx1">
+                <a:lumMod val="50000"/>
+                <a:lumOff val="50000"/>
+              </a:schemeClr>
+            </a:solidFill>
+          </a:ln>
+        </p:spPr>
+        <p:style>
+          <a:lnRef idx="2">
+            <a:schemeClr val="accent1">
+              <a:shade val="50000"/>
+            </a:schemeClr>
+          </a:lnRef>
+          <a:fillRef idx="1">
+            <a:schemeClr val="accent1"/>
+          </a:fillRef>
+          <a:effectRef idx="0">
+            <a:schemeClr val="accent1"/>
+          </a:effectRef>
+          <a:fontRef idx="minor">
+            <a:schemeClr val="lt1"/>
+          </a:fontRef>
+        </p:style>
+        <p:txBody>
+          <a:bodyPr rtlCol="0" anchor="ctr"/>
+          <a:lstStyle/>
+          <a:p>
+            <a:pPr algn="ctr"/>
+            <a:endParaRPr kumimoji="1" lang="ja-JP" altLang="en-US"/>
+          </a:p>
+        </p:txBody>
+      </p:sp>
+      <p:sp>
+        <p:nvSpPr>
+          <p:cNvPr id="24" name="正方形/長方形 23">
+            <a:extLst>
+              <a:ext uri="{FF2B5EF4-FFF2-40B4-BE49-F238E27FC236}">
+                <a16:creationId xmlns:a16="http://schemas.microsoft.com/office/drawing/2014/main" id="{4D4DC238-0BC1-7141-8F22-DF4C4BBCC6A6}"/>
+              </a:ext>
+            </a:extLst>
+          </p:cNvPr>
+          <p:cNvSpPr/>
+          <p:nvPr/>
+        </p:nvSpPr>
+        <p:spPr>
+          <a:xfrm>
+            <a:off x="3499153" y="5044538"/>
+            <a:ext cx="2862656" cy="1813462"/>
+          </a:xfrm>
+          <a:prstGeom prst="rect">
+            <a:avLst/>
+          </a:prstGeom>
+          <a:solidFill>
+            <a:schemeClr val="bg2">
+              <a:lumMod val="90000"/>
+            </a:schemeClr>
+          </a:solidFill>
+          <a:ln>
+            <a:solidFill>
+              <a:schemeClr val="tx1">
+                <a:lumMod val="50000"/>
+                <a:lumOff val="50000"/>
+              </a:schemeClr>
+            </a:solidFill>
+          </a:ln>
+        </p:spPr>
+        <p:style>
+          <a:lnRef idx="2">
+            <a:schemeClr val="accent1">
+              <a:shade val="50000"/>
+            </a:schemeClr>
+          </a:lnRef>
+          <a:fillRef idx="1">
+            <a:schemeClr val="accent1"/>
+          </a:fillRef>
+          <a:effectRef idx="0">
+            <a:schemeClr val="accent1"/>
+          </a:effectRef>
+          <a:fontRef idx="minor">
+            <a:schemeClr val="lt1"/>
+          </a:fontRef>
+        </p:style>
+        <p:txBody>
+          <a:bodyPr rtlCol="0" anchor="ctr"/>
+          <a:lstStyle/>
+          <a:p>
+            <a:pPr algn="ctr"/>
+            <a:endParaRPr kumimoji="1" lang="ja-JP" altLang="en-US"/>
+          </a:p>
+        </p:txBody>
+      </p:sp>
+    </p:spTree>
+    <p:extLst>
+      <p:ext uri="{BB962C8B-B14F-4D97-AF65-F5344CB8AC3E}">
+        <p14:creationId xmlns:p14="http://schemas.microsoft.com/office/powerpoint/2010/main" val="1839975979"/>
+      </p:ext>
+    </p:extLst>
+  </p:cSld>
+  <p:clrMapOvr>
+    <a:masterClrMapping/>
+  </p:clrMapOvr>
+</p:sld>
+</file>
+
+<file path=ppt/slides/slide6.xml><?xml version="1.0" encoding="utf-8"?>
+<p:sld xmlns:a="http://schemas.openxmlformats.org/drawingml/2006/main" xmlns:r="http://schemas.openxmlformats.org/officeDocument/2006/relationships" xmlns:p="http://schemas.openxmlformats.org/presentationml/2006/main">
+  <p:cSld>
+    <p:spTree>
+      <p:nvGrpSpPr>
+        <p:cNvPr id="1" name=""/>
+        <p:cNvGrpSpPr/>
+        <p:nvPr/>
+      </p:nvGrpSpPr>
+      <p:grpSpPr>
+        <a:xfrm>
+          <a:off x="0" y="0"/>
+          <a:ext cx="0" cy="0"/>
+          <a:chOff x="0" y="0"/>
+          <a:chExt cx="0" cy="0"/>
+        </a:xfrm>
+      </p:grpSpPr>
+      <p:sp>
+        <p:nvSpPr>
+          <p:cNvPr id="2" name="正方形/長方形 1">
+            <a:extLst>
+              <a:ext uri="{FF2B5EF4-FFF2-40B4-BE49-F238E27FC236}">
+                <a16:creationId xmlns:a16="http://schemas.microsoft.com/office/drawing/2014/main" id="{09830766-26AC-4147-9FBA-92AE451C8852}"/>
+              </a:ext>
+            </a:extLst>
+          </p:cNvPr>
+          <p:cNvSpPr/>
+          <p:nvPr/>
+        </p:nvSpPr>
+        <p:spPr>
+          <a:xfrm>
+            <a:off x="3603812" y="1990163"/>
+            <a:ext cx="2151529" cy="2501150"/>
+          </a:xfrm>
+          <a:prstGeom prst="rect">
+            <a:avLst/>
+          </a:prstGeom>
+          <a:solidFill>
+            <a:schemeClr val="bg2">
+              <a:lumMod val="50000"/>
+            </a:schemeClr>
+          </a:solidFill>
+          <a:ln w="6350">
+            <a:solidFill>
+              <a:schemeClr val="tx1">
+                <a:lumMod val="50000"/>
+                <a:lumOff val="50000"/>
+              </a:schemeClr>
+            </a:solidFill>
+          </a:ln>
+        </p:spPr>
+        <p:style>
+          <a:lnRef idx="2">
+            <a:schemeClr val="accent1">
+              <a:shade val="50000"/>
+            </a:schemeClr>
+          </a:lnRef>
+          <a:fillRef idx="1">
+            <a:schemeClr val="accent1"/>
+          </a:fillRef>
+          <a:effectRef idx="0">
+            <a:schemeClr val="accent1"/>
+          </a:effectRef>
+          <a:fontRef idx="minor">
+            <a:schemeClr val="lt1"/>
+          </a:fontRef>
+        </p:style>
+        <p:txBody>
+          <a:bodyPr rtlCol="0" anchor="ctr"/>
+          <a:lstStyle/>
+          <a:p>
+            <a:pPr algn="ctr"/>
+            <a:r>
+              <a:rPr kumimoji="1" lang="en-US" altLang="ja-JP" dirty="0"/>
+              <a:t>passing</a:t>
+            </a:r>
+            <a:endParaRPr kumimoji="1" lang="ja-JP" altLang="en-US"/>
+          </a:p>
+        </p:txBody>
+      </p:sp>
+      <p:sp>
+        <p:nvSpPr>
+          <p:cNvPr id="15" name="正方形/長方形 14">
+            <a:extLst>
+              <a:ext uri="{FF2B5EF4-FFF2-40B4-BE49-F238E27FC236}">
+                <a16:creationId xmlns:a16="http://schemas.microsoft.com/office/drawing/2014/main" id="{7FDAAA22-B844-134C-8890-A5B79CDFEC49}"/>
+              </a:ext>
+            </a:extLst>
+          </p:cNvPr>
+          <p:cNvSpPr/>
+          <p:nvPr/>
+        </p:nvSpPr>
+        <p:spPr>
+          <a:xfrm>
+            <a:off x="3603811" y="-4"/>
+            <a:ext cx="2151529" cy="1990165"/>
+          </a:xfrm>
+          <a:prstGeom prst="rect">
+            <a:avLst/>
+          </a:prstGeom>
+          <a:solidFill>
+            <a:schemeClr val="bg2">
+              <a:lumMod val="75000"/>
+            </a:schemeClr>
+          </a:solidFill>
+          <a:ln w="6350">
+            <a:solidFill>
+              <a:schemeClr val="bg2">
+                <a:lumMod val="90000"/>
+              </a:schemeClr>
+            </a:solidFill>
+          </a:ln>
+        </p:spPr>
+        <p:style>
+          <a:lnRef idx="2">
+            <a:schemeClr val="accent1">
+              <a:shade val="50000"/>
+            </a:schemeClr>
+          </a:lnRef>
+          <a:fillRef idx="1">
+            <a:schemeClr val="accent1"/>
+          </a:fillRef>
+          <a:effectRef idx="0">
+            <a:schemeClr val="accent1"/>
+          </a:effectRef>
+          <a:fontRef idx="minor">
+            <a:schemeClr val="lt1"/>
+          </a:fontRef>
+        </p:style>
+        <p:txBody>
+          <a:bodyPr rtlCol="0" anchor="ctr"/>
+          <a:lstStyle/>
+          <a:p>
+            <a:pPr algn="ctr"/>
+            <a:r>
+              <a:rPr lang="en-US" altLang="ja-JP" dirty="0"/>
+              <a:t>before</a:t>
+            </a:r>
+          </a:p>
+        </p:txBody>
+      </p:sp>
+      <p:sp>
+        <p:nvSpPr>
+          <p:cNvPr id="16" name="正方形/長方形 15">
+            <a:extLst>
+              <a:ext uri="{FF2B5EF4-FFF2-40B4-BE49-F238E27FC236}">
+                <a16:creationId xmlns:a16="http://schemas.microsoft.com/office/drawing/2014/main" id="{6BF6CD6C-348E-A34B-9140-785D72F0A708}"/>
+              </a:ext>
+            </a:extLst>
+          </p:cNvPr>
+          <p:cNvSpPr/>
+          <p:nvPr/>
+        </p:nvSpPr>
+        <p:spPr>
+          <a:xfrm>
+            <a:off x="1452284" y="1990161"/>
+            <a:ext cx="2151529" cy="2501152"/>
+          </a:xfrm>
+          <a:prstGeom prst="rect">
+            <a:avLst/>
+          </a:prstGeom>
+          <a:solidFill>
+            <a:schemeClr val="bg2">
+              <a:lumMod val="75000"/>
+            </a:schemeClr>
+          </a:solidFill>
+          <a:ln w="6350">
+            <a:solidFill>
+              <a:schemeClr val="bg2">
+                <a:lumMod val="90000"/>
+              </a:schemeClr>
+            </a:solidFill>
+          </a:ln>
+        </p:spPr>
+        <p:style>
+          <a:lnRef idx="2">
+            <a:schemeClr val="accent1">
+              <a:shade val="50000"/>
+            </a:schemeClr>
+          </a:lnRef>
+          <a:fillRef idx="1">
+            <a:schemeClr val="accent1"/>
+          </a:fillRef>
+          <a:effectRef idx="0">
+            <a:schemeClr val="accent1"/>
+          </a:effectRef>
+          <a:fontRef idx="minor">
+            <a:schemeClr val="lt1"/>
+          </a:fontRef>
+        </p:style>
+        <p:txBody>
+          <a:bodyPr rtlCol="0" anchor="ctr"/>
+          <a:lstStyle/>
+          <a:p>
+            <a:pPr algn="ctr"/>
+            <a:r>
+              <a:rPr lang="en-US" altLang="ja-JP" dirty="0"/>
+              <a:t>before</a:t>
+            </a:r>
+          </a:p>
+        </p:txBody>
+      </p:sp>
+      <p:sp>
+        <p:nvSpPr>
+          <p:cNvPr id="17" name="正方形/長方形 16">
+            <a:extLst>
+              <a:ext uri="{FF2B5EF4-FFF2-40B4-BE49-F238E27FC236}">
+                <a16:creationId xmlns:a16="http://schemas.microsoft.com/office/drawing/2014/main" id="{108FC955-D6BD-D241-A15B-3B972BE05205}"/>
+              </a:ext>
+            </a:extLst>
+          </p:cNvPr>
+          <p:cNvSpPr/>
+          <p:nvPr/>
+        </p:nvSpPr>
+        <p:spPr>
+          <a:xfrm>
+            <a:off x="3603810" y="4491314"/>
+            <a:ext cx="2151529" cy="1990165"/>
+          </a:xfrm>
+          <a:prstGeom prst="rect">
+            <a:avLst/>
+          </a:prstGeom>
+          <a:solidFill>
+            <a:schemeClr val="bg2">
+              <a:lumMod val="75000"/>
+            </a:schemeClr>
+          </a:solidFill>
+          <a:ln w="6350">
+            <a:solidFill>
+              <a:schemeClr val="bg2">
+                <a:lumMod val="90000"/>
+              </a:schemeClr>
+            </a:solidFill>
+          </a:ln>
+        </p:spPr>
+        <p:style>
+          <a:lnRef idx="2">
+            <a:schemeClr val="accent1">
+              <a:shade val="50000"/>
+            </a:schemeClr>
+          </a:lnRef>
+          <a:fillRef idx="1">
+            <a:schemeClr val="accent1"/>
+          </a:fillRef>
+          <a:effectRef idx="0">
+            <a:schemeClr val="accent1"/>
+          </a:effectRef>
+          <a:fontRef idx="minor">
+            <a:schemeClr val="lt1"/>
+          </a:fontRef>
+        </p:style>
+        <p:txBody>
+          <a:bodyPr rtlCol="0" anchor="ctr"/>
+          <a:lstStyle/>
+          <a:p>
+            <a:pPr algn="ctr"/>
+            <a:r>
+              <a:rPr lang="en-US" altLang="ja-JP" dirty="0"/>
+              <a:t>before</a:t>
+            </a:r>
+          </a:p>
+        </p:txBody>
+      </p:sp>
+      <p:sp>
+        <p:nvSpPr>
+          <p:cNvPr id="18" name="正方形/長方形 17">
+            <a:extLst>
+              <a:ext uri="{FF2B5EF4-FFF2-40B4-BE49-F238E27FC236}">
+                <a16:creationId xmlns:a16="http://schemas.microsoft.com/office/drawing/2014/main" id="{3658BA72-E48C-2C46-BA63-745F1FEB8C56}"/>
+              </a:ext>
+            </a:extLst>
+          </p:cNvPr>
+          <p:cNvSpPr/>
+          <p:nvPr/>
+        </p:nvSpPr>
+        <p:spPr>
+          <a:xfrm>
+            <a:off x="5755339" y="1990161"/>
+            <a:ext cx="2151529" cy="2501150"/>
+          </a:xfrm>
+          <a:prstGeom prst="rect">
+            <a:avLst/>
+          </a:prstGeom>
+          <a:solidFill>
+            <a:schemeClr val="bg2">
+              <a:lumMod val="75000"/>
+            </a:schemeClr>
+          </a:solidFill>
+          <a:ln w="6350">
+            <a:solidFill>
+              <a:schemeClr val="bg2">
+                <a:lumMod val="90000"/>
+              </a:schemeClr>
+            </a:solidFill>
+          </a:ln>
+        </p:spPr>
+        <p:style>
+          <a:lnRef idx="2">
+            <a:schemeClr val="accent1">
+              <a:shade val="50000"/>
+            </a:schemeClr>
+          </a:lnRef>
+          <a:fillRef idx="1">
+            <a:schemeClr val="accent1"/>
+          </a:fillRef>
+          <a:effectRef idx="0">
+            <a:schemeClr val="accent1"/>
+          </a:effectRef>
+          <a:fontRef idx="minor">
+            <a:schemeClr val="lt1"/>
+          </a:fontRef>
+        </p:style>
+        <p:txBody>
+          <a:bodyPr rtlCol="0" anchor="ctr"/>
+          <a:lstStyle/>
+          <a:p>
+            <a:pPr algn="ctr"/>
+            <a:r>
+              <a:rPr lang="en-US" altLang="ja-JP" dirty="0"/>
+              <a:t>before</a:t>
+            </a:r>
+          </a:p>
+        </p:txBody>
+      </p:sp>
+      <p:cxnSp>
+        <p:nvCxnSpPr>
+          <p:cNvPr id="7" name="直線コネクタ 6">
+            <a:extLst>
+              <a:ext uri="{FF2B5EF4-FFF2-40B4-BE49-F238E27FC236}">
+                <a16:creationId xmlns:a16="http://schemas.microsoft.com/office/drawing/2014/main" id="{55F63CE8-DD56-A34F-BAAD-D0F37F0A5A47}"/>
+              </a:ext>
+            </a:extLst>
+          </p:cNvPr>
+          <p:cNvCxnSpPr>
+            <a:cxnSpLocks/>
+          </p:cNvCxnSpPr>
+          <p:nvPr/>
+        </p:nvCxnSpPr>
+        <p:spPr>
+          <a:xfrm>
+            <a:off x="3603812" y="-2"/>
+            <a:ext cx="0" cy="1990165"/>
+          </a:xfrm>
+          <a:prstGeom prst="line">
+            <a:avLst/>
+          </a:prstGeom>
+          <a:ln>
+            <a:solidFill>
+              <a:schemeClr val="tx1"/>
+            </a:solidFill>
+          </a:ln>
+        </p:spPr>
+        <p:style>
+          <a:lnRef idx="1">
+            <a:schemeClr val="accent1"/>
+          </a:lnRef>
+          <a:fillRef idx="0">
+            <a:schemeClr val="accent1"/>
+          </a:fillRef>
+          <a:effectRef idx="0">
+            <a:schemeClr val="accent1"/>
+          </a:effectRef>
+          <a:fontRef idx="minor">
+            <a:schemeClr val="tx1"/>
+          </a:fontRef>
+        </p:style>
+      </p:cxnSp>
+      <p:cxnSp>
+        <p:nvCxnSpPr>
+          <p:cNvPr id="8" name="直線コネクタ 7">
+            <a:extLst>
+              <a:ext uri="{FF2B5EF4-FFF2-40B4-BE49-F238E27FC236}">
+                <a16:creationId xmlns:a16="http://schemas.microsoft.com/office/drawing/2014/main" id="{8BBCC202-0914-374D-BD69-AC6B5B1FD3DA}"/>
+              </a:ext>
+            </a:extLst>
+          </p:cNvPr>
+          <p:cNvCxnSpPr/>
+          <p:nvPr/>
+        </p:nvCxnSpPr>
+        <p:spPr>
+          <a:xfrm>
+            <a:off x="5755341" y="-1"/>
+            <a:ext cx="0" cy="1990165"/>
+          </a:xfrm>
+          <a:prstGeom prst="line">
+            <a:avLst/>
+          </a:prstGeom>
+          <a:ln>
+            <a:solidFill>
+              <a:schemeClr val="tx1"/>
+            </a:solidFill>
+          </a:ln>
+        </p:spPr>
+        <p:style>
+          <a:lnRef idx="1">
+            <a:schemeClr val="accent1"/>
+          </a:lnRef>
+          <a:fillRef idx="0">
+            <a:schemeClr val="accent1"/>
+          </a:fillRef>
+          <a:effectRef idx="0">
+            <a:schemeClr val="accent1"/>
+          </a:effectRef>
+          <a:fontRef idx="minor">
+            <a:schemeClr val="tx1"/>
+          </a:fontRef>
+        </p:style>
+      </p:cxnSp>
+      <p:cxnSp>
+        <p:nvCxnSpPr>
+          <p:cNvPr id="9" name="直線コネクタ 8">
+            <a:extLst>
+              <a:ext uri="{FF2B5EF4-FFF2-40B4-BE49-F238E27FC236}">
+                <a16:creationId xmlns:a16="http://schemas.microsoft.com/office/drawing/2014/main" id="{BA6B0131-7534-2C48-A9A1-4D0A3CD05433}"/>
+              </a:ext>
+            </a:extLst>
+          </p:cNvPr>
+          <p:cNvCxnSpPr/>
+          <p:nvPr/>
+        </p:nvCxnSpPr>
+        <p:spPr>
+          <a:xfrm>
+            <a:off x="5755341" y="4491315"/>
+            <a:ext cx="0" cy="1990165"/>
+          </a:xfrm>
+          <a:prstGeom prst="line">
+            <a:avLst/>
+          </a:prstGeom>
+          <a:ln>
+            <a:solidFill>
+              <a:schemeClr val="tx1"/>
+            </a:solidFill>
+          </a:ln>
+        </p:spPr>
+        <p:style>
+          <a:lnRef idx="1">
+            <a:schemeClr val="accent1"/>
+          </a:lnRef>
+          <a:fillRef idx="0">
+            <a:schemeClr val="accent1"/>
+          </a:fillRef>
+          <a:effectRef idx="0">
+            <a:schemeClr val="accent1"/>
+          </a:effectRef>
+          <a:fontRef idx="minor">
+            <a:schemeClr val="tx1"/>
+          </a:fontRef>
+        </p:style>
+      </p:cxnSp>
+      <p:cxnSp>
+        <p:nvCxnSpPr>
+          <p:cNvPr id="10" name="直線コネクタ 9">
+            <a:extLst>
+              <a:ext uri="{FF2B5EF4-FFF2-40B4-BE49-F238E27FC236}">
+                <a16:creationId xmlns:a16="http://schemas.microsoft.com/office/drawing/2014/main" id="{A32AFFB2-D7AD-A243-AF83-997F24F091C6}"/>
+              </a:ext>
+            </a:extLst>
+          </p:cNvPr>
+          <p:cNvCxnSpPr/>
+          <p:nvPr/>
+        </p:nvCxnSpPr>
+        <p:spPr>
+          <a:xfrm>
+            <a:off x="3603812" y="4491315"/>
+            <a:ext cx="0" cy="1990165"/>
+          </a:xfrm>
+          <a:prstGeom prst="line">
+            <a:avLst/>
+          </a:prstGeom>
+          <a:ln>
+            <a:solidFill>
+              <a:schemeClr val="tx1"/>
+            </a:solidFill>
+          </a:ln>
+        </p:spPr>
+        <p:style>
+          <a:lnRef idx="1">
+            <a:schemeClr val="accent1"/>
+          </a:lnRef>
+          <a:fillRef idx="0">
+            <a:schemeClr val="accent1"/>
+          </a:fillRef>
+          <a:effectRef idx="0">
+            <a:schemeClr val="accent1"/>
+          </a:effectRef>
+          <a:fontRef idx="minor">
+            <a:schemeClr val="tx1"/>
+          </a:fontRef>
+        </p:style>
+      </p:cxnSp>
+      <p:cxnSp>
+        <p:nvCxnSpPr>
+          <p:cNvPr id="20" name="直線コネクタ 19">
+            <a:extLst>
+              <a:ext uri="{FF2B5EF4-FFF2-40B4-BE49-F238E27FC236}">
+                <a16:creationId xmlns:a16="http://schemas.microsoft.com/office/drawing/2014/main" id="{4D16F16B-C821-AB4A-8DC6-6F3EC8AC0A09}"/>
+              </a:ext>
+            </a:extLst>
+          </p:cNvPr>
+          <p:cNvCxnSpPr>
+            <a:cxnSpLocks/>
+          </p:cNvCxnSpPr>
+          <p:nvPr/>
+        </p:nvCxnSpPr>
+        <p:spPr>
+          <a:xfrm>
+            <a:off x="1613649" y="4491315"/>
+            <a:ext cx="1990164" cy="0"/>
+          </a:xfrm>
+          <a:prstGeom prst="line">
+            <a:avLst/>
+          </a:prstGeom>
+          <a:ln>
+            <a:solidFill>
+              <a:schemeClr val="tx1"/>
+            </a:solidFill>
+          </a:ln>
+        </p:spPr>
+        <p:style>
+          <a:lnRef idx="1">
+            <a:schemeClr val="accent1"/>
+          </a:lnRef>
+          <a:fillRef idx="0">
+            <a:schemeClr val="accent1"/>
+          </a:fillRef>
+          <a:effectRef idx="0">
+            <a:schemeClr val="accent1"/>
+          </a:effectRef>
+          <a:fontRef idx="minor">
+            <a:schemeClr val="tx1"/>
+          </a:fontRef>
+        </p:style>
+      </p:cxnSp>
+      <p:cxnSp>
+        <p:nvCxnSpPr>
+          <p:cNvPr id="12" name="直線コネクタ 11">
+            <a:extLst>
+              <a:ext uri="{FF2B5EF4-FFF2-40B4-BE49-F238E27FC236}">
+                <a16:creationId xmlns:a16="http://schemas.microsoft.com/office/drawing/2014/main" id="{CA065A4C-ED66-5443-B5B1-745E656AB32A}"/>
+              </a:ext>
+            </a:extLst>
+          </p:cNvPr>
+          <p:cNvCxnSpPr>
+            <a:cxnSpLocks/>
+          </p:cNvCxnSpPr>
+          <p:nvPr/>
+        </p:nvCxnSpPr>
+        <p:spPr>
+          <a:xfrm>
+            <a:off x="1613648" y="1990163"/>
+            <a:ext cx="1990164" cy="0"/>
+          </a:xfrm>
+          <a:prstGeom prst="line">
+            <a:avLst/>
+          </a:prstGeom>
+          <a:ln>
+            <a:solidFill>
+              <a:schemeClr val="tx1"/>
+            </a:solidFill>
+          </a:ln>
+        </p:spPr>
+        <p:style>
+          <a:lnRef idx="1">
+            <a:schemeClr val="accent1"/>
+          </a:lnRef>
+          <a:fillRef idx="0">
+            <a:schemeClr val="accent1"/>
+          </a:fillRef>
+          <a:effectRef idx="0">
+            <a:schemeClr val="accent1"/>
+          </a:effectRef>
+          <a:fontRef idx="minor">
+            <a:schemeClr val="tx1"/>
+          </a:fontRef>
+        </p:style>
+      </p:cxnSp>
+      <p:cxnSp>
+        <p:nvCxnSpPr>
+          <p:cNvPr id="21" name="直線コネクタ 20">
+            <a:extLst>
+              <a:ext uri="{FF2B5EF4-FFF2-40B4-BE49-F238E27FC236}">
+                <a16:creationId xmlns:a16="http://schemas.microsoft.com/office/drawing/2014/main" id="{B361C457-A019-DA48-B76A-833D4AA0E70F}"/>
+              </a:ext>
+            </a:extLst>
+          </p:cNvPr>
+          <p:cNvCxnSpPr>
+            <a:cxnSpLocks/>
+          </p:cNvCxnSpPr>
+          <p:nvPr/>
+        </p:nvCxnSpPr>
+        <p:spPr>
+          <a:xfrm>
+            <a:off x="5755341" y="1990163"/>
+            <a:ext cx="1990164" cy="0"/>
+          </a:xfrm>
+          <a:prstGeom prst="line">
+            <a:avLst/>
+          </a:prstGeom>
+          <a:ln>
+            <a:solidFill>
+              <a:schemeClr val="tx1"/>
+            </a:solidFill>
+          </a:ln>
+        </p:spPr>
+        <p:style>
+          <a:lnRef idx="1">
+            <a:schemeClr val="accent1"/>
+          </a:lnRef>
+          <a:fillRef idx="0">
+            <a:schemeClr val="accent1"/>
+          </a:fillRef>
+          <a:effectRef idx="0">
+            <a:schemeClr val="accent1"/>
+          </a:effectRef>
+          <a:fontRef idx="minor">
+            <a:schemeClr val="tx1"/>
+          </a:fontRef>
+        </p:style>
+      </p:cxnSp>
+      <p:cxnSp>
+        <p:nvCxnSpPr>
+          <p:cNvPr id="19" name="直線コネクタ 18">
+            <a:extLst>
+              <a:ext uri="{FF2B5EF4-FFF2-40B4-BE49-F238E27FC236}">
+                <a16:creationId xmlns:a16="http://schemas.microsoft.com/office/drawing/2014/main" id="{AE62CB70-B312-EF4D-9822-751D0528D4C3}"/>
+              </a:ext>
+            </a:extLst>
+          </p:cNvPr>
+          <p:cNvCxnSpPr>
+            <a:cxnSpLocks/>
+          </p:cNvCxnSpPr>
+          <p:nvPr/>
+        </p:nvCxnSpPr>
+        <p:spPr>
+          <a:xfrm>
+            <a:off x="5755341" y="4491313"/>
+            <a:ext cx="1990164" cy="0"/>
+          </a:xfrm>
+          <a:prstGeom prst="line">
+            <a:avLst/>
+          </a:prstGeom>
+          <a:ln>
+            <a:solidFill>
+              <a:schemeClr val="tx1"/>
+            </a:solidFill>
+          </a:ln>
+        </p:spPr>
+        <p:style>
+          <a:lnRef idx="1">
+            <a:schemeClr val="accent1"/>
+          </a:lnRef>
+          <a:fillRef idx="0">
+            <a:schemeClr val="accent1"/>
+          </a:fillRef>
+          <a:effectRef idx="0">
+            <a:schemeClr val="accent1"/>
+          </a:effectRef>
+          <a:fontRef idx="minor">
+            <a:schemeClr val="tx1"/>
+          </a:fontRef>
+        </p:style>
+      </p:cxnSp>
+      <p:cxnSp>
+        <p:nvCxnSpPr>
+          <p:cNvPr id="27" name="直線コネクタ 26">
+            <a:extLst>
+              <a:ext uri="{FF2B5EF4-FFF2-40B4-BE49-F238E27FC236}">
+                <a16:creationId xmlns:a16="http://schemas.microsoft.com/office/drawing/2014/main" id="{F755A748-4C4B-894E-9FE0-DA0448291F6C}"/>
+              </a:ext>
+            </a:extLst>
+          </p:cNvPr>
+          <p:cNvCxnSpPr>
+            <a:cxnSpLocks/>
+          </p:cNvCxnSpPr>
+          <p:nvPr/>
+        </p:nvCxnSpPr>
+        <p:spPr>
+          <a:xfrm>
+            <a:off x="1613648" y="3277680"/>
+            <a:ext cx="6131857" cy="0"/>
+          </a:xfrm>
+          <a:prstGeom prst="line">
+            <a:avLst/>
+          </a:prstGeom>
+          <a:ln>
+            <a:solidFill>
+              <a:schemeClr val="tx1"/>
+            </a:solidFill>
+          </a:ln>
+        </p:spPr>
+        <p:style>
+          <a:lnRef idx="1">
+            <a:schemeClr val="accent1"/>
+          </a:lnRef>
+          <a:fillRef idx="0">
+            <a:schemeClr val="accent1"/>
+          </a:fillRef>
+          <a:effectRef idx="0">
+            <a:schemeClr val="accent1"/>
+          </a:effectRef>
+          <a:fontRef idx="minor">
+            <a:schemeClr val="tx1"/>
+          </a:fontRef>
+        </p:style>
+      </p:cxnSp>
+      <p:cxnSp>
+        <p:nvCxnSpPr>
+          <p:cNvPr id="23" name="直線コネクタ 22">
+            <a:extLst>
+              <a:ext uri="{FF2B5EF4-FFF2-40B4-BE49-F238E27FC236}">
+                <a16:creationId xmlns:a16="http://schemas.microsoft.com/office/drawing/2014/main" id="{5BE1C210-1BCC-8A48-8048-25B92991EC76}"/>
+              </a:ext>
+            </a:extLst>
+          </p:cNvPr>
+          <p:cNvCxnSpPr>
+            <a:cxnSpLocks/>
+          </p:cNvCxnSpPr>
+          <p:nvPr/>
+        </p:nvCxnSpPr>
+        <p:spPr>
+          <a:xfrm>
+            <a:off x="4634753" y="0"/>
+            <a:ext cx="0" cy="6481480"/>
+          </a:xfrm>
+          <a:prstGeom prst="line">
+            <a:avLst/>
+          </a:prstGeom>
+          <a:ln>
+            <a:solidFill>
+              <a:schemeClr val="tx1"/>
+            </a:solidFill>
+          </a:ln>
+        </p:spPr>
+        <p:style>
+          <a:lnRef idx="1">
+            <a:schemeClr val="accent1"/>
+          </a:lnRef>
+          <a:fillRef idx="0">
+            <a:schemeClr val="accent1"/>
+          </a:fillRef>
+          <a:effectRef idx="0">
+            <a:schemeClr val="accent1"/>
+          </a:effectRef>
+          <a:fontRef idx="minor">
+            <a:schemeClr val="tx1"/>
+          </a:fontRef>
+        </p:style>
+      </p:cxnSp>
+    </p:spTree>
+    <p:extLst>
+      <p:ext uri="{BB962C8B-B14F-4D97-AF65-F5344CB8AC3E}">
+        <p14:creationId xmlns:p14="http://schemas.microsoft.com/office/powerpoint/2010/main" val="1905898874"/>
       </p:ext>
     </p:extLst>
   </p:cSld>
@@ -5844,4 +8664,299 @@
     </a:ext>
   </a:extLst>
 </a:theme>
+</file>
+
+<file path=ppt/theme/theme2.xml><?xml version="1.0" encoding="utf-8"?>
+<a:theme xmlns:a="http://schemas.openxmlformats.org/drawingml/2006/main" name="Office テーマ">
+  <a:themeElements>
+    <a:clrScheme name="Office">
+      <a:dk1>
+        <a:sysClr val="windowText" lastClr="000000"/>
+      </a:dk1>
+      <a:lt1>
+        <a:sysClr val="window" lastClr="FFFFFF"/>
+      </a:lt1>
+      <a:dk2>
+        <a:srgbClr val="44546A"/>
+      </a:dk2>
+      <a:lt2>
+        <a:srgbClr val="E7E6E6"/>
+      </a:lt2>
+      <a:accent1>
+        <a:srgbClr val="4472C4"/>
+      </a:accent1>
+      <a:accent2>
+        <a:srgbClr val="ED7D31"/>
+      </a:accent2>
+      <a:accent3>
+        <a:srgbClr val="A5A5A5"/>
+      </a:accent3>
+      <a:accent4>
+        <a:srgbClr val="FFC000"/>
+      </a:accent4>
+      <a:accent5>
+        <a:srgbClr val="5B9BD5"/>
+      </a:accent5>
+      <a:accent6>
+        <a:srgbClr val="70AD47"/>
+      </a:accent6>
+      <a:hlink>
+        <a:srgbClr val="0563C1"/>
+      </a:hlink>
+      <a:folHlink>
+        <a:srgbClr val="954F72"/>
+      </a:folHlink>
+    </a:clrScheme>
+    <a:fontScheme name="Office">
+      <a:majorFont>
+        <a:latin typeface="游ゴシック Light" panose="020F0302020204030204"/>
+        <a:ea typeface=""/>
+        <a:cs typeface=""/>
+        <a:font script="Jpan" typeface="游ゴシック Light"/>
+        <a:font script="Hang" typeface="맑은 고딕"/>
+        <a:font script="Hans" typeface="等线 Light"/>
+        <a:font script="Hant" typeface="新細明體"/>
+        <a:font script="Arab" typeface="Times New Roman"/>
+        <a:font script="Hebr" typeface="Times New Roman"/>
+        <a:font script="Thai" typeface="Angsana New"/>
+        <a:font script="Ethi" typeface="Nyala"/>
+        <a:font script="Beng" typeface="Vrinda"/>
+        <a:font script="Gujr" typeface="Shruti"/>
+        <a:font script="Khmr" typeface="MoolBoran"/>
+        <a:font script="Knda" typeface="Tunga"/>
+        <a:font script="Guru" typeface="Raavi"/>
+        <a:font script="Cans" typeface="Euphemia"/>
+        <a:font script="Cher" typeface="Plantagenet Cherokee"/>
+        <a:font script="Yiii" typeface="Microsoft Yi Baiti"/>
+        <a:font script="Tibt" typeface="Microsoft Himalaya"/>
+        <a:font script="Thaa" typeface="MV Boli"/>
+        <a:font script="Deva" typeface="Mangal"/>
+        <a:font script="Telu" typeface="Gautami"/>
+        <a:font script="Taml" typeface="Latha"/>
+        <a:font script="Syrc" typeface="Estrangelo Edessa"/>
+        <a:font script="Orya" typeface="Kalinga"/>
+        <a:font script="Mlym" typeface="Kartika"/>
+        <a:font script="Laoo" typeface="DokChampa"/>
+        <a:font script="Sinh" typeface="Iskoola Pota"/>
+        <a:font script="Mong" typeface="Mongolian Baiti"/>
+        <a:font script="Viet" typeface="Times New Roman"/>
+        <a:font script="Uigh" typeface="Microsoft Uighur"/>
+        <a:font script="Geor" typeface="Sylfaen"/>
+        <a:font script="Armn" typeface="Arial"/>
+        <a:font script="Bugi" typeface="Leelawadee UI"/>
+        <a:font script="Bopo" typeface="Microsoft JhengHei"/>
+        <a:font script="Java" typeface="Javanese Text"/>
+        <a:font script="Lisu" typeface="Segoe UI"/>
+        <a:font script="Mymr" typeface="Myanmar Text"/>
+        <a:font script="Nkoo" typeface="Ebrima"/>
+        <a:font script="Olck" typeface="Nirmala UI"/>
+        <a:font script="Osma" typeface="Ebrima"/>
+        <a:font script="Phag" typeface="Phagspa"/>
+        <a:font script="Syrn" typeface="Estrangelo Edessa"/>
+        <a:font script="Syrj" typeface="Estrangelo Edessa"/>
+        <a:font script="Syre" typeface="Estrangelo Edessa"/>
+        <a:font script="Sora" typeface="Nirmala UI"/>
+        <a:font script="Tale" typeface="Microsoft Tai Le"/>
+        <a:font script="Talu" typeface="Microsoft New Tai Lue"/>
+        <a:font script="Tfng" typeface="Ebrima"/>
+      </a:majorFont>
+      <a:minorFont>
+        <a:latin typeface="游ゴシック" panose="020F0502020204030204"/>
+        <a:ea typeface=""/>
+        <a:cs typeface=""/>
+        <a:font script="Jpan" typeface="游ゴシック"/>
+        <a:font script="Hang" typeface="맑은 고딕"/>
+        <a:font script="Hans" typeface="等线"/>
+        <a:font script="Hant" typeface="新細明體"/>
+        <a:font script="Arab" typeface="Arial"/>
+        <a:font script="Hebr" typeface="Arial"/>
+        <a:font script="Thai" typeface="Cordia New"/>
+        <a:font script="Ethi" typeface="Nyala"/>
+        <a:font script="Beng" typeface="Vrinda"/>
+        <a:font script="Gujr" typeface="Shruti"/>
+        <a:font script="Khmr" typeface="DaunPenh"/>
+        <a:font script="Knda" typeface="Tunga"/>
+        <a:font script="Guru" typeface="Raavi"/>
+        <a:font script="Cans" typeface="Euphemia"/>
+        <a:font script="Cher" typeface="Plantagenet Cherokee"/>
+        <a:font script="Yiii" typeface="Microsoft Yi Baiti"/>
+        <a:font script="Tibt" typeface="Microsoft Himalaya"/>
+        <a:font script="Thaa" typeface="MV Boli"/>
+        <a:font script="Deva" typeface="Mangal"/>
+        <a:font script="Telu" typeface="Gautami"/>
+        <a:font script="Taml" typeface="Latha"/>
+        <a:font script="Syrc" typeface="Estrangelo Edessa"/>
+        <a:font script="Orya" typeface="Kalinga"/>
+        <a:font script="Mlym" typeface="Kartika"/>
+        <a:font script="Laoo" typeface="DokChampa"/>
+        <a:font script="Sinh" typeface="Iskoola Pota"/>
+        <a:font script="Mong" typeface="Mongolian Baiti"/>
+        <a:font script="Viet" typeface="Arial"/>
+        <a:font script="Uigh" typeface="Microsoft Uighur"/>
+        <a:font script="Geor" typeface="Sylfaen"/>
+        <a:font script="Armn" typeface="Arial"/>
+        <a:font script="Bugi" typeface="Leelawadee UI"/>
+        <a:font script="Bopo" typeface="Microsoft JhengHei"/>
+        <a:font script="Java" typeface="Javanese Text"/>
+        <a:font script="Lisu" typeface="Segoe UI"/>
+        <a:font script="Mymr" typeface="Myanmar Text"/>
+        <a:font script="Nkoo" typeface="Ebrima"/>
+        <a:font script="Olck" typeface="Nirmala UI"/>
+        <a:font script="Osma" typeface="Ebrima"/>
+        <a:font script="Phag" typeface="Phagspa"/>
+        <a:font script="Syrn" typeface="Estrangelo Edessa"/>
+        <a:font script="Syrj" typeface="Estrangelo Edessa"/>
+        <a:font script="Syre" typeface="Estrangelo Edessa"/>
+        <a:font script="Sora" typeface="Nirmala UI"/>
+        <a:font script="Tale" typeface="Microsoft Tai Le"/>
+        <a:font script="Talu" typeface="Microsoft New Tai Lue"/>
+        <a:font script="Tfng" typeface="Ebrima"/>
+      </a:minorFont>
+    </a:fontScheme>
+    <a:fmtScheme name="Office">
+      <a:fillStyleLst>
+        <a:solidFill>
+          <a:schemeClr val="phClr"/>
+        </a:solidFill>
+        <a:gradFill rotWithShape="1">
+          <a:gsLst>
+            <a:gs pos="0">
+              <a:schemeClr val="phClr">
+                <a:lumMod val="110000"/>
+                <a:satMod val="105000"/>
+                <a:tint val="67000"/>
+              </a:schemeClr>
+            </a:gs>
+            <a:gs pos="50000">
+              <a:schemeClr val="phClr">
+                <a:lumMod val="105000"/>
+                <a:satMod val="103000"/>
+                <a:tint val="73000"/>
+              </a:schemeClr>
+            </a:gs>
+            <a:gs pos="100000">
+              <a:schemeClr val="phClr">
+                <a:lumMod val="105000"/>
+                <a:satMod val="109000"/>
+                <a:tint val="81000"/>
+              </a:schemeClr>
+            </a:gs>
+          </a:gsLst>
+          <a:lin ang="5400000" scaled="0"/>
+        </a:gradFill>
+        <a:gradFill rotWithShape="1">
+          <a:gsLst>
+            <a:gs pos="0">
+              <a:schemeClr val="phClr">
+                <a:satMod val="103000"/>
+                <a:lumMod val="102000"/>
+                <a:tint val="94000"/>
+              </a:schemeClr>
+            </a:gs>
+            <a:gs pos="50000">
+              <a:schemeClr val="phClr">
+                <a:satMod val="110000"/>
+                <a:lumMod val="100000"/>
+                <a:shade val="100000"/>
+              </a:schemeClr>
+            </a:gs>
+            <a:gs pos="100000">
+              <a:schemeClr val="phClr">
+                <a:lumMod val="99000"/>
+                <a:satMod val="120000"/>
+                <a:shade val="78000"/>
+              </a:schemeClr>
+            </a:gs>
+          </a:gsLst>
+          <a:lin ang="5400000" scaled="0"/>
+        </a:gradFill>
+      </a:fillStyleLst>
+      <a:lnStyleLst>
+        <a:ln w="6350" cap="flat" cmpd="sng" algn="ctr">
+          <a:solidFill>
+            <a:schemeClr val="phClr"/>
+          </a:solidFill>
+          <a:prstDash val="solid"/>
+          <a:miter lim="800000"/>
+        </a:ln>
+        <a:ln w="12700" cap="flat" cmpd="sng" algn="ctr">
+          <a:solidFill>
+            <a:schemeClr val="phClr"/>
+          </a:solidFill>
+          <a:prstDash val="solid"/>
+          <a:miter lim="800000"/>
+        </a:ln>
+        <a:ln w="19050" cap="flat" cmpd="sng" algn="ctr">
+          <a:solidFill>
+            <a:schemeClr val="phClr"/>
+          </a:solidFill>
+          <a:prstDash val="solid"/>
+          <a:miter lim="800000"/>
+        </a:ln>
+      </a:lnStyleLst>
+      <a:effectStyleLst>
+        <a:effectStyle>
+          <a:effectLst/>
+        </a:effectStyle>
+        <a:effectStyle>
+          <a:effectLst/>
+        </a:effectStyle>
+        <a:effectStyle>
+          <a:effectLst>
+            <a:outerShdw blurRad="57150" dist="19050" dir="5400000" algn="ctr" rotWithShape="0">
+              <a:srgbClr val="000000">
+                <a:alpha val="63000"/>
+              </a:srgbClr>
+            </a:outerShdw>
+          </a:effectLst>
+        </a:effectStyle>
+      </a:effectStyleLst>
+      <a:bgFillStyleLst>
+        <a:solidFill>
+          <a:schemeClr val="phClr"/>
+        </a:solidFill>
+        <a:solidFill>
+          <a:schemeClr val="phClr">
+            <a:tint val="95000"/>
+            <a:satMod val="170000"/>
+          </a:schemeClr>
+        </a:solidFill>
+        <a:gradFill rotWithShape="1">
+          <a:gsLst>
+            <a:gs pos="0">
+              <a:schemeClr val="phClr">
+                <a:tint val="93000"/>
+                <a:satMod val="150000"/>
+                <a:shade val="98000"/>
+                <a:lumMod val="102000"/>
+              </a:schemeClr>
+            </a:gs>
+            <a:gs pos="50000">
+              <a:schemeClr val="phClr">
+                <a:tint val="98000"/>
+                <a:satMod val="130000"/>
+                <a:shade val="90000"/>
+                <a:lumMod val="103000"/>
+              </a:schemeClr>
+            </a:gs>
+            <a:gs pos="100000">
+              <a:schemeClr val="phClr">
+                <a:shade val="63000"/>
+                <a:satMod val="120000"/>
+              </a:schemeClr>
+            </a:gs>
+          </a:gsLst>
+          <a:lin ang="5400000" scaled="0"/>
+        </a:gradFill>
+      </a:bgFillStyleLst>
+    </a:fmtScheme>
+  </a:themeElements>
+  <a:objectDefaults/>
+  <a:extraClrSchemeLst/>
+  <a:extLst>
+    <a:ext uri="{05A4C25C-085E-4340-85A3-A5531E510DB2}">
+      <thm15:themeFamily xmlns:thm15="http://schemas.microsoft.com/office/thememl/2012/main" name="Office Theme" id="{62F939B6-93AF-4DB8-9C6B-D6C7DFDC589F}" vid="{4A3C46E8-61CC-4603-A589-7422A47A8E4A}"/>
+    </a:ext>
+  </a:extLst>
+</a:theme>
 </file>
--- a/model.pptx
+++ b/model.pptx
@@ -5,15 +5,14 @@
     <p:sldMasterId id="2147483660" r:id="rId1"/>
   </p:sldMasterIdLst>
   <p:notesMasterIdLst>
-    <p:notesMasterId r:id="rId8"/>
+    <p:notesMasterId r:id="rId7"/>
   </p:notesMasterIdLst>
   <p:sldIdLst>
     <p:sldId id="256" r:id="rId2"/>
     <p:sldId id="257" r:id="rId3"/>
     <p:sldId id="258" r:id="rId4"/>
     <p:sldId id="262" r:id="rId5"/>
-    <p:sldId id="263" r:id="rId6"/>
-    <p:sldId id="264" r:id="rId7"/>
+    <p:sldId id="264" r:id="rId6"/>
   </p:sldIdLst>
   <p:sldSz cx="9144000" cy="6858000" type="screen4x3"/>
   <p:notesSz cx="6858000" cy="9144000"/>
@@ -213,7 +212,7 @@
           <a:p>
             <a:fld id="{08D58E85-CF1A-C64D-93E8-803026A0D1DE}" type="datetimeFigureOut">
               <a:rPr kumimoji="1" lang="ja-JP" altLang="en-US" smtClean="0"/>
-              <a:t>2019/11/6</a:t>
+              <a:t>2019/11/7</a:t>
             </a:fld>
             <a:endParaRPr kumimoji="1" lang="ja-JP" altLang="en-US"/>
           </a:p>
@@ -571,90 +570,6 @@
 </p:notes>
 </file>
 
-<file path=ppt/notesSlides/notesSlide2.xml><?xml version="1.0" encoding="utf-8"?>
-<p:notes xmlns:a="http://schemas.openxmlformats.org/drawingml/2006/main" xmlns:r="http://schemas.openxmlformats.org/officeDocument/2006/relationships" xmlns:p="http://schemas.openxmlformats.org/presentationml/2006/main">
-  <p:cSld>
-    <p:spTree>
-      <p:nvGrpSpPr>
-        <p:cNvPr id="1" name=""/>
-        <p:cNvGrpSpPr/>
-        <p:nvPr/>
-      </p:nvGrpSpPr>
-      <p:grpSpPr>
-        <a:xfrm>
-          <a:off x="0" y="0"/>
-          <a:ext cx="0" cy="0"/>
-          <a:chOff x="0" y="0"/>
-          <a:chExt cx="0" cy="0"/>
-        </a:xfrm>
-      </p:grpSpPr>
-      <p:sp>
-        <p:nvSpPr>
-          <p:cNvPr id="2" name="スライド イメージ プレースホルダー 1"/>
-          <p:cNvSpPr>
-            <a:spLocks noGrp="1" noRot="1" noChangeAspect="1"/>
-          </p:cNvSpPr>
-          <p:nvPr>
-            <p:ph type="sldImg"/>
-          </p:nvPr>
-        </p:nvSpPr>
-        <p:spPr/>
-      </p:sp>
-      <p:sp>
-        <p:nvSpPr>
-          <p:cNvPr id="3" name="ノート プレースホルダー 2"/>
-          <p:cNvSpPr>
-            <a:spLocks noGrp="1"/>
-          </p:cNvSpPr>
-          <p:nvPr>
-            <p:ph type="body" idx="1"/>
-          </p:nvPr>
-        </p:nvSpPr>
-        <p:spPr/>
-        <p:txBody>
-          <a:bodyPr/>
-          <a:lstStyle/>
-          <a:p>
-            <a:endParaRPr kumimoji="1" lang="ja-JP" altLang="en-US"/>
-          </a:p>
-        </p:txBody>
-      </p:sp>
-      <p:sp>
-        <p:nvSpPr>
-          <p:cNvPr id="4" name="スライド番号プレースホルダー 3"/>
-          <p:cNvSpPr>
-            <a:spLocks noGrp="1"/>
-          </p:cNvSpPr>
-          <p:nvPr>
-            <p:ph type="sldNum" sz="quarter" idx="5"/>
-          </p:nvPr>
-        </p:nvSpPr>
-        <p:spPr/>
-        <p:txBody>
-          <a:bodyPr/>
-          <a:lstStyle/>
-          <a:p>
-            <a:fld id="{E62EC1EF-0304-2D48-86E9-C7F7CCA02542}" type="slidenum">
-              <a:rPr kumimoji="1" lang="ja-JP" altLang="en-US" smtClean="0"/>
-              <a:t>5</a:t>
-            </a:fld>
-            <a:endParaRPr kumimoji="1" lang="ja-JP" altLang="en-US"/>
-          </a:p>
-        </p:txBody>
-      </p:sp>
-    </p:spTree>
-    <p:extLst>
-      <p:ext uri="{BB962C8B-B14F-4D97-AF65-F5344CB8AC3E}">
-        <p14:creationId xmlns:p14="http://schemas.microsoft.com/office/powerpoint/2010/main" val="1766663429"/>
-      </p:ext>
-    </p:extLst>
-  </p:cSld>
-  <p:clrMapOvr>
-    <a:masterClrMapping/>
-  </p:clrMapOvr>
-</p:notes>
-</file>
-
 <file path=ppt/slideLayouts/slideLayout1.xml><?xml version="1.0" encoding="utf-8"?>
 <p:sldLayout xmlns:a="http://schemas.openxmlformats.org/drawingml/2006/main" xmlns:r="http://schemas.openxmlformats.org/officeDocument/2006/relationships" xmlns:p="http://schemas.openxmlformats.org/presentationml/2006/main" type="title" preserve="1">
   <p:cSld name="タイトル スライド">
@@ -786,7 +701,7 @@
           <a:p>
             <a:fld id="{824D94B4-09CF-5746-A7BC-392D3451DE3D}" type="datetimeFigureOut">
               <a:rPr kumimoji="1" lang="ja-JP" altLang="en-US" smtClean="0"/>
-              <a:t>2019/11/6</a:t>
+              <a:t>2019/11/7</a:t>
             </a:fld>
             <a:endParaRPr kumimoji="1" lang="ja-JP" altLang="en-US"/>
           </a:p>
@@ -964,7 +879,7 @@
           <a:p>
             <a:fld id="{824D94B4-09CF-5746-A7BC-392D3451DE3D}" type="datetimeFigureOut">
               <a:rPr kumimoji="1" lang="ja-JP" altLang="en-US" smtClean="0"/>
-              <a:t>2019/11/6</a:t>
+              <a:t>2019/11/7</a:t>
             </a:fld>
             <a:endParaRPr kumimoji="1" lang="ja-JP" altLang="en-US"/>
           </a:p>
@@ -1152,7 +1067,7 @@
           <a:p>
             <a:fld id="{824D94B4-09CF-5746-A7BC-392D3451DE3D}" type="datetimeFigureOut">
               <a:rPr kumimoji="1" lang="ja-JP" altLang="en-US" smtClean="0"/>
-              <a:t>2019/11/6</a:t>
+              <a:t>2019/11/7</a:t>
             </a:fld>
             <a:endParaRPr kumimoji="1" lang="ja-JP" altLang="en-US"/>
           </a:p>
@@ -1330,7 +1245,7 @@
           <a:p>
             <a:fld id="{824D94B4-09CF-5746-A7BC-392D3451DE3D}" type="datetimeFigureOut">
               <a:rPr kumimoji="1" lang="ja-JP" altLang="en-US" smtClean="0"/>
-              <a:t>2019/11/6</a:t>
+              <a:t>2019/11/7</a:t>
             </a:fld>
             <a:endParaRPr kumimoji="1" lang="ja-JP" altLang="en-US"/>
           </a:p>
@@ -1611,7 +1526,7 @@
           <a:p>
             <a:fld id="{824D94B4-09CF-5746-A7BC-392D3451DE3D}" type="datetimeFigureOut">
               <a:rPr kumimoji="1" lang="ja-JP" altLang="en-US" smtClean="0"/>
-              <a:t>2019/11/6</a:t>
+              <a:t>2019/11/7</a:t>
             </a:fld>
             <a:endParaRPr kumimoji="1" lang="ja-JP" altLang="en-US"/>
           </a:p>
@@ -1859,7 +1774,7 @@
           <a:p>
             <a:fld id="{824D94B4-09CF-5746-A7BC-392D3451DE3D}" type="datetimeFigureOut">
               <a:rPr kumimoji="1" lang="ja-JP" altLang="en-US" smtClean="0"/>
-              <a:t>2019/11/6</a:t>
+              <a:t>2019/11/7</a:t>
             </a:fld>
             <a:endParaRPr kumimoji="1" lang="ja-JP" altLang="en-US"/>
           </a:p>
@@ -2316,7 +2231,7 @@
           <a:p>
             <a:fld id="{824D94B4-09CF-5746-A7BC-392D3451DE3D}" type="datetimeFigureOut">
               <a:rPr kumimoji="1" lang="ja-JP" altLang="en-US" smtClean="0"/>
-              <a:t>2019/11/6</a:t>
+              <a:t>2019/11/7</a:t>
             </a:fld>
             <a:endParaRPr kumimoji="1" lang="ja-JP" altLang="en-US"/>
           </a:p>
@@ -2434,7 +2349,7 @@
           <a:p>
             <a:fld id="{824D94B4-09CF-5746-A7BC-392D3451DE3D}" type="datetimeFigureOut">
               <a:rPr kumimoji="1" lang="ja-JP" altLang="en-US" smtClean="0"/>
-              <a:t>2019/11/6</a:t>
+              <a:t>2019/11/7</a:t>
             </a:fld>
             <a:endParaRPr kumimoji="1" lang="ja-JP" altLang="en-US"/>
           </a:p>
@@ -2529,7 +2444,7 @@
           <a:p>
             <a:fld id="{824D94B4-09CF-5746-A7BC-392D3451DE3D}" type="datetimeFigureOut">
               <a:rPr kumimoji="1" lang="ja-JP" altLang="en-US" smtClean="0"/>
-              <a:t>2019/11/6</a:t>
+              <a:t>2019/11/7</a:t>
             </a:fld>
             <a:endParaRPr kumimoji="1" lang="ja-JP" altLang="en-US"/>
           </a:p>
@@ -2851,7 +2766,7 @@
           <a:p>
             <a:fld id="{824D94B4-09CF-5746-A7BC-392D3451DE3D}" type="datetimeFigureOut">
               <a:rPr kumimoji="1" lang="ja-JP" altLang="en-US" smtClean="0"/>
-              <a:t>2019/11/6</a:t>
+              <a:t>2019/11/7</a:t>
             </a:fld>
             <a:endParaRPr kumimoji="1" lang="ja-JP" altLang="en-US"/>
           </a:p>
@@ -3145,7 +3060,7 @@
           <a:p>
             <a:fld id="{824D94B4-09CF-5746-A7BC-392D3451DE3D}" type="datetimeFigureOut">
               <a:rPr kumimoji="1" lang="ja-JP" altLang="en-US" smtClean="0"/>
-              <a:t>2019/11/6</a:t>
+              <a:t>2019/11/7</a:t>
             </a:fld>
             <a:endParaRPr kumimoji="1" lang="ja-JP" altLang="en-US"/>
           </a:p>
@@ -3366,7 +3281,7 @@
           <a:p>
             <a:fld id="{824D94B4-09CF-5746-A7BC-392D3451DE3D}" type="datetimeFigureOut">
               <a:rPr kumimoji="1" lang="ja-JP" altLang="en-US" smtClean="0"/>
-              <a:t>2019/11/6</a:t>
+              <a:t>2019/11/7</a:t>
             </a:fld>
             <a:endParaRPr kumimoji="1" lang="ja-JP" altLang="en-US"/>
           </a:p>
@@ -3785,7 +3700,7 @@
         </p:nvSpPr>
         <p:spPr>
           <a:xfrm>
-            <a:off x="1981199" y="412376"/>
+            <a:off x="1887069" y="529996"/>
             <a:ext cx="5495365" cy="5495365"/>
           </a:xfrm>
           <a:prstGeom prst="ellipse">
@@ -3851,7 +3766,7 @@
         </p:nvSpPr>
         <p:spPr>
           <a:xfrm>
-            <a:off x="3281082" y="1703293"/>
+            <a:off x="3182471" y="1825398"/>
             <a:ext cx="2904563" cy="2904563"/>
           </a:xfrm>
           <a:prstGeom prst="ellipse">
@@ -6896,755 +6811,6 @@
 </file>
 
 <file path=ppt/slides/slide5.xml><?xml version="1.0" encoding="utf-8"?>
-<p:sld xmlns:a="http://schemas.openxmlformats.org/drawingml/2006/main" xmlns:r="http://schemas.openxmlformats.org/officeDocument/2006/relationships" xmlns:p="http://schemas.openxmlformats.org/presentationml/2006/main">
-  <p:cSld>
-    <p:spTree>
-      <p:nvGrpSpPr>
-        <p:cNvPr id="1" name=""/>
-        <p:cNvGrpSpPr/>
-        <p:nvPr/>
-      </p:nvGrpSpPr>
-      <p:grpSpPr>
-        <a:xfrm>
-          <a:off x="0" y="0"/>
-          <a:ext cx="0" cy="0"/>
-          <a:chOff x="0" y="0"/>
-          <a:chExt cx="0" cy="0"/>
-        </a:xfrm>
-      </p:grpSpPr>
-      <p:cxnSp>
-        <p:nvCxnSpPr>
-          <p:cNvPr id="5" name="直線コネクタ 4">
-            <a:extLst>
-              <a:ext uri="{FF2B5EF4-FFF2-40B4-BE49-F238E27FC236}">
-                <a16:creationId xmlns:a16="http://schemas.microsoft.com/office/drawing/2014/main" id="{040BE4F2-CEBC-A646-B9FB-305ED1A67369}"/>
-              </a:ext>
-            </a:extLst>
-          </p:cNvPr>
-          <p:cNvCxnSpPr>
-            <a:cxnSpLocks/>
-          </p:cNvCxnSpPr>
-          <p:nvPr/>
-        </p:nvCxnSpPr>
-        <p:spPr>
-          <a:xfrm>
-            <a:off x="3499153" y="0"/>
-            <a:ext cx="0" cy="2216728"/>
-          </a:xfrm>
-          <a:prstGeom prst="line">
-            <a:avLst/>
-          </a:prstGeom>
-          <a:ln w="25400">
-            <a:solidFill>
-              <a:schemeClr val="tx1"/>
-            </a:solidFill>
-          </a:ln>
-        </p:spPr>
-        <p:style>
-          <a:lnRef idx="1">
-            <a:schemeClr val="accent1"/>
-          </a:lnRef>
-          <a:fillRef idx="0">
-            <a:schemeClr val="accent1"/>
-          </a:fillRef>
-          <a:effectRef idx="0">
-            <a:schemeClr val="accent1"/>
-          </a:effectRef>
-          <a:fontRef idx="minor">
-            <a:schemeClr val="tx1"/>
-          </a:fontRef>
-        </p:style>
-      </p:cxnSp>
-      <p:cxnSp>
-        <p:nvCxnSpPr>
-          <p:cNvPr id="7" name="直線コネクタ 6">
-            <a:extLst>
-              <a:ext uri="{FF2B5EF4-FFF2-40B4-BE49-F238E27FC236}">
-                <a16:creationId xmlns:a16="http://schemas.microsoft.com/office/drawing/2014/main" id="{56929E8D-688F-D641-A5A6-703D9CED5C28}"/>
-              </a:ext>
-            </a:extLst>
-          </p:cNvPr>
-          <p:cNvCxnSpPr>
-            <a:cxnSpLocks/>
-          </p:cNvCxnSpPr>
-          <p:nvPr/>
-        </p:nvCxnSpPr>
-        <p:spPr>
-          <a:xfrm>
-            <a:off x="3499153" y="4675910"/>
-            <a:ext cx="0" cy="2182090"/>
-          </a:xfrm>
-          <a:prstGeom prst="line">
-            <a:avLst/>
-          </a:prstGeom>
-          <a:ln w="25400">
-            <a:solidFill>
-              <a:schemeClr val="tx1"/>
-            </a:solidFill>
-          </a:ln>
-        </p:spPr>
-        <p:style>
-          <a:lnRef idx="1">
-            <a:schemeClr val="accent1"/>
-          </a:lnRef>
-          <a:fillRef idx="0">
-            <a:schemeClr val="accent1"/>
-          </a:fillRef>
-          <a:effectRef idx="0">
-            <a:schemeClr val="accent1"/>
-          </a:effectRef>
-          <a:fontRef idx="minor">
-            <a:schemeClr val="tx1"/>
-          </a:fontRef>
-        </p:style>
-      </p:cxnSp>
-      <p:cxnSp>
-        <p:nvCxnSpPr>
-          <p:cNvPr id="8" name="直線コネクタ 7">
-            <a:extLst>
-              <a:ext uri="{FF2B5EF4-FFF2-40B4-BE49-F238E27FC236}">
-                <a16:creationId xmlns:a16="http://schemas.microsoft.com/office/drawing/2014/main" id="{B455C9EF-877D-2747-8388-A0D7B563AEFA}"/>
-              </a:ext>
-            </a:extLst>
-          </p:cNvPr>
-          <p:cNvCxnSpPr>
-            <a:cxnSpLocks/>
-          </p:cNvCxnSpPr>
-          <p:nvPr/>
-        </p:nvCxnSpPr>
-        <p:spPr>
-          <a:xfrm>
-            <a:off x="6377388" y="4675910"/>
-            <a:ext cx="0" cy="2182090"/>
-          </a:xfrm>
-          <a:prstGeom prst="line">
-            <a:avLst/>
-          </a:prstGeom>
-          <a:ln w="25400">
-            <a:solidFill>
-              <a:schemeClr val="tx1"/>
-            </a:solidFill>
-          </a:ln>
-        </p:spPr>
-        <p:style>
-          <a:lnRef idx="1">
-            <a:schemeClr val="accent1"/>
-          </a:lnRef>
-          <a:fillRef idx="0">
-            <a:schemeClr val="accent1"/>
-          </a:fillRef>
-          <a:effectRef idx="0">
-            <a:schemeClr val="accent1"/>
-          </a:effectRef>
-          <a:fontRef idx="minor">
-            <a:schemeClr val="tx1"/>
-          </a:fontRef>
-        </p:style>
-      </p:cxnSp>
-      <p:cxnSp>
-        <p:nvCxnSpPr>
-          <p:cNvPr id="9" name="直線コネクタ 8">
-            <a:extLst>
-              <a:ext uri="{FF2B5EF4-FFF2-40B4-BE49-F238E27FC236}">
-                <a16:creationId xmlns:a16="http://schemas.microsoft.com/office/drawing/2014/main" id="{B244B9F0-4E07-1A4A-9557-673080DF2066}"/>
-              </a:ext>
-            </a:extLst>
-          </p:cNvPr>
-          <p:cNvCxnSpPr>
-            <a:cxnSpLocks/>
-          </p:cNvCxnSpPr>
-          <p:nvPr/>
-        </p:nvCxnSpPr>
-        <p:spPr>
-          <a:xfrm>
-            <a:off x="6378316" y="0"/>
-            <a:ext cx="0" cy="2216728"/>
-          </a:xfrm>
-          <a:prstGeom prst="line">
-            <a:avLst/>
-          </a:prstGeom>
-          <a:ln w="25400">
-            <a:solidFill>
-              <a:schemeClr val="tx1"/>
-            </a:solidFill>
-          </a:ln>
-        </p:spPr>
-        <p:style>
-          <a:lnRef idx="1">
-            <a:schemeClr val="accent1"/>
-          </a:lnRef>
-          <a:fillRef idx="0">
-            <a:schemeClr val="accent1"/>
-          </a:fillRef>
-          <a:effectRef idx="0">
-            <a:schemeClr val="accent1"/>
-          </a:effectRef>
-          <a:fontRef idx="minor">
-            <a:schemeClr val="tx1"/>
-          </a:fontRef>
-        </p:style>
-      </p:cxnSp>
-      <p:cxnSp>
-        <p:nvCxnSpPr>
-          <p:cNvPr id="11" name="直線コネクタ 10">
-            <a:extLst>
-              <a:ext uri="{FF2B5EF4-FFF2-40B4-BE49-F238E27FC236}">
-                <a16:creationId xmlns:a16="http://schemas.microsoft.com/office/drawing/2014/main" id="{26A22795-337F-E744-BF80-1DCFC6F06CF9}"/>
-              </a:ext>
-            </a:extLst>
-          </p:cNvPr>
-          <p:cNvCxnSpPr>
-            <a:cxnSpLocks/>
-          </p:cNvCxnSpPr>
-          <p:nvPr/>
-        </p:nvCxnSpPr>
-        <p:spPr>
-          <a:xfrm flipH="1">
-            <a:off x="838199" y="2216728"/>
-            <a:ext cx="2660954" cy="0"/>
-          </a:xfrm>
-          <a:prstGeom prst="line">
-            <a:avLst/>
-          </a:prstGeom>
-          <a:ln w="25400">
-            <a:solidFill>
-              <a:schemeClr val="tx1"/>
-            </a:solidFill>
-          </a:ln>
-        </p:spPr>
-        <p:style>
-          <a:lnRef idx="1">
-            <a:schemeClr val="accent1"/>
-          </a:lnRef>
-          <a:fillRef idx="0">
-            <a:schemeClr val="accent1"/>
-          </a:fillRef>
-          <a:effectRef idx="0">
-            <a:schemeClr val="accent1"/>
-          </a:effectRef>
-          <a:fontRef idx="minor">
-            <a:schemeClr val="tx1"/>
-          </a:fontRef>
-        </p:style>
-      </p:cxnSp>
-      <p:cxnSp>
-        <p:nvCxnSpPr>
-          <p:cNvPr id="15" name="直線コネクタ 14">
-            <a:extLst>
-              <a:ext uri="{FF2B5EF4-FFF2-40B4-BE49-F238E27FC236}">
-                <a16:creationId xmlns:a16="http://schemas.microsoft.com/office/drawing/2014/main" id="{0C8B3AC5-323C-5D4D-8F6E-5D526EE5CD9A}"/>
-              </a:ext>
-            </a:extLst>
-          </p:cNvPr>
-          <p:cNvCxnSpPr>
-            <a:cxnSpLocks/>
-          </p:cNvCxnSpPr>
-          <p:nvPr/>
-        </p:nvCxnSpPr>
-        <p:spPr>
-          <a:xfrm flipH="1">
-            <a:off x="838199" y="4675910"/>
-            <a:ext cx="2660954" cy="0"/>
-          </a:xfrm>
-          <a:prstGeom prst="line">
-            <a:avLst/>
-          </a:prstGeom>
-          <a:ln w="25400">
-            <a:solidFill>
-              <a:schemeClr val="tx1"/>
-            </a:solidFill>
-          </a:ln>
-        </p:spPr>
-        <p:style>
-          <a:lnRef idx="1">
-            <a:schemeClr val="accent1"/>
-          </a:lnRef>
-          <a:fillRef idx="0">
-            <a:schemeClr val="accent1"/>
-          </a:fillRef>
-          <a:effectRef idx="0">
-            <a:schemeClr val="accent1"/>
-          </a:effectRef>
-          <a:fontRef idx="minor">
-            <a:schemeClr val="tx1"/>
-          </a:fontRef>
-        </p:style>
-      </p:cxnSp>
-      <p:cxnSp>
-        <p:nvCxnSpPr>
-          <p:cNvPr id="16" name="直線コネクタ 15">
-            <a:extLst>
-              <a:ext uri="{FF2B5EF4-FFF2-40B4-BE49-F238E27FC236}">
-                <a16:creationId xmlns:a16="http://schemas.microsoft.com/office/drawing/2014/main" id="{E5F9B5E9-7FBF-474F-A26D-856B8900CD16}"/>
-              </a:ext>
-            </a:extLst>
-          </p:cNvPr>
-          <p:cNvCxnSpPr>
-            <a:cxnSpLocks/>
-          </p:cNvCxnSpPr>
-          <p:nvPr/>
-        </p:nvCxnSpPr>
-        <p:spPr>
-          <a:xfrm flipH="1">
-            <a:off x="6377388" y="4675910"/>
-            <a:ext cx="2697399" cy="0"/>
-          </a:xfrm>
-          <a:prstGeom prst="line">
-            <a:avLst/>
-          </a:prstGeom>
-          <a:ln w="25400">
-            <a:solidFill>
-              <a:schemeClr val="tx1"/>
-            </a:solidFill>
-          </a:ln>
-        </p:spPr>
-        <p:style>
-          <a:lnRef idx="1">
-            <a:schemeClr val="accent1"/>
-          </a:lnRef>
-          <a:fillRef idx="0">
-            <a:schemeClr val="accent1"/>
-          </a:fillRef>
-          <a:effectRef idx="0">
-            <a:schemeClr val="accent1"/>
-          </a:effectRef>
-          <a:fontRef idx="minor">
-            <a:schemeClr val="tx1"/>
-          </a:fontRef>
-        </p:style>
-      </p:cxnSp>
-      <p:cxnSp>
-        <p:nvCxnSpPr>
-          <p:cNvPr id="17" name="直線コネクタ 16">
-            <a:extLst>
-              <a:ext uri="{FF2B5EF4-FFF2-40B4-BE49-F238E27FC236}">
-                <a16:creationId xmlns:a16="http://schemas.microsoft.com/office/drawing/2014/main" id="{FA4D760E-E77E-AA4E-B624-F82C306B1C6C}"/>
-              </a:ext>
-            </a:extLst>
-          </p:cNvPr>
-          <p:cNvCxnSpPr>
-            <a:cxnSpLocks/>
-          </p:cNvCxnSpPr>
-          <p:nvPr/>
-        </p:nvCxnSpPr>
-        <p:spPr>
-          <a:xfrm flipH="1">
-            <a:off x="6378316" y="2216728"/>
-            <a:ext cx="2660954" cy="0"/>
-          </a:xfrm>
-          <a:prstGeom prst="line">
-            <a:avLst/>
-          </a:prstGeom>
-          <a:ln w="25400">
-            <a:solidFill>
-              <a:schemeClr val="tx1"/>
-            </a:solidFill>
-          </a:ln>
-        </p:spPr>
-        <p:style>
-          <a:lnRef idx="1">
-            <a:schemeClr val="accent1"/>
-          </a:lnRef>
-          <a:fillRef idx="0">
-            <a:schemeClr val="accent1"/>
-          </a:fillRef>
-          <a:effectRef idx="0">
-            <a:schemeClr val="accent1"/>
-          </a:effectRef>
-          <a:fontRef idx="minor">
-            <a:schemeClr val="tx1"/>
-          </a:fontRef>
-        </p:style>
-      </p:cxnSp>
-      <p:sp>
-        <p:nvSpPr>
-          <p:cNvPr id="2" name="正方形/長方形 1">
-            <a:extLst>
-              <a:ext uri="{FF2B5EF4-FFF2-40B4-BE49-F238E27FC236}">
-                <a16:creationId xmlns:a16="http://schemas.microsoft.com/office/drawing/2014/main" id="{DD480737-CDE2-A848-A0D0-A25CB4F1756C}"/>
-              </a:ext>
-            </a:extLst>
-          </p:cNvPr>
-          <p:cNvSpPr/>
-          <p:nvPr/>
-        </p:nvSpPr>
-        <p:spPr>
-          <a:xfrm>
-            <a:off x="3499154" y="1"/>
-            <a:ext cx="2862656" cy="2011868"/>
-          </a:xfrm>
-          <a:prstGeom prst="rect">
-            <a:avLst/>
-          </a:prstGeom>
-          <a:solidFill>
-            <a:schemeClr val="bg2">
-              <a:lumMod val="90000"/>
-            </a:schemeClr>
-          </a:solidFill>
-          <a:ln>
-            <a:solidFill>
-              <a:schemeClr val="tx1">
-                <a:lumMod val="50000"/>
-                <a:lumOff val="50000"/>
-              </a:schemeClr>
-            </a:solidFill>
-          </a:ln>
-        </p:spPr>
-        <p:style>
-          <a:lnRef idx="2">
-            <a:schemeClr val="accent1">
-              <a:shade val="50000"/>
-            </a:schemeClr>
-          </a:lnRef>
-          <a:fillRef idx="1">
-            <a:schemeClr val="accent1"/>
-          </a:fillRef>
-          <a:effectRef idx="0">
-            <a:schemeClr val="accent1"/>
-          </a:effectRef>
-          <a:fontRef idx="minor">
-            <a:schemeClr val="lt1"/>
-          </a:fontRef>
-        </p:style>
-        <p:txBody>
-          <a:bodyPr rtlCol="0" anchor="ctr"/>
-          <a:lstStyle/>
-          <a:p>
-            <a:pPr algn="ctr"/>
-            <a:endParaRPr kumimoji="1" lang="ja-JP" altLang="en-US"/>
-          </a:p>
-        </p:txBody>
-      </p:sp>
-      <p:sp>
-        <p:nvSpPr>
-          <p:cNvPr id="25" name="円/楕円 24">
-            <a:extLst>
-              <a:ext uri="{FF2B5EF4-FFF2-40B4-BE49-F238E27FC236}">
-                <a16:creationId xmlns:a16="http://schemas.microsoft.com/office/drawing/2014/main" id="{81099B5A-C045-8541-B6B7-F78E8489E22C}"/>
-              </a:ext>
-            </a:extLst>
-          </p:cNvPr>
-          <p:cNvSpPr/>
-          <p:nvPr/>
-        </p:nvSpPr>
-        <p:spPr>
-          <a:xfrm>
-            <a:off x="3393328" y="2063807"/>
-            <a:ext cx="3058729" cy="2958986"/>
-          </a:xfrm>
-          <a:prstGeom prst="ellipse">
-            <a:avLst/>
-          </a:prstGeom>
-          <a:solidFill>
-            <a:schemeClr val="bg1"/>
-          </a:solidFill>
-        </p:spPr>
-        <p:style>
-          <a:lnRef idx="2">
-            <a:schemeClr val="dk1"/>
-          </a:lnRef>
-          <a:fillRef idx="1">
-            <a:schemeClr val="lt1"/>
-          </a:fillRef>
-          <a:effectRef idx="0">
-            <a:schemeClr val="dk1"/>
-          </a:effectRef>
-          <a:fontRef idx="minor">
-            <a:schemeClr val="dk1"/>
-          </a:fontRef>
-        </p:style>
-        <p:txBody>
-          <a:bodyPr rtlCol="0" anchor="ctr"/>
-          <a:lstStyle/>
-          <a:p>
-            <a:pPr algn="ctr"/>
-            <a:r>
-              <a:rPr lang="en-US" altLang="ja-JP" dirty="0"/>
-              <a:t>passing</a:t>
-            </a:r>
-            <a:endParaRPr kumimoji="1" lang="ja-JP" altLang="en-US"/>
-          </a:p>
-        </p:txBody>
-      </p:sp>
-      <p:cxnSp>
-        <p:nvCxnSpPr>
-          <p:cNvPr id="27" name="直線コネクタ 26">
-            <a:extLst>
-              <a:ext uri="{FF2B5EF4-FFF2-40B4-BE49-F238E27FC236}">
-                <a16:creationId xmlns:a16="http://schemas.microsoft.com/office/drawing/2014/main" id="{FEA64BF5-B3C1-244D-A38F-461D1124FA48}"/>
-              </a:ext>
-            </a:extLst>
-          </p:cNvPr>
-          <p:cNvCxnSpPr>
-            <a:cxnSpLocks/>
-          </p:cNvCxnSpPr>
-          <p:nvPr/>
-        </p:nvCxnSpPr>
-        <p:spPr>
-          <a:xfrm>
-            <a:off x="945573" y="3543300"/>
-            <a:ext cx="8093697" cy="0"/>
-          </a:xfrm>
-          <a:prstGeom prst="line">
-            <a:avLst/>
-          </a:prstGeom>
-          <a:ln>
-            <a:solidFill>
-              <a:schemeClr val="tx1"/>
-            </a:solidFill>
-            <a:prstDash val="dashDot"/>
-          </a:ln>
-        </p:spPr>
-        <p:style>
-          <a:lnRef idx="1">
-            <a:schemeClr val="accent1"/>
-          </a:lnRef>
-          <a:fillRef idx="0">
-            <a:schemeClr val="accent1"/>
-          </a:fillRef>
-          <a:effectRef idx="0">
-            <a:schemeClr val="accent1"/>
-          </a:effectRef>
-          <a:fontRef idx="minor">
-            <a:schemeClr val="tx1"/>
-          </a:fontRef>
-        </p:style>
-      </p:cxnSp>
-      <p:cxnSp>
-        <p:nvCxnSpPr>
-          <p:cNvPr id="34" name="直線コネクタ 33">
-            <a:extLst>
-              <a:ext uri="{FF2B5EF4-FFF2-40B4-BE49-F238E27FC236}">
-                <a16:creationId xmlns:a16="http://schemas.microsoft.com/office/drawing/2014/main" id="{A3894FC3-CDE6-9946-BEC6-C6E277F02AD2}"/>
-              </a:ext>
-            </a:extLst>
-          </p:cNvPr>
-          <p:cNvCxnSpPr>
-            <a:cxnSpLocks/>
-          </p:cNvCxnSpPr>
-          <p:nvPr/>
-        </p:nvCxnSpPr>
-        <p:spPr>
-          <a:xfrm flipV="1">
-            <a:off x="4922693" y="0"/>
-            <a:ext cx="0" cy="6712528"/>
-          </a:xfrm>
-          <a:prstGeom prst="line">
-            <a:avLst/>
-          </a:prstGeom>
-          <a:ln>
-            <a:solidFill>
-              <a:schemeClr val="tx1"/>
-            </a:solidFill>
-            <a:prstDash val="dashDot"/>
-          </a:ln>
-        </p:spPr>
-        <p:style>
-          <a:lnRef idx="1">
-            <a:schemeClr val="accent1"/>
-          </a:lnRef>
-          <a:fillRef idx="0">
-            <a:schemeClr val="accent1"/>
-          </a:fillRef>
-          <a:effectRef idx="0">
-            <a:schemeClr val="accent1"/>
-          </a:effectRef>
-          <a:fontRef idx="minor">
-            <a:schemeClr val="tx1"/>
-          </a:fontRef>
-        </p:style>
-      </p:cxnSp>
-      <p:sp>
-        <p:nvSpPr>
-          <p:cNvPr id="22" name="正方形/長方形 21">
-            <a:extLst>
-              <a:ext uri="{FF2B5EF4-FFF2-40B4-BE49-F238E27FC236}">
-                <a16:creationId xmlns:a16="http://schemas.microsoft.com/office/drawing/2014/main" id="{3800D9A0-657C-9D4C-9C57-2E34EDC4A848}"/>
-              </a:ext>
-            </a:extLst>
-          </p:cNvPr>
-          <p:cNvSpPr/>
-          <p:nvPr/>
-        </p:nvSpPr>
-        <p:spPr>
-          <a:xfrm rot="16200000">
-            <a:off x="859332" y="2195599"/>
-            <a:ext cx="2459180" cy="2501442"/>
-          </a:xfrm>
-          <a:prstGeom prst="rect">
-            <a:avLst/>
-          </a:prstGeom>
-          <a:solidFill>
-            <a:schemeClr val="bg2">
-              <a:lumMod val="90000"/>
-            </a:schemeClr>
-          </a:solidFill>
-          <a:ln>
-            <a:solidFill>
-              <a:schemeClr val="tx1">
-                <a:lumMod val="50000"/>
-                <a:lumOff val="50000"/>
-              </a:schemeClr>
-            </a:solidFill>
-          </a:ln>
-        </p:spPr>
-        <p:style>
-          <a:lnRef idx="2">
-            <a:schemeClr val="accent1">
-              <a:shade val="50000"/>
-            </a:schemeClr>
-          </a:lnRef>
-          <a:fillRef idx="1">
-            <a:schemeClr val="accent1"/>
-          </a:fillRef>
-          <a:effectRef idx="0">
-            <a:schemeClr val="accent1"/>
-          </a:effectRef>
-          <a:fontRef idx="minor">
-            <a:schemeClr val="lt1"/>
-          </a:fontRef>
-        </p:style>
-        <p:txBody>
-          <a:bodyPr rtlCol="0" anchor="ctr"/>
-          <a:lstStyle/>
-          <a:p>
-            <a:pPr algn="ctr"/>
-            <a:endParaRPr kumimoji="1" lang="ja-JP" altLang="en-US"/>
-          </a:p>
-        </p:txBody>
-      </p:sp>
-      <p:sp>
-        <p:nvSpPr>
-          <p:cNvPr id="23" name="正方形/長方形 22">
-            <a:extLst>
-              <a:ext uri="{FF2B5EF4-FFF2-40B4-BE49-F238E27FC236}">
-                <a16:creationId xmlns:a16="http://schemas.microsoft.com/office/drawing/2014/main" id="{E18C4ED3-C342-914C-80BE-364B57675CDD}"/>
-              </a:ext>
-            </a:extLst>
-          </p:cNvPr>
-          <p:cNvSpPr/>
-          <p:nvPr/>
-        </p:nvSpPr>
-        <p:spPr>
-          <a:xfrm rot="5400000">
-            <a:off x="6547275" y="2183918"/>
-            <a:ext cx="2459178" cy="2524812"/>
-          </a:xfrm>
-          <a:prstGeom prst="rect">
-            <a:avLst/>
-          </a:prstGeom>
-          <a:solidFill>
-            <a:schemeClr val="bg2">
-              <a:lumMod val="90000"/>
-            </a:schemeClr>
-          </a:solidFill>
-          <a:ln>
-            <a:solidFill>
-              <a:schemeClr val="tx1">
-                <a:lumMod val="50000"/>
-                <a:lumOff val="50000"/>
-              </a:schemeClr>
-            </a:solidFill>
-          </a:ln>
-        </p:spPr>
-        <p:style>
-          <a:lnRef idx="2">
-            <a:schemeClr val="accent1">
-              <a:shade val="50000"/>
-            </a:schemeClr>
-          </a:lnRef>
-          <a:fillRef idx="1">
-            <a:schemeClr val="accent1"/>
-          </a:fillRef>
-          <a:effectRef idx="0">
-            <a:schemeClr val="accent1"/>
-          </a:effectRef>
-          <a:fontRef idx="minor">
-            <a:schemeClr val="lt1"/>
-          </a:fontRef>
-        </p:style>
-        <p:txBody>
-          <a:bodyPr rtlCol="0" anchor="ctr"/>
-          <a:lstStyle/>
-          <a:p>
-            <a:pPr algn="ctr"/>
-            <a:endParaRPr kumimoji="1" lang="ja-JP" altLang="en-US"/>
-          </a:p>
-        </p:txBody>
-      </p:sp>
-      <p:sp>
-        <p:nvSpPr>
-          <p:cNvPr id="24" name="正方形/長方形 23">
-            <a:extLst>
-              <a:ext uri="{FF2B5EF4-FFF2-40B4-BE49-F238E27FC236}">
-                <a16:creationId xmlns:a16="http://schemas.microsoft.com/office/drawing/2014/main" id="{4D4DC238-0BC1-7141-8F22-DF4C4BBCC6A6}"/>
-              </a:ext>
-            </a:extLst>
-          </p:cNvPr>
-          <p:cNvSpPr/>
-          <p:nvPr/>
-        </p:nvSpPr>
-        <p:spPr>
-          <a:xfrm>
-            <a:off x="3499153" y="5044538"/>
-            <a:ext cx="2862656" cy="1813462"/>
-          </a:xfrm>
-          <a:prstGeom prst="rect">
-            <a:avLst/>
-          </a:prstGeom>
-          <a:solidFill>
-            <a:schemeClr val="bg2">
-              <a:lumMod val="90000"/>
-            </a:schemeClr>
-          </a:solidFill>
-          <a:ln>
-            <a:solidFill>
-              <a:schemeClr val="tx1">
-                <a:lumMod val="50000"/>
-                <a:lumOff val="50000"/>
-              </a:schemeClr>
-            </a:solidFill>
-          </a:ln>
-        </p:spPr>
-        <p:style>
-          <a:lnRef idx="2">
-            <a:schemeClr val="accent1">
-              <a:shade val="50000"/>
-            </a:schemeClr>
-          </a:lnRef>
-          <a:fillRef idx="1">
-            <a:schemeClr val="accent1"/>
-          </a:fillRef>
-          <a:effectRef idx="0">
-            <a:schemeClr val="accent1"/>
-          </a:effectRef>
-          <a:fontRef idx="minor">
-            <a:schemeClr val="lt1"/>
-          </a:fontRef>
-        </p:style>
-        <p:txBody>
-          <a:bodyPr rtlCol="0" anchor="ctr"/>
-          <a:lstStyle/>
-          <a:p>
-            <a:pPr algn="ctr"/>
-            <a:endParaRPr kumimoji="1" lang="ja-JP" altLang="en-US"/>
-          </a:p>
-        </p:txBody>
-      </p:sp>
-    </p:spTree>
-    <p:extLst>
-      <p:ext uri="{BB962C8B-B14F-4D97-AF65-F5344CB8AC3E}">
-        <p14:creationId xmlns:p14="http://schemas.microsoft.com/office/powerpoint/2010/main" val="1839975979"/>
-      </p:ext>
-    </p:extLst>
-  </p:cSld>
-  <p:clrMapOvr>
-    <a:masterClrMapping/>
-  </p:clrMapOvr>
-</p:sld>
-</file>
-
-<file path=ppt/slides/slide6.xml><?xml version="1.0" encoding="utf-8"?>
 <p:sld xmlns:a="http://schemas.openxmlformats.org/drawingml/2006/main" xmlns:r="http://schemas.openxmlformats.org/officeDocument/2006/relationships" xmlns:p="http://schemas.openxmlformats.org/presentationml/2006/main">
   <p:cSld>
     <p:spTree>

--- a/model.pptx
+++ b/model.pptx
@@ -212,7 +212,7 @@
           <a:p>
             <a:fld id="{08D58E85-CF1A-C64D-93E8-803026A0D1DE}" type="datetimeFigureOut">
               <a:rPr kumimoji="1" lang="ja-JP" altLang="en-US" smtClean="0"/>
-              <a:t>2019/11/7</a:t>
+              <a:t>2019/11/12</a:t>
             </a:fld>
             <a:endParaRPr kumimoji="1" lang="ja-JP" altLang="en-US"/>
           </a:p>
@@ -701,7 +701,7 @@
           <a:p>
             <a:fld id="{824D94B4-09CF-5746-A7BC-392D3451DE3D}" type="datetimeFigureOut">
               <a:rPr kumimoji="1" lang="ja-JP" altLang="en-US" smtClean="0"/>
-              <a:t>2019/11/7</a:t>
+              <a:t>2019/11/12</a:t>
             </a:fld>
             <a:endParaRPr kumimoji="1" lang="ja-JP" altLang="en-US"/>
           </a:p>
@@ -879,7 +879,7 @@
           <a:p>
             <a:fld id="{824D94B4-09CF-5746-A7BC-392D3451DE3D}" type="datetimeFigureOut">
               <a:rPr kumimoji="1" lang="ja-JP" altLang="en-US" smtClean="0"/>
-              <a:t>2019/11/7</a:t>
+              <a:t>2019/11/12</a:t>
             </a:fld>
             <a:endParaRPr kumimoji="1" lang="ja-JP" altLang="en-US"/>
           </a:p>
@@ -1067,7 +1067,7 @@
           <a:p>
             <a:fld id="{824D94B4-09CF-5746-A7BC-392D3451DE3D}" type="datetimeFigureOut">
               <a:rPr kumimoji="1" lang="ja-JP" altLang="en-US" smtClean="0"/>
-              <a:t>2019/11/7</a:t>
+              <a:t>2019/11/12</a:t>
             </a:fld>
             <a:endParaRPr kumimoji="1" lang="ja-JP" altLang="en-US"/>
           </a:p>
@@ -1245,7 +1245,7 @@
           <a:p>
             <a:fld id="{824D94B4-09CF-5746-A7BC-392D3451DE3D}" type="datetimeFigureOut">
               <a:rPr kumimoji="1" lang="ja-JP" altLang="en-US" smtClean="0"/>
-              <a:t>2019/11/7</a:t>
+              <a:t>2019/11/12</a:t>
             </a:fld>
             <a:endParaRPr kumimoji="1" lang="ja-JP" altLang="en-US"/>
           </a:p>
@@ -1526,7 +1526,7 @@
           <a:p>
             <a:fld id="{824D94B4-09CF-5746-A7BC-392D3451DE3D}" type="datetimeFigureOut">
               <a:rPr kumimoji="1" lang="ja-JP" altLang="en-US" smtClean="0"/>
-              <a:t>2019/11/7</a:t>
+              <a:t>2019/11/12</a:t>
             </a:fld>
             <a:endParaRPr kumimoji="1" lang="ja-JP" altLang="en-US"/>
           </a:p>
@@ -1774,7 +1774,7 @@
           <a:p>
             <a:fld id="{824D94B4-09CF-5746-A7BC-392D3451DE3D}" type="datetimeFigureOut">
               <a:rPr kumimoji="1" lang="ja-JP" altLang="en-US" smtClean="0"/>
-              <a:t>2019/11/7</a:t>
+              <a:t>2019/11/12</a:t>
             </a:fld>
             <a:endParaRPr kumimoji="1" lang="ja-JP" altLang="en-US"/>
           </a:p>
@@ -2231,7 +2231,7 @@
           <a:p>
             <a:fld id="{824D94B4-09CF-5746-A7BC-392D3451DE3D}" type="datetimeFigureOut">
               <a:rPr kumimoji="1" lang="ja-JP" altLang="en-US" smtClean="0"/>
-              <a:t>2019/11/7</a:t>
+              <a:t>2019/11/12</a:t>
             </a:fld>
             <a:endParaRPr kumimoji="1" lang="ja-JP" altLang="en-US"/>
           </a:p>
@@ -2349,7 +2349,7 @@
           <a:p>
             <a:fld id="{824D94B4-09CF-5746-A7BC-392D3451DE3D}" type="datetimeFigureOut">
               <a:rPr kumimoji="1" lang="ja-JP" altLang="en-US" smtClean="0"/>
-              <a:t>2019/11/7</a:t>
+              <a:t>2019/11/12</a:t>
             </a:fld>
             <a:endParaRPr kumimoji="1" lang="ja-JP" altLang="en-US"/>
           </a:p>
@@ -2444,7 +2444,7 @@
           <a:p>
             <a:fld id="{824D94B4-09CF-5746-A7BC-392D3451DE3D}" type="datetimeFigureOut">
               <a:rPr kumimoji="1" lang="ja-JP" altLang="en-US" smtClean="0"/>
-              <a:t>2019/11/7</a:t>
+              <a:t>2019/11/12</a:t>
             </a:fld>
             <a:endParaRPr kumimoji="1" lang="ja-JP" altLang="en-US"/>
           </a:p>
@@ -2766,7 +2766,7 @@
           <a:p>
             <a:fld id="{824D94B4-09CF-5746-A7BC-392D3451DE3D}" type="datetimeFigureOut">
               <a:rPr kumimoji="1" lang="ja-JP" altLang="en-US" smtClean="0"/>
-              <a:t>2019/11/7</a:t>
+              <a:t>2019/11/12</a:t>
             </a:fld>
             <a:endParaRPr kumimoji="1" lang="ja-JP" altLang="en-US"/>
           </a:p>
@@ -3060,7 +3060,7 @@
           <a:p>
             <a:fld id="{824D94B4-09CF-5746-A7BC-392D3451DE3D}" type="datetimeFigureOut">
               <a:rPr kumimoji="1" lang="ja-JP" altLang="en-US" smtClean="0"/>
-              <a:t>2019/11/7</a:t>
+              <a:t>2019/11/12</a:t>
             </a:fld>
             <a:endParaRPr kumimoji="1" lang="ja-JP" altLang="en-US"/>
           </a:p>
@@ -3281,7 +3281,7 @@
           <a:p>
             <a:fld id="{824D94B4-09CF-5746-A7BC-392D3451DE3D}" type="datetimeFigureOut">
               <a:rPr kumimoji="1" lang="ja-JP" altLang="en-US" smtClean="0"/>
-              <a:t>2019/11/7</a:t>
+              <a:t>2019/11/12</a:t>
             </a:fld>
             <a:endParaRPr kumimoji="1" lang="ja-JP" altLang="en-US"/>
           </a:p>
@@ -4830,6 +4830,163 @@
       </p:cxnSp>
       <p:sp>
         <p:nvSpPr>
+          <p:cNvPr id="11" name="下矢印 10">
+            <a:extLst>
+              <a:ext uri="{FF2B5EF4-FFF2-40B4-BE49-F238E27FC236}">
+                <a16:creationId xmlns:a16="http://schemas.microsoft.com/office/drawing/2014/main" id="{7429CE47-4E23-6F49-AFBF-627619601BD9}"/>
+              </a:ext>
+            </a:extLst>
+          </p:cNvPr>
+          <p:cNvSpPr/>
+          <p:nvPr/>
+        </p:nvSpPr>
+        <p:spPr>
+          <a:xfrm>
+            <a:off x="4950695" y="3489152"/>
+            <a:ext cx="488704" cy="2841981"/>
+          </a:xfrm>
+          <a:prstGeom prst="downArrow">
+            <a:avLst/>
+          </a:prstGeom>
+          <a:solidFill>
+            <a:schemeClr val="tx1"/>
+          </a:solidFill>
+          <a:ln>
+            <a:noFill/>
+          </a:ln>
+        </p:spPr>
+        <p:style>
+          <a:lnRef idx="2">
+            <a:schemeClr val="accent1">
+              <a:shade val="50000"/>
+            </a:schemeClr>
+          </a:lnRef>
+          <a:fillRef idx="1">
+            <a:schemeClr val="accent1"/>
+          </a:fillRef>
+          <a:effectRef idx="0">
+            <a:schemeClr val="accent1"/>
+          </a:effectRef>
+          <a:fontRef idx="minor">
+            <a:schemeClr val="lt1"/>
+          </a:fontRef>
+        </p:style>
+        <p:txBody>
+          <a:bodyPr rtlCol="0" anchor="ctr"/>
+          <a:lstStyle/>
+          <a:p>
+            <a:pPr algn="ctr"/>
+            <a:endParaRPr kumimoji="1" lang="ja-JP" altLang="en-US"/>
+          </a:p>
+        </p:txBody>
+      </p:sp>
+      <p:sp>
+        <p:nvSpPr>
+          <p:cNvPr id="16" name="円/楕円 15">
+            <a:extLst>
+              <a:ext uri="{FF2B5EF4-FFF2-40B4-BE49-F238E27FC236}">
+                <a16:creationId xmlns:a16="http://schemas.microsoft.com/office/drawing/2014/main" id="{317E7FB2-9C03-D148-981F-74ED29B4735C}"/>
+              </a:ext>
+            </a:extLst>
+          </p:cNvPr>
+          <p:cNvSpPr/>
+          <p:nvPr/>
+        </p:nvSpPr>
+        <p:spPr>
+          <a:xfrm rot="16200000">
+            <a:off x="2290485" y="2120058"/>
+            <a:ext cx="679268" cy="953843"/>
+          </a:xfrm>
+          <a:prstGeom prst="ellipse">
+            <a:avLst/>
+          </a:prstGeom>
+          <a:solidFill>
+            <a:srgbClr val="FFFF00"/>
+          </a:solidFill>
+          <a:ln>
+            <a:noFill/>
+          </a:ln>
+        </p:spPr>
+        <p:style>
+          <a:lnRef idx="2">
+            <a:schemeClr val="accent1">
+              <a:shade val="50000"/>
+            </a:schemeClr>
+          </a:lnRef>
+          <a:fillRef idx="1">
+            <a:schemeClr val="accent1"/>
+          </a:fillRef>
+          <a:effectRef idx="0">
+            <a:schemeClr val="accent1"/>
+          </a:effectRef>
+          <a:fontRef idx="minor">
+            <a:schemeClr val="lt1"/>
+          </a:fontRef>
+        </p:style>
+        <p:txBody>
+          <a:bodyPr rtlCol="0" anchor="ctr"/>
+          <a:lstStyle/>
+          <a:p>
+            <a:pPr algn="ctr"/>
+            <a:endParaRPr kumimoji="1" lang="ja-JP" altLang="en-US"/>
+          </a:p>
+        </p:txBody>
+      </p:sp>
+      <p:sp>
+        <p:nvSpPr>
+          <p:cNvPr id="17" name="下矢印 16">
+            <a:extLst>
+              <a:ext uri="{FF2B5EF4-FFF2-40B4-BE49-F238E27FC236}">
+                <a16:creationId xmlns:a16="http://schemas.microsoft.com/office/drawing/2014/main" id="{93403B84-7CE1-D54E-B856-57031A6C02A9}"/>
+              </a:ext>
+            </a:extLst>
+          </p:cNvPr>
+          <p:cNvSpPr/>
+          <p:nvPr/>
+        </p:nvSpPr>
+        <p:spPr>
+          <a:xfrm rot="16200000">
+            <a:off x="3791566" y="2125841"/>
+            <a:ext cx="488704" cy="1486861"/>
+          </a:xfrm>
+          <a:prstGeom prst="downArrow">
+            <a:avLst/>
+          </a:prstGeom>
+          <a:noFill/>
+          <a:ln w="76200">
+            <a:solidFill>
+              <a:srgbClr val="FFFF00"/>
+            </a:solidFill>
+            <a:prstDash val="solid"/>
+          </a:ln>
+        </p:spPr>
+        <p:style>
+          <a:lnRef idx="2">
+            <a:schemeClr val="accent1">
+              <a:shade val="50000"/>
+            </a:schemeClr>
+          </a:lnRef>
+          <a:fillRef idx="1">
+            <a:schemeClr val="accent1"/>
+          </a:fillRef>
+          <a:effectRef idx="0">
+            <a:schemeClr val="accent1"/>
+          </a:effectRef>
+          <a:fontRef idx="minor">
+            <a:schemeClr val="lt1"/>
+          </a:fontRef>
+        </p:style>
+        <p:txBody>
+          <a:bodyPr rtlCol="0" anchor="ctr"/>
+          <a:lstStyle/>
+          <a:p>
+            <a:pPr algn="ctr"/>
+            <a:endParaRPr kumimoji="1" lang="ja-JP" altLang="en-US"/>
+          </a:p>
+        </p:txBody>
+      </p:sp>
+      <p:sp>
+        <p:nvSpPr>
           <p:cNvPr id="2" name="円/楕円 1">
             <a:extLst>
               <a:ext uri="{FF2B5EF4-FFF2-40B4-BE49-F238E27FC236}">
@@ -4842,7 +4999,7 @@
         </p:nvSpPr>
         <p:spPr>
           <a:xfrm>
-            <a:off x="4855413" y="2731512"/>
+            <a:off x="4855413" y="2194243"/>
             <a:ext cx="679268" cy="953843"/>
           </a:xfrm>
           <a:prstGeom prst="ellipse">
@@ -4887,10 +5044,10 @@
       </p:sp>
       <p:sp>
         <p:nvSpPr>
-          <p:cNvPr id="11" name="下矢印 10">
+          <p:cNvPr id="22" name="曲折矢印 21">
             <a:extLst>
               <a:ext uri="{FF2B5EF4-FFF2-40B4-BE49-F238E27FC236}">
-                <a16:creationId xmlns:a16="http://schemas.microsoft.com/office/drawing/2014/main" id="{7429CE47-4E23-6F49-AFBF-627619601BD9}"/>
+                <a16:creationId xmlns:a16="http://schemas.microsoft.com/office/drawing/2014/main" id="{FFAF3DFB-6708-CD41-8ED3-C405FBD24961}"/>
               </a:ext>
             </a:extLst>
           </p:cNvPr>
@@ -4898,18 +5055,23 @@
           <p:nvPr/>
         </p:nvSpPr>
         <p:spPr>
-          <a:xfrm>
-            <a:off x="4949542" y="4093029"/>
-            <a:ext cx="488704" cy="2464654"/>
-          </a:xfrm>
-          <a:prstGeom prst="downArrow">
-            <a:avLst/>
-          </a:prstGeom>
-          <a:solidFill>
-            <a:schemeClr val="tx1"/>
-          </a:solidFill>
-          <a:ln>
-            <a:noFill/>
+          <a:xfrm rot="5400000" flipH="1">
+            <a:off x="3237127" y="1149508"/>
+            <a:ext cx="1272985" cy="1233075"/>
+          </a:xfrm>
+          <a:prstGeom prst="bentArrow">
+            <a:avLst>
+              <a:gd name="adj1" fmla="val 14732"/>
+              <a:gd name="adj2" fmla="val 20168"/>
+              <a:gd name="adj3" fmla="val 25000"/>
+              <a:gd name="adj4" fmla="val 43750"/>
+            </a:avLst>
+          </a:prstGeom>
+          <a:noFill/>
+          <a:ln w="76200">
+            <a:solidFill>
+              <a:srgbClr val="FFFF00"/>
+            </a:solidFill>
           </a:ln>
         </p:spPr>
         <p:style>
@@ -4933,16 +5095,20 @@
           <a:lstStyle/>
           <a:p>
             <a:pPr algn="ctr"/>
-            <a:endParaRPr kumimoji="1" lang="ja-JP" altLang="en-US"/>
-          </a:p>
-        </p:txBody>
-      </p:sp>
-      <p:sp>
-        <p:nvSpPr>
-          <p:cNvPr id="16" name="円/楕円 15">
+            <a:endParaRPr kumimoji="1" lang="ja-JP" altLang="en-US">
+              <a:solidFill>
+                <a:schemeClr val="tx1"/>
+              </a:solidFill>
+            </a:endParaRPr>
+          </a:p>
+        </p:txBody>
+      </p:sp>
+      <p:sp>
+        <p:nvSpPr>
+          <p:cNvPr id="24" name="曲折矢印 23">
             <a:extLst>
               <a:ext uri="{FF2B5EF4-FFF2-40B4-BE49-F238E27FC236}">
-                <a16:creationId xmlns:a16="http://schemas.microsoft.com/office/drawing/2014/main" id="{317E7FB2-9C03-D148-981F-74ED29B4735C}"/>
+                <a16:creationId xmlns:a16="http://schemas.microsoft.com/office/drawing/2014/main" id="{F95C699E-A6AE-3040-94C4-DB4A67160924}"/>
               </a:ext>
             </a:extLst>
           </p:cNvPr>
@@ -4950,22 +5116,22 @@
           <p:nvPr/>
         </p:nvSpPr>
         <p:spPr>
-          <a:xfrm rot="16200000">
-            <a:off x="-1324599" y="3434689"/>
-            <a:ext cx="679268" cy="953843"/>
-          </a:xfrm>
-          <a:prstGeom prst="ellipse">
-            <a:avLst/>
-          </a:prstGeom>
-          <a:solidFill>
-            <a:srgbClr val="FFFF00"/>
-          </a:solidFill>
-          <a:ln>
+          <a:xfrm rot="5400000">
+            <a:off x="3321252" y="3089210"/>
+            <a:ext cx="2372191" cy="2452533"/>
+          </a:xfrm>
+          <a:prstGeom prst="bentArrow">
+            <a:avLst>
+              <a:gd name="adj1" fmla="val 11760"/>
+              <a:gd name="adj2" fmla="val 14482"/>
+              <a:gd name="adj3" fmla="val 19860"/>
+              <a:gd name="adj4" fmla="val 75143"/>
+            </a:avLst>
+          </a:prstGeom>
+          <a:noFill/>
+          <a:ln w="76200">
             <a:solidFill>
-              <a:schemeClr val="tx1">
-                <a:lumMod val="50000"/>
-                <a:lumOff val="50000"/>
-              </a:schemeClr>
+              <a:srgbClr val="FFFF00"/>
             </a:solidFill>
           </a:ln>
         </p:spPr>
@@ -4990,7 +5156,67 @@
           <a:lstStyle/>
           <a:p>
             <a:pPr algn="ctr"/>
-            <a:endParaRPr kumimoji="1" lang="ja-JP" altLang="en-US"/>
+            <a:endParaRPr kumimoji="1" lang="ja-JP" altLang="en-US">
+              <a:solidFill>
+                <a:schemeClr val="tx1"/>
+              </a:solidFill>
+            </a:endParaRPr>
+          </a:p>
+        </p:txBody>
+      </p:sp>
+      <p:sp>
+        <p:nvSpPr>
+          <p:cNvPr id="18" name="禁止 17">
+            <a:extLst>
+              <a:ext uri="{FF2B5EF4-FFF2-40B4-BE49-F238E27FC236}">
+                <a16:creationId xmlns:a16="http://schemas.microsoft.com/office/drawing/2014/main" id="{48008E1F-84BF-B640-924A-A635FAE6A968}"/>
+              </a:ext>
+            </a:extLst>
+          </p:cNvPr>
+          <p:cNvSpPr/>
+          <p:nvPr/>
+        </p:nvSpPr>
+        <p:spPr>
+          <a:xfrm>
+            <a:off x="3510326" y="2686880"/>
+            <a:ext cx="926180" cy="926180"/>
+          </a:xfrm>
+          <a:prstGeom prst="noSmoking">
+            <a:avLst/>
+          </a:prstGeom>
+          <a:solidFill>
+            <a:srgbClr val="FF0000"/>
+          </a:solidFill>
+          <a:ln>
+            <a:noFill/>
+          </a:ln>
+        </p:spPr>
+        <p:style>
+          <a:lnRef idx="2">
+            <a:schemeClr val="accent1">
+              <a:shade val="50000"/>
+            </a:schemeClr>
+          </a:lnRef>
+          <a:fillRef idx="1">
+            <a:schemeClr val="accent1"/>
+          </a:fillRef>
+          <a:effectRef idx="0">
+            <a:schemeClr val="accent1"/>
+          </a:effectRef>
+          <a:fontRef idx="minor">
+            <a:schemeClr val="lt1"/>
+          </a:fontRef>
+        </p:style>
+        <p:txBody>
+          <a:bodyPr rtlCol="0" anchor="ctr"/>
+          <a:lstStyle/>
+          <a:p>
+            <a:pPr algn="ctr"/>
+            <a:endParaRPr kumimoji="1" lang="ja-JP" altLang="en-US">
+              <a:solidFill>
+                <a:srgbClr val="FF0000"/>
+              </a:solidFill>
+            </a:endParaRPr>
           </a:p>
         </p:txBody>
       </p:sp>

--- a/model.pptx
+++ b/model.pptx
@@ -212,7 +212,7 @@
           <a:p>
             <a:fld id="{08D58E85-CF1A-C64D-93E8-803026A0D1DE}" type="datetimeFigureOut">
               <a:rPr kumimoji="1" lang="ja-JP" altLang="en-US" smtClean="0"/>
-              <a:t>2019/11/12</a:t>
+              <a:t>2019/12/5</a:t>
             </a:fld>
             <a:endParaRPr kumimoji="1" lang="ja-JP" altLang="en-US"/>
           </a:p>
@@ -701,7 +701,7 @@
           <a:p>
             <a:fld id="{824D94B4-09CF-5746-A7BC-392D3451DE3D}" type="datetimeFigureOut">
               <a:rPr kumimoji="1" lang="ja-JP" altLang="en-US" smtClean="0"/>
-              <a:t>2019/11/12</a:t>
+              <a:t>2019/12/5</a:t>
             </a:fld>
             <a:endParaRPr kumimoji="1" lang="ja-JP" altLang="en-US"/>
           </a:p>
@@ -879,7 +879,7 @@
           <a:p>
             <a:fld id="{824D94B4-09CF-5746-A7BC-392D3451DE3D}" type="datetimeFigureOut">
               <a:rPr kumimoji="1" lang="ja-JP" altLang="en-US" smtClean="0"/>
-              <a:t>2019/11/12</a:t>
+              <a:t>2019/12/5</a:t>
             </a:fld>
             <a:endParaRPr kumimoji="1" lang="ja-JP" altLang="en-US"/>
           </a:p>
@@ -1067,7 +1067,7 @@
           <a:p>
             <a:fld id="{824D94B4-09CF-5746-A7BC-392D3451DE3D}" type="datetimeFigureOut">
               <a:rPr kumimoji="1" lang="ja-JP" altLang="en-US" smtClean="0"/>
-              <a:t>2019/11/12</a:t>
+              <a:t>2019/12/5</a:t>
             </a:fld>
             <a:endParaRPr kumimoji="1" lang="ja-JP" altLang="en-US"/>
           </a:p>
@@ -1245,7 +1245,7 @@
           <a:p>
             <a:fld id="{824D94B4-09CF-5746-A7BC-392D3451DE3D}" type="datetimeFigureOut">
               <a:rPr kumimoji="1" lang="ja-JP" altLang="en-US" smtClean="0"/>
-              <a:t>2019/11/12</a:t>
+              <a:t>2019/12/5</a:t>
             </a:fld>
             <a:endParaRPr kumimoji="1" lang="ja-JP" altLang="en-US"/>
           </a:p>
@@ -1526,7 +1526,7 @@
           <a:p>
             <a:fld id="{824D94B4-09CF-5746-A7BC-392D3451DE3D}" type="datetimeFigureOut">
               <a:rPr kumimoji="1" lang="ja-JP" altLang="en-US" smtClean="0"/>
-              <a:t>2019/11/12</a:t>
+              <a:t>2019/12/5</a:t>
             </a:fld>
             <a:endParaRPr kumimoji="1" lang="ja-JP" altLang="en-US"/>
           </a:p>
@@ -1774,7 +1774,7 @@
           <a:p>
             <a:fld id="{824D94B4-09CF-5746-A7BC-392D3451DE3D}" type="datetimeFigureOut">
               <a:rPr kumimoji="1" lang="ja-JP" altLang="en-US" smtClean="0"/>
-              <a:t>2019/11/12</a:t>
+              <a:t>2019/12/5</a:t>
             </a:fld>
             <a:endParaRPr kumimoji="1" lang="ja-JP" altLang="en-US"/>
           </a:p>
@@ -2231,7 +2231,7 @@
           <a:p>
             <a:fld id="{824D94B4-09CF-5746-A7BC-392D3451DE3D}" type="datetimeFigureOut">
               <a:rPr kumimoji="1" lang="ja-JP" altLang="en-US" smtClean="0"/>
-              <a:t>2019/11/12</a:t>
+              <a:t>2019/12/5</a:t>
             </a:fld>
             <a:endParaRPr kumimoji="1" lang="ja-JP" altLang="en-US"/>
           </a:p>
@@ -2349,7 +2349,7 @@
           <a:p>
             <a:fld id="{824D94B4-09CF-5746-A7BC-392D3451DE3D}" type="datetimeFigureOut">
               <a:rPr kumimoji="1" lang="ja-JP" altLang="en-US" smtClean="0"/>
-              <a:t>2019/11/12</a:t>
+              <a:t>2019/12/5</a:t>
             </a:fld>
             <a:endParaRPr kumimoji="1" lang="ja-JP" altLang="en-US"/>
           </a:p>
@@ -2444,7 +2444,7 @@
           <a:p>
             <a:fld id="{824D94B4-09CF-5746-A7BC-392D3451DE3D}" type="datetimeFigureOut">
               <a:rPr kumimoji="1" lang="ja-JP" altLang="en-US" smtClean="0"/>
-              <a:t>2019/11/12</a:t>
+              <a:t>2019/12/5</a:t>
             </a:fld>
             <a:endParaRPr kumimoji="1" lang="ja-JP" altLang="en-US"/>
           </a:p>
@@ -2766,7 +2766,7 @@
           <a:p>
             <a:fld id="{824D94B4-09CF-5746-A7BC-392D3451DE3D}" type="datetimeFigureOut">
               <a:rPr kumimoji="1" lang="ja-JP" altLang="en-US" smtClean="0"/>
-              <a:t>2019/11/12</a:t>
+              <a:t>2019/12/5</a:t>
             </a:fld>
             <a:endParaRPr kumimoji="1" lang="ja-JP" altLang="en-US"/>
           </a:p>
@@ -3060,7 +3060,7 @@
           <a:p>
             <a:fld id="{824D94B4-09CF-5746-A7BC-392D3451DE3D}" type="datetimeFigureOut">
               <a:rPr kumimoji="1" lang="ja-JP" altLang="en-US" smtClean="0"/>
-              <a:t>2019/11/12</a:t>
+              <a:t>2019/12/5</a:t>
             </a:fld>
             <a:endParaRPr kumimoji="1" lang="ja-JP" altLang="en-US"/>
           </a:p>
@@ -3281,7 +3281,7 @@
           <a:p>
             <a:fld id="{824D94B4-09CF-5746-A7BC-392D3451DE3D}" type="datetimeFigureOut">
               <a:rPr kumimoji="1" lang="ja-JP" altLang="en-US" smtClean="0"/>
-              <a:t>2019/11/12</a:t>
+              <a:t>2019/12/5</a:t>
             </a:fld>
             <a:endParaRPr kumimoji="1" lang="ja-JP" altLang="en-US"/>
           </a:p>
@@ -3804,13 +3804,6 @@
           <a:lstStyle/>
           <a:p>
             <a:pPr algn="ctr"/>
-            <a:r>
-              <a:rPr lang="en-US" altLang="ja-JP" dirty="0">
-                <a:latin typeface="Hiragino Sans W4" panose="020B0400000000000000" pitchFamily="34" charset="-128"/>
-                <a:ea typeface="Hiragino Sans W4" panose="020B0400000000000000" pitchFamily="34" charset="-128"/>
-              </a:rPr>
-              <a:t>passing</a:t>
-            </a:r>
             <a:endParaRPr kumimoji="1" lang="ja-JP" altLang="en-US">
               <a:latin typeface="Hiragino Sans W4" panose="020B0400000000000000" pitchFamily="34" charset="-128"/>
               <a:ea typeface="Hiragino Sans W4" panose="020B0400000000000000" pitchFamily="34" charset="-128"/>
